--- a/presentation/presentation.pptx
+++ b/presentation/presentation.pptx
@@ -16,9 +16,9 @@
     <p:sldId id="286" r:id="rId7"/>
     <p:sldId id="287" r:id="rId8"/>
     <p:sldId id="289" r:id="rId9"/>
-    <p:sldId id="288" r:id="rId10"/>
-    <p:sldId id="291" r:id="rId11"/>
-    <p:sldId id="297" r:id="rId12"/>
+    <p:sldId id="291" r:id="rId10"/>
+    <p:sldId id="297" r:id="rId11"/>
+    <p:sldId id="288" r:id="rId12"/>
     <p:sldId id="290" r:id="rId13"/>
     <p:sldId id="294" r:id="rId14"/>
     <p:sldId id="292" r:id="rId15"/>
@@ -159,7 +159,7 @@
 <file path=ppt/revisionInfo.xml><?xml version="1.0" encoding="utf-8"?>
 <p1510:revInfo xmlns:a="http://schemas.openxmlformats.org/drawingml/2006/main" xmlns:r="http://schemas.openxmlformats.org/officeDocument/2006/relationships" xmlns:p1510="http://schemas.microsoft.com/office/powerpoint/2015/10/main">
   <p1510:revLst>
-    <p1510:client id="{6F35AC8A-A9C6-4443-85FB-A576940C4279}" v="480" dt="2022-12-07T08:19:59.305"/>
+    <p1510:client id="{6F35AC8A-A9C6-4443-85FB-A576940C4279}" v="497" dt="2022-12-07T08:35:48.047"/>
     <p1510:client id="{D10CD8E3-C2F2-49A3-A37D-9BB5B589C9DD}" v="2726" dt="2022-12-06T09:08:43.434"/>
   </p1510:revLst>
 </p1510:revInfo>
@@ -3005,7 +3005,7 @@
   <pc:docChgLst>
     <pc:chgData name="andrea tufo" userId="d050b73e0f01bb89" providerId="LiveId" clId="{6F35AC8A-A9C6-4443-85FB-A576940C4279}"/>
     <pc:docChg chg="undo custSel addSld modSld sldOrd">
-      <pc:chgData name="andrea tufo" userId="d050b73e0f01bb89" providerId="LiveId" clId="{6F35AC8A-A9C6-4443-85FB-A576940C4279}" dt="2022-12-07T08:19:59.305" v="1748" actId="20577"/>
+      <pc:chgData name="andrea tufo" userId="d050b73e0f01bb89" providerId="LiveId" clId="{6F35AC8A-A9C6-4443-85FB-A576940C4279}" dt="2022-12-07T08:35:48.047" v="2533" actId="767"/>
       <pc:docMkLst>
         <pc:docMk/>
       </pc:docMkLst>
@@ -3182,14 +3182,46 @@
           </ac:spMkLst>
         </pc:spChg>
       </pc:sldChg>
-      <pc:sldChg chg="modSp mod">
-        <pc:chgData name="andrea tufo" userId="d050b73e0f01bb89" providerId="LiveId" clId="{6F35AC8A-A9C6-4443-85FB-A576940C4279}" dt="2022-12-06T16:03:33.985" v="1734" actId="20577"/>
+      <pc:sldChg chg="addSp delSp modSp mod modAnim">
+        <pc:chgData name="andrea tufo" userId="d050b73e0f01bb89" providerId="LiveId" clId="{6F35AC8A-A9C6-4443-85FB-A576940C4279}" dt="2022-12-07T08:35:48.047" v="2533" actId="767"/>
         <pc:sldMkLst>
           <pc:docMk/>
           <pc:sldMk cId="3293374734" sldId="290"/>
         </pc:sldMkLst>
+        <pc:spChg chg="add del mod">
+          <ac:chgData name="andrea tufo" userId="d050b73e0f01bb89" providerId="LiveId" clId="{6F35AC8A-A9C6-4443-85FB-A576940C4279}" dt="2022-12-07T08:29:46.640" v="2161"/>
+          <ac:spMkLst>
+            <pc:docMk/>
+            <pc:sldMk cId="3293374734" sldId="290"/>
+            <ac:spMk id="2" creationId="{AFDBFCF3-9B1A-0A80-C1D6-E5C8351EB0D8}"/>
+          </ac:spMkLst>
+        </pc:spChg>
+        <pc:spChg chg="add mod">
+          <ac:chgData name="andrea tufo" userId="d050b73e0f01bb89" providerId="LiveId" clId="{6F35AC8A-A9C6-4443-85FB-A576940C4279}" dt="2022-12-07T08:33:21.479" v="2513" actId="1076"/>
+          <ac:spMkLst>
+            <pc:docMk/>
+            <pc:sldMk cId="3293374734" sldId="290"/>
+            <ac:spMk id="3" creationId="{C3D314E0-469C-CE32-896C-9F9D1A7D7212}"/>
+          </ac:spMkLst>
+        </pc:spChg>
+        <pc:spChg chg="add mod">
+          <ac:chgData name="andrea tufo" userId="d050b73e0f01bb89" providerId="LiveId" clId="{6F35AC8A-A9C6-4443-85FB-A576940C4279}" dt="2022-12-07T08:34:57.069" v="2526" actId="113"/>
+          <ac:spMkLst>
+            <pc:docMk/>
+            <pc:sldMk cId="3293374734" sldId="290"/>
+            <ac:spMk id="10" creationId="{57596A88-42CE-1214-F5DB-7F263DBED0BC}"/>
+          </ac:spMkLst>
+        </pc:spChg>
+        <pc:spChg chg="add mod">
+          <ac:chgData name="andrea tufo" userId="d050b73e0f01bb89" providerId="LiveId" clId="{6F35AC8A-A9C6-4443-85FB-A576940C4279}" dt="2022-12-07T08:35:48.047" v="2533" actId="767"/>
+          <ac:spMkLst>
+            <pc:docMk/>
+            <pc:sldMk cId="3293374734" sldId="290"/>
+            <ac:spMk id="12" creationId="{DA2813E0-9622-30C2-C545-4E31E741E631}"/>
+          </ac:spMkLst>
+        </pc:spChg>
         <pc:spChg chg="mod">
-          <ac:chgData name="andrea tufo" userId="d050b73e0f01bb89" providerId="LiveId" clId="{6F35AC8A-A9C6-4443-85FB-A576940C4279}" dt="2022-12-06T15:20:10.958" v="71" actId="20577"/>
+          <ac:chgData name="andrea tufo" userId="d050b73e0f01bb89" providerId="LiveId" clId="{6F35AC8A-A9C6-4443-85FB-A576940C4279}" dt="2022-12-07T08:33:31.414" v="2514" actId="1076"/>
           <ac:spMkLst>
             <pc:docMk/>
             <pc:sldMk cId="3293374734" sldId="290"/>
@@ -3204,9 +3236,41 @@
             <ac:spMk id="34" creationId="{F28D01B5-A5BC-45A3-8718-13BDC694F21C}"/>
           </ac:spMkLst>
         </pc:spChg>
+        <pc:spChg chg="mod">
+          <ac:chgData name="andrea tufo" userId="d050b73e0f01bb89" providerId="LiveId" clId="{6F35AC8A-A9C6-4443-85FB-A576940C4279}" dt="2022-12-07T08:32:43.361" v="2432" actId="1076"/>
+          <ac:spMkLst>
+            <pc:docMk/>
+            <pc:sldMk cId="3293374734" sldId="290"/>
+            <ac:spMk id="46" creationId="{24C0C193-C3AB-4B87-4532-E893EA573063}"/>
+          </ac:spMkLst>
+        </pc:spChg>
+        <pc:spChg chg="mod">
+          <ac:chgData name="andrea tufo" userId="d050b73e0f01bb89" providerId="LiveId" clId="{6F35AC8A-A9C6-4443-85FB-A576940C4279}" dt="2022-12-07T08:32:50.284" v="2433" actId="1076"/>
+          <ac:spMkLst>
+            <pc:docMk/>
+            <pc:sldMk cId="3293374734" sldId="290"/>
+            <ac:spMk id="47" creationId="{FF052002-CE0A-C238-0165-A3401B3036B6}"/>
+          </ac:spMkLst>
+        </pc:spChg>
+        <pc:cxnChg chg="add mod">
+          <ac:chgData name="andrea tufo" userId="d050b73e0f01bb89" providerId="LiveId" clId="{6F35AC8A-A9C6-4443-85FB-A576940C4279}" dt="2022-12-07T08:34:08.904" v="2521" actId="208"/>
+          <ac:cxnSpMkLst>
+            <pc:docMk/>
+            <pc:sldMk cId="3293374734" sldId="290"/>
+            <ac:cxnSpMk id="5" creationId="{6CAED0D4-6AF8-CE88-1DA6-4CDF5D2B74FF}"/>
+          </ac:cxnSpMkLst>
+        </pc:cxnChg>
+        <pc:cxnChg chg="add mod">
+          <ac:chgData name="andrea tufo" userId="d050b73e0f01bb89" providerId="LiveId" clId="{6F35AC8A-A9C6-4443-85FB-A576940C4279}" dt="2022-12-07T08:35:39.942" v="2532" actId="1076"/>
+          <ac:cxnSpMkLst>
+            <pc:docMk/>
+            <pc:sldMk cId="3293374734" sldId="290"/>
+            <ac:cxnSpMk id="11" creationId="{A74E0270-CB6D-3FC4-ED3B-3B3554675FB2}"/>
+          </ac:cxnSpMkLst>
+        </pc:cxnChg>
       </pc:sldChg>
       <pc:sldChg chg="addSp delSp modSp mod ord delAnim modAnim">
-        <pc:chgData name="andrea tufo" userId="d050b73e0f01bb89" providerId="LiveId" clId="{6F35AC8A-A9C6-4443-85FB-A576940C4279}" dt="2022-12-06T15:55:48.927" v="1495"/>
+        <pc:chgData name="andrea tufo" userId="d050b73e0f01bb89" providerId="LiveId" clId="{6F35AC8A-A9C6-4443-85FB-A576940C4279}" dt="2022-12-07T08:29:55.872" v="2163"/>
         <pc:sldMkLst>
           <pc:docMk/>
           <pc:sldMk cId="3758883246" sldId="291"/>
@@ -3531,8 +3595,8 @@
           </ac:spMkLst>
         </pc:spChg>
       </pc:sldChg>
-      <pc:sldChg chg="modSp mod">
-        <pc:chgData name="andrea tufo" userId="d050b73e0f01bb89" providerId="LiveId" clId="{6F35AC8A-A9C6-4443-85FB-A576940C4279}" dt="2022-12-07T08:19:59.305" v="1748" actId="20577"/>
+      <pc:sldChg chg="modSp mod modAnim">
+        <pc:chgData name="andrea tufo" userId="d050b73e0f01bb89" providerId="LiveId" clId="{6F35AC8A-A9C6-4443-85FB-A576940C4279}" dt="2022-12-07T08:25:08.245" v="1749"/>
         <pc:sldMkLst>
           <pc:docMk/>
           <pc:sldMk cId="1699542738" sldId="295"/>
@@ -3593,8 +3657,8 @@
           </ac:spMkLst>
         </pc:spChg>
       </pc:sldChg>
-      <pc:sldChg chg="addSp delSp modSp add mod delAnim modAnim">
-        <pc:chgData name="andrea tufo" userId="d050b73e0f01bb89" providerId="LiveId" clId="{6F35AC8A-A9C6-4443-85FB-A576940C4279}" dt="2022-12-06T16:02:29.534" v="1728" actId="1076"/>
+      <pc:sldChg chg="addSp delSp modSp add mod ord delAnim modAnim">
+        <pc:chgData name="andrea tufo" userId="d050b73e0f01bb89" providerId="LiveId" clId="{6F35AC8A-A9C6-4443-85FB-A576940C4279}" dt="2022-12-07T08:30:00.882" v="2165"/>
         <pc:sldMkLst>
           <pc:docMk/>
           <pc:sldMk cId="3438040512" sldId="297"/>
@@ -5070,7 +5134,7 @@
     </p:spTree>
     <p:extLst>
       <p:ext uri="{BB962C8B-B14F-4D97-AF65-F5344CB8AC3E}">
-        <p14:creationId xmlns:p14="http://schemas.microsoft.com/office/powerpoint/2010/main" val="56701804"/>
+        <p14:creationId xmlns:p14="http://schemas.microsoft.com/office/powerpoint/2010/main" val="3445212651"/>
       </p:ext>
     </p:extLst>
   </p:cSld>
@@ -5156,7 +5220,7 @@
     </p:spTree>
     <p:extLst>
       <p:ext uri="{BB962C8B-B14F-4D97-AF65-F5344CB8AC3E}">
-        <p14:creationId xmlns:p14="http://schemas.microsoft.com/office/powerpoint/2010/main" val="3445212651"/>
+        <p14:creationId xmlns:p14="http://schemas.microsoft.com/office/powerpoint/2010/main" val="284897660"/>
       </p:ext>
     </p:extLst>
   </p:cSld>
@@ -5242,7 +5306,7 @@
     </p:spTree>
     <p:extLst>
       <p:ext uri="{BB962C8B-B14F-4D97-AF65-F5344CB8AC3E}">
-        <p14:creationId xmlns:p14="http://schemas.microsoft.com/office/powerpoint/2010/main" val="284897660"/>
+        <p14:creationId xmlns:p14="http://schemas.microsoft.com/office/powerpoint/2010/main" val="56701804"/>
       </p:ext>
     </p:extLst>
   </p:cSld>
@@ -19315,7 +19379,7 @@
                                           </p:stCondLst>
                                         </p:cTn>
                                         <p:tgtEl>
-                                          <p:spTgt spid="2"/>
+                                          <p:spTgt spid="11"/>
                                         </p:tgtEl>
                                         <p:attrNameLst>
                                           <p:attrName>style.visibility</p:attrName>
@@ -19329,7 +19393,7 @@
                                       <p:cBhvr>
                                         <p:cTn id="7" dur="500"/>
                                         <p:tgtEl>
-                                          <p:spTgt spid="2"/>
+                                          <p:spTgt spid="11"/>
                                         </p:tgtEl>
                                       </p:cBhvr>
                                     </p:animEffect>
@@ -19359,7 +19423,7 @@
                                           </p:stCondLst>
                                         </p:cTn>
                                         <p:tgtEl>
-                                          <p:spTgt spid="4"/>
+                                          <p:spTgt spid="2"/>
                                         </p:tgtEl>
                                         <p:attrNameLst>
                                           <p:attrName>style.visibility</p:attrName>
@@ -19373,7 +19437,7 @@
                                       <p:cBhvr>
                                         <p:cTn id="11" dur="500"/>
                                         <p:tgtEl>
-                                          <p:spTgt spid="4"/>
+                                          <p:spTgt spid="2"/>
                                         </p:tgtEl>
                                       </p:cBhvr>
                                     </p:animEffect>
@@ -19403,7 +19467,7 @@
                                           </p:stCondLst>
                                         </p:cTn>
                                         <p:tgtEl>
-                                          <p:spTgt spid="9"/>
+                                          <p:spTgt spid="4"/>
                                         </p:tgtEl>
                                         <p:attrNameLst>
                                           <p:attrName>style.visibility</p:attrName>
@@ -19417,7 +19481,7 @@
                                       <p:cBhvr>
                                         <p:cTn id="15" dur="500"/>
                                         <p:tgtEl>
-                                          <p:spTgt spid="9"/>
+                                          <p:spTgt spid="4"/>
                                         </p:tgtEl>
                                       </p:cBhvr>
                                     </p:animEffect>
@@ -19447,7 +19511,7 @@
                                           </p:stCondLst>
                                         </p:cTn>
                                         <p:tgtEl>
-                                          <p:spTgt spid="11"/>
+                                          <p:spTgt spid="9"/>
                                         </p:tgtEl>
                                         <p:attrNameLst>
                                           <p:attrName>style.visibility</p:attrName>
@@ -19461,7 +19525,7 @@
                                       <p:cBhvr>
                                         <p:cTn id="19" dur="500"/>
                                         <p:tgtEl>
-                                          <p:spTgt spid="11"/>
+                                          <p:spTgt spid="9"/>
                                         </p:tgtEl>
                                       </p:cBhvr>
                                     </p:animEffect>
@@ -28602,2355 +28666,6 @@
       </p:grpSpPr>
       <p:sp>
         <p:nvSpPr>
-          <p:cNvPr id="9" name="Rettangolo 8">
-            <a:extLst>
-              <a:ext uri="{FF2B5EF4-FFF2-40B4-BE49-F238E27FC236}">
-                <a16:creationId xmlns:a16="http://schemas.microsoft.com/office/drawing/2014/main" id="{A122A412-2FFB-A19C-F127-E78874074663}"/>
-              </a:ext>
-            </a:extLst>
-          </p:cNvPr>
-          <p:cNvSpPr/>
-          <p:nvPr/>
-        </p:nvSpPr>
-        <p:spPr>
-          <a:xfrm>
-            <a:off x="7438672" y="1305319"/>
-            <a:ext cx="4298623" cy="3164044"/>
-          </a:xfrm>
-          <a:prstGeom prst="rect">
-            <a:avLst/>
-          </a:prstGeom>
-          <a:solidFill>
-            <a:srgbClr val="FFFF00"/>
-          </a:solidFill>
-          <a:ln>
-            <a:solidFill>
-              <a:srgbClr val="003C71"/>
-            </a:solidFill>
-          </a:ln>
-        </p:spPr>
-        <p:style>
-          <a:lnRef idx="2">
-            <a:schemeClr val="accent1">
-              <a:shade val="50000"/>
-            </a:schemeClr>
-          </a:lnRef>
-          <a:fillRef idx="1">
-            <a:schemeClr val="accent1"/>
-          </a:fillRef>
-          <a:effectRef idx="0">
-            <a:schemeClr val="accent1"/>
-          </a:effectRef>
-          <a:fontRef idx="minor">
-            <a:schemeClr val="lt1"/>
-          </a:fontRef>
-        </p:style>
-        <p:txBody>
-          <a:bodyPr rtlCol="0" anchor="ctr"/>
-          <a:lstStyle/>
-          <a:p>
-            <a:pPr algn="ctr"/>
-            <a:endParaRPr lang="it-IT"/>
-          </a:p>
-        </p:txBody>
-      </p:sp>
-      <p:sp>
-        <p:nvSpPr>
-          <p:cNvPr id="5" name="Rettangolo 4">
-            <a:extLst>
-              <a:ext uri="{FF2B5EF4-FFF2-40B4-BE49-F238E27FC236}">
-                <a16:creationId xmlns:a16="http://schemas.microsoft.com/office/drawing/2014/main" id="{D40F610C-C104-63DC-72E6-9B6DEB12E63C}"/>
-              </a:ext>
-            </a:extLst>
-          </p:cNvPr>
-          <p:cNvSpPr/>
-          <p:nvPr/>
-        </p:nvSpPr>
-        <p:spPr>
-          <a:xfrm>
-            <a:off x="7884160" y="1305319"/>
-            <a:ext cx="3341757" cy="1888649"/>
-          </a:xfrm>
-          <a:prstGeom prst="rect">
-            <a:avLst/>
-          </a:prstGeom>
-          <a:solidFill>
-            <a:srgbClr val="FFC000"/>
-          </a:solidFill>
-          <a:ln>
-            <a:solidFill>
-              <a:srgbClr val="003C71"/>
-            </a:solidFill>
-          </a:ln>
-        </p:spPr>
-        <p:style>
-          <a:lnRef idx="2">
-            <a:schemeClr val="accent1">
-              <a:shade val="50000"/>
-            </a:schemeClr>
-          </a:lnRef>
-          <a:fillRef idx="1">
-            <a:schemeClr val="accent1"/>
-          </a:fillRef>
-          <a:effectRef idx="0">
-            <a:schemeClr val="accent1"/>
-          </a:effectRef>
-          <a:fontRef idx="minor">
-            <a:schemeClr val="lt1"/>
-          </a:fontRef>
-        </p:style>
-        <p:txBody>
-          <a:bodyPr rtlCol="0" anchor="ctr"/>
-          <a:lstStyle/>
-          <a:p>
-            <a:pPr algn="ctr"/>
-            <a:endParaRPr lang="it-IT"/>
-          </a:p>
-        </p:txBody>
-      </p:sp>
-      <p:sp>
-        <p:nvSpPr>
-          <p:cNvPr id="4" name="Rettangolo 3">
-            <a:extLst>
-              <a:ext uri="{FF2B5EF4-FFF2-40B4-BE49-F238E27FC236}">
-                <a16:creationId xmlns:a16="http://schemas.microsoft.com/office/drawing/2014/main" id="{0B3F2C34-E1A7-8442-AE10-24B4391F6C41}"/>
-              </a:ext>
-            </a:extLst>
-          </p:cNvPr>
-          <p:cNvSpPr/>
-          <p:nvPr/>
-        </p:nvSpPr>
-        <p:spPr>
-          <a:xfrm>
-            <a:off x="8804636" y="1305320"/>
-            <a:ext cx="1571006" cy="1192784"/>
-          </a:xfrm>
-          <a:prstGeom prst="rect">
-            <a:avLst/>
-          </a:prstGeom>
-          <a:solidFill>
-            <a:srgbClr val="FF0000"/>
-          </a:solidFill>
-          <a:ln>
-            <a:solidFill>
-              <a:srgbClr val="003C71"/>
-            </a:solidFill>
-          </a:ln>
-        </p:spPr>
-        <p:style>
-          <a:lnRef idx="2">
-            <a:schemeClr val="accent1">
-              <a:shade val="50000"/>
-            </a:schemeClr>
-          </a:lnRef>
-          <a:fillRef idx="1">
-            <a:schemeClr val="accent1"/>
-          </a:fillRef>
-          <a:effectRef idx="0">
-            <a:schemeClr val="accent1"/>
-          </a:effectRef>
-          <a:fontRef idx="minor">
-            <a:schemeClr val="lt1"/>
-          </a:fontRef>
-        </p:style>
-        <p:txBody>
-          <a:bodyPr rtlCol="0" anchor="ctr"/>
-          <a:lstStyle/>
-          <a:p>
-            <a:pPr algn="ctr"/>
-            <a:endParaRPr lang="it-IT"/>
-          </a:p>
-        </p:txBody>
-      </p:sp>
-      <p:sp>
-        <p:nvSpPr>
-          <p:cNvPr id="7" name="Rettangolo 6">
-            <a:extLst>
-              <a:ext uri="{FF2B5EF4-FFF2-40B4-BE49-F238E27FC236}">
-                <a16:creationId xmlns:a16="http://schemas.microsoft.com/office/drawing/2014/main" id="{9DC4119B-7F9E-1F2F-1F60-C3E4D7547F42}"/>
-              </a:ext>
-            </a:extLst>
-          </p:cNvPr>
-          <p:cNvSpPr/>
-          <p:nvPr/>
-        </p:nvSpPr>
-        <p:spPr>
-          <a:xfrm>
-            <a:off x="-37874" y="-10222"/>
-            <a:ext cx="12229874" cy="743795"/>
-          </a:xfrm>
-          <a:prstGeom prst="rect">
-            <a:avLst/>
-          </a:prstGeom>
-          <a:solidFill>
-            <a:srgbClr val="003C71"/>
-          </a:solidFill>
-          <a:ln>
-            <a:solidFill>
-              <a:srgbClr val="003C71"/>
-            </a:solidFill>
-          </a:ln>
-        </p:spPr>
-        <p:style>
-          <a:lnRef idx="2">
-            <a:schemeClr val="accent1">
-              <a:shade val="50000"/>
-            </a:schemeClr>
-          </a:lnRef>
-          <a:fillRef idx="1">
-            <a:schemeClr val="accent1"/>
-          </a:fillRef>
-          <a:effectRef idx="0">
-            <a:schemeClr val="accent1"/>
-          </a:effectRef>
-          <a:fontRef idx="minor">
-            <a:schemeClr val="lt1"/>
-          </a:fontRef>
-        </p:style>
-        <p:txBody>
-          <a:bodyPr rtlCol="0" anchor="ctr"/>
-          <a:lstStyle/>
-          <a:p>
-            <a:pPr algn="ctr"/>
-            <a:endParaRPr lang="it-IT"/>
-          </a:p>
-        </p:txBody>
-      </p:sp>
-      <p:sp>
-        <p:nvSpPr>
-          <p:cNvPr id="34" name="Titolo 33">
-            <a:extLst>
-              <a:ext uri="{FF2B5EF4-FFF2-40B4-BE49-F238E27FC236}">
-                <a16:creationId xmlns:a16="http://schemas.microsoft.com/office/drawing/2014/main" id="{F28D01B5-A5BC-45A3-8718-13BDC694F21C}"/>
-              </a:ext>
-            </a:extLst>
-          </p:cNvPr>
-          <p:cNvSpPr>
-            <a:spLocks noGrp="1"/>
-          </p:cNvSpPr>
-          <p:nvPr>
-            <p:ph type="title"/>
-          </p:nvPr>
-        </p:nvSpPr>
-        <p:spPr>
-          <a:xfrm>
-            <a:off x="230124" y="102637"/>
-            <a:ext cx="11731752" cy="630936"/>
-          </a:xfrm>
-        </p:spPr>
-        <p:txBody>
-          <a:bodyPr rtlCol="0"/>
-          <a:lstStyle/>
-          <a:p>
-            <a:pPr rtl="0"/>
-            <a:r>
-              <a:rPr lang="it-IT" b="0" dirty="0">
-                <a:solidFill>
-                  <a:schemeClr val="bg1"/>
-                </a:solidFill>
-                <a:ea typeface="Roboto Thin" panose="02000000000000000000" pitchFamily="2" charset="0"/>
-              </a:rPr>
-              <a:t> OPI INDEX</a:t>
-            </a:r>
-            <a:endParaRPr lang="it-IT" dirty="0">
-              <a:solidFill>
-                <a:schemeClr val="bg1"/>
-              </a:solidFill>
-              <a:latin typeface="Roboto Thin" panose="02000000000000000000" pitchFamily="2" charset="0"/>
-              <a:ea typeface="Roboto Thin" panose="02000000000000000000" pitchFamily="2" charset="0"/>
-            </a:endParaRPr>
-          </a:p>
-        </p:txBody>
-      </p:sp>
-      <p:pic>
-        <p:nvPicPr>
-          <p:cNvPr id="8" name="Immagine 7" descr="Immagine che contiene testo, scuro&#10;&#10;Descrizione generata automaticamente">
-            <a:extLst>
-              <a:ext uri="{FF2B5EF4-FFF2-40B4-BE49-F238E27FC236}">
-                <a16:creationId xmlns:a16="http://schemas.microsoft.com/office/drawing/2014/main" id="{BA3E6E3C-D40D-254D-0610-21C08AF96330}"/>
-              </a:ext>
-            </a:extLst>
-          </p:cNvPr>
-          <p:cNvPicPr>
-            <a:picLocks noChangeAspect="1"/>
-          </p:cNvPicPr>
-          <p:nvPr/>
-        </p:nvPicPr>
-        <p:blipFill>
-          <a:blip r:embed="rId3"/>
-          <a:stretch>
-            <a:fillRect/>
-          </a:stretch>
-        </p:blipFill>
-        <p:spPr>
-          <a:xfrm>
-            <a:off x="230124" y="46207"/>
-            <a:ext cx="618060" cy="630936"/>
-          </a:xfrm>
-          <a:prstGeom prst="rect">
-            <a:avLst/>
-          </a:prstGeom>
-        </p:spPr>
-      </p:pic>
-      <p:sp>
-        <p:nvSpPr>
-          <p:cNvPr id="2" name="Rettangolo 1">
-            <a:extLst>
-              <a:ext uri="{FF2B5EF4-FFF2-40B4-BE49-F238E27FC236}">
-                <a16:creationId xmlns:a16="http://schemas.microsoft.com/office/drawing/2014/main" id="{2296098E-836D-1B3C-3174-5C89E474E301}"/>
-              </a:ext>
-            </a:extLst>
-          </p:cNvPr>
-          <p:cNvSpPr/>
-          <p:nvPr/>
-        </p:nvSpPr>
-        <p:spPr>
-          <a:xfrm>
-            <a:off x="7438672" y="1307968"/>
-            <a:ext cx="4298623" cy="4498943"/>
-          </a:xfrm>
-          <a:prstGeom prst="rect">
-            <a:avLst/>
-          </a:prstGeom>
-          <a:noFill/>
-          <a:ln w="28575">
-            <a:solidFill>
-              <a:srgbClr val="003C71"/>
-            </a:solidFill>
-          </a:ln>
-        </p:spPr>
-        <p:style>
-          <a:lnRef idx="2">
-            <a:schemeClr val="accent1">
-              <a:shade val="50000"/>
-            </a:schemeClr>
-          </a:lnRef>
-          <a:fillRef idx="1">
-            <a:schemeClr val="accent1"/>
-          </a:fillRef>
-          <a:effectRef idx="0">
-            <a:schemeClr val="accent1"/>
-          </a:effectRef>
-          <a:fontRef idx="minor">
-            <a:schemeClr val="lt1"/>
-          </a:fontRef>
-        </p:style>
-        <p:txBody>
-          <a:bodyPr rtlCol="0" anchor="ctr"/>
-          <a:lstStyle/>
-          <a:p>
-            <a:pPr algn="ctr"/>
-            <a:endParaRPr lang="it-IT"/>
-          </a:p>
-        </p:txBody>
-      </p:sp>
-      <p:sp>
-        <p:nvSpPr>
-          <p:cNvPr id="6" name="Arco a tutto sesto 5">
-            <a:extLst>
-              <a:ext uri="{FF2B5EF4-FFF2-40B4-BE49-F238E27FC236}">
-                <a16:creationId xmlns:a16="http://schemas.microsoft.com/office/drawing/2014/main" id="{B70E83A7-E2C4-4611-C7ED-8E1AF02BD76F}"/>
-              </a:ext>
-            </a:extLst>
-          </p:cNvPr>
-          <p:cNvSpPr/>
-          <p:nvPr/>
-        </p:nvSpPr>
-        <p:spPr>
-          <a:xfrm>
-            <a:off x="8804635" y="4958498"/>
-            <a:ext cx="1819373" cy="1696825"/>
-          </a:xfrm>
-          <a:prstGeom prst="blockArc">
-            <a:avLst>
-              <a:gd name="adj1" fmla="val 10800000"/>
-              <a:gd name="adj2" fmla="val 36280"/>
-              <a:gd name="adj3" fmla="val 555"/>
-            </a:avLst>
-          </a:prstGeom>
-          <a:solidFill>
-            <a:srgbClr val="003C71"/>
-          </a:solidFill>
-          <a:ln>
-            <a:solidFill>
-              <a:srgbClr val="003C71"/>
-            </a:solidFill>
-          </a:ln>
-        </p:spPr>
-        <p:style>
-          <a:lnRef idx="2">
-            <a:schemeClr val="accent1">
-              <a:shade val="50000"/>
-            </a:schemeClr>
-          </a:lnRef>
-          <a:fillRef idx="1">
-            <a:schemeClr val="accent1"/>
-          </a:fillRef>
-          <a:effectRef idx="0">
-            <a:schemeClr val="accent1"/>
-          </a:effectRef>
-          <a:fontRef idx="minor">
-            <a:schemeClr val="lt1"/>
-          </a:fontRef>
-        </p:style>
-        <p:txBody>
-          <a:bodyPr rtlCol="0" anchor="ctr"/>
-          <a:lstStyle/>
-          <a:p>
-            <a:pPr algn="ctr"/>
-            <a:endParaRPr lang="it-IT">
-              <a:solidFill>
-                <a:schemeClr val="tx1"/>
-              </a:solidFill>
-            </a:endParaRPr>
-          </a:p>
-        </p:txBody>
-      </p:sp>
-      <p:sp>
-        <p:nvSpPr>
-          <p:cNvPr id="10" name="Rettangolo 9">
-            <a:extLst>
-              <a:ext uri="{FF2B5EF4-FFF2-40B4-BE49-F238E27FC236}">
-                <a16:creationId xmlns:a16="http://schemas.microsoft.com/office/drawing/2014/main" id="{778FEA06-E692-BC84-1AB0-462B3990F683}"/>
-              </a:ext>
-            </a:extLst>
-          </p:cNvPr>
-          <p:cNvSpPr/>
-          <p:nvPr/>
-        </p:nvSpPr>
-        <p:spPr>
-          <a:xfrm>
-            <a:off x="8381355" y="1307968"/>
-            <a:ext cx="2432116" cy="1190135"/>
-          </a:xfrm>
-          <a:prstGeom prst="rect">
-            <a:avLst/>
-          </a:prstGeom>
-          <a:noFill/>
-          <a:ln w="28575">
-            <a:solidFill>
-              <a:srgbClr val="003C71"/>
-            </a:solidFill>
-          </a:ln>
-        </p:spPr>
-        <p:style>
-          <a:lnRef idx="2">
-            <a:schemeClr val="accent1">
-              <a:shade val="50000"/>
-            </a:schemeClr>
-          </a:lnRef>
-          <a:fillRef idx="1">
-            <a:schemeClr val="accent1"/>
-          </a:fillRef>
-          <a:effectRef idx="0">
-            <a:schemeClr val="accent1"/>
-          </a:effectRef>
-          <a:fontRef idx="minor">
-            <a:schemeClr val="lt1"/>
-          </a:fontRef>
-        </p:style>
-        <p:txBody>
-          <a:bodyPr rtlCol="0" anchor="ctr"/>
-          <a:lstStyle/>
-          <a:p>
-            <a:pPr algn="ctr"/>
-            <a:endParaRPr lang="it-IT"/>
-          </a:p>
-        </p:txBody>
-      </p:sp>
-      <p:sp>
-        <p:nvSpPr>
-          <p:cNvPr id="11" name="Arco 10">
-            <a:extLst>
-              <a:ext uri="{FF2B5EF4-FFF2-40B4-BE49-F238E27FC236}">
-                <a16:creationId xmlns:a16="http://schemas.microsoft.com/office/drawing/2014/main" id="{309BB5CD-2373-DED2-DAAB-906DB11263D3}"/>
-              </a:ext>
-            </a:extLst>
-          </p:cNvPr>
-          <p:cNvSpPr/>
-          <p:nvPr/>
-        </p:nvSpPr>
-        <p:spPr>
-          <a:xfrm rot="5746067">
-            <a:off x="7263472" y="1154379"/>
-            <a:ext cx="439237" cy="485208"/>
-          </a:xfrm>
-          <a:prstGeom prst="arc">
-            <a:avLst>
-              <a:gd name="adj1" fmla="val 14586777"/>
-              <a:gd name="adj2" fmla="val 75364"/>
-            </a:avLst>
-          </a:prstGeom>
-          <a:ln w="28575">
-            <a:solidFill>
-              <a:srgbClr val="003C71"/>
-            </a:solidFill>
-          </a:ln>
-        </p:spPr>
-        <p:style>
-          <a:lnRef idx="1">
-            <a:schemeClr val="accent1"/>
-          </a:lnRef>
-          <a:fillRef idx="0">
-            <a:schemeClr val="accent1"/>
-          </a:fillRef>
-          <a:effectRef idx="0">
-            <a:schemeClr val="accent1"/>
-          </a:effectRef>
-          <a:fontRef idx="minor">
-            <a:schemeClr val="tx1"/>
-          </a:fontRef>
-        </p:style>
-        <p:txBody>
-          <a:bodyPr rtlCol="0" anchor="ctr"/>
-          <a:lstStyle/>
-          <a:p>
-            <a:pPr algn="ctr"/>
-            <a:endParaRPr lang="it-IT"/>
-          </a:p>
-        </p:txBody>
-      </p:sp>
-      <p:sp>
-        <p:nvSpPr>
-          <p:cNvPr id="12" name="Arco 11">
-            <a:extLst>
-              <a:ext uri="{FF2B5EF4-FFF2-40B4-BE49-F238E27FC236}">
-                <a16:creationId xmlns:a16="http://schemas.microsoft.com/office/drawing/2014/main" id="{5E1A481A-6563-95D2-F63C-20B33ACE0AD6}"/>
-              </a:ext>
-            </a:extLst>
-          </p:cNvPr>
-          <p:cNvSpPr/>
-          <p:nvPr/>
-        </p:nvSpPr>
-        <p:spPr>
-          <a:xfrm rot="11882611">
-            <a:off x="11498445" y="1209206"/>
-            <a:ext cx="415486" cy="375553"/>
-          </a:xfrm>
-          <a:prstGeom prst="arc">
-            <a:avLst>
-              <a:gd name="adj1" fmla="val 14586777"/>
-              <a:gd name="adj2" fmla="val 75364"/>
-            </a:avLst>
-          </a:prstGeom>
-          <a:ln w="28575">
-            <a:solidFill>
-              <a:srgbClr val="003C71"/>
-            </a:solidFill>
-          </a:ln>
-        </p:spPr>
-        <p:style>
-          <a:lnRef idx="1">
-            <a:schemeClr val="accent1"/>
-          </a:lnRef>
-          <a:fillRef idx="0">
-            <a:schemeClr val="accent1"/>
-          </a:fillRef>
-          <a:effectRef idx="0">
-            <a:schemeClr val="accent1"/>
-          </a:effectRef>
-          <a:fontRef idx="minor">
-            <a:schemeClr val="tx1"/>
-          </a:fontRef>
-        </p:style>
-        <p:txBody>
-          <a:bodyPr rtlCol="0" anchor="ctr"/>
-          <a:lstStyle/>
-          <a:p>
-            <a:pPr algn="ctr"/>
-            <a:endParaRPr lang="it-IT"/>
-          </a:p>
-        </p:txBody>
-      </p:sp>
-      <p:sp>
-        <p:nvSpPr>
-          <p:cNvPr id="13" name="Rettangolo 12">
-            <a:extLst>
-              <a:ext uri="{FF2B5EF4-FFF2-40B4-BE49-F238E27FC236}">
-                <a16:creationId xmlns:a16="http://schemas.microsoft.com/office/drawing/2014/main" id="{BDD04832-7DDB-4B6E-4B22-1A6D2AA9441A}"/>
-              </a:ext>
-            </a:extLst>
-          </p:cNvPr>
-          <p:cNvSpPr/>
-          <p:nvPr/>
-        </p:nvSpPr>
-        <p:spPr>
-          <a:xfrm>
-            <a:off x="8922804" y="1307968"/>
-            <a:ext cx="1330357" cy="630936"/>
-          </a:xfrm>
-          <a:prstGeom prst="rect">
-            <a:avLst/>
-          </a:prstGeom>
-          <a:noFill/>
-          <a:ln w="28575">
-            <a:solidFill>
-              <a:srgbClr val="003C71"/>
-            </a:solidFill>
-          </a:ln>
-        </p:spPr>
-        <p:style>
-          <a:lnRef idx="2">
-            <a:schemeClr val="accent1">
-              <a:shade val="50000"/>
-            </a:schemeClr>
-          </a:lnRef>
-          <a:fillRef idx="1">
-            <a:schemeClr val="accent1"/>
-          </a:fillRef>
-          <a:effectRef idx="0">
-            <a:schemeClr val="accent1"/>
-          </a:effectRef>
-          <a:fontRef idx="minor">
-            <a:schemeClr val="lt1"/>
-          </a:fontRef>
-        </p:style>
-        <p:txBody>
-          <a:bodyPr rtlCol="0" anchor="ctr"/>
-          <a:lstStyle/>
-          <a:p>
-            <a:pPr algn="ctr"/>
-            <a:endParaRPr lang="it-IT"/>
-          </a:p>
-        </p:txBody>
-      </p:sp>
-      <p:sp>
-        <p:nvSpPr>
-          <p:cNvPr id="14" name="Arco a tutto sesto 13">
-            <a:extLst>
-              <a:ext uri="{FF2B5EF4-FFF2-40B4-BE49-F238E27FC236}">
-                <a16:creationId xmlns:a16="http://schemas.microsoft.com/office/drawing/2014/main" id="{28946B98-4CFE-720C-8591-47A2507C3B1C}"/>
-              </a:ext>
-            </a:extLst>
-          </p:cNvPr>
-          <p:cNvSpPr/>
-          <p:nvPr/>
-        </p:nvSpPr>
-        <p:spPr>
-          <a:xfrm rot="10800000">
-            <a:off x="9201532" y="2156904"/>
-            <a:ext cx="772899" cy="682397"/>
-          </a:xfrm>
-          <a:prstGeom prst="blockArc">
-            <a:avLst>
-              <a:gd name="adj1" fmla="val 10800000"/>
-              <a:gd name="adj2" fmla="val 36280"/>
-              <a:gd name="adj3" fmla="val 555"/>
-            </a:avLst>
-          </a:prstGeom>
-          <a:solidFill>
-            <a:srgbClr val="003C71"/>
-          </a:solidFill>
-          <a:ln>
-            <a:solidFill>
-              <a:srgbClr val="003C71"/>
-            </a:solidFill>
-          </a:ln>
-        </p:spPr>
-        <p:style>
-          <a:lnRef idx="2">
-            <a:schemeClr val="accent1">
-              <a:shade val="50000"/>
-            </a:schemeClr>
-          </a:lnRef>
-          <a:fillRef idx="1">
-            <a:schemeClr val="accent1"/>
-          </a:fillRef>
-          <a:effectRef idx="0">
-            <a:schemeClr val="accent1"/>
-          </a:effectRef>
-          <a:fontRef idx="minor">
-            <a:schemeClr val="lt1"/>
-          </a:fontRef>
-        </p:style>
-        <p:txBody>
-          <a:bodyPr rtlCol="0" anchor="ctr"/>
-          <a:lstStyle/>
-          <a:p>
-            <a:pPr algn="ctr"/>
-            <a:endParaRPr lang="it-IT">
-              <a:solidFill>
-                <a:schemeClr val="tx1"/>
-              </a:solidFill>
-            </a:endParaRPr>
-          </a:p>
-        </p:txBody>
-      </p:sp>
-      <p:sp>
-        <p:nvSpPr>
-          <p:cNvPr id="15" name="Connettore 14">
-            <a:extLst>
-              <a:ext uri="{FF2B5EF4-FFF2-40B4-BE49-F238E27FC236}">
-                <a16:creationId xmlns:a16="http://schemas.microsoft.com/office/drawing/2014/main" id="{5DB203D4-672E-9FA7-3F2B-EB5795A08B20}"/>
-              </a:ext>
-            </a:extLst>
-          </p:cNvPr>
-          <p:cNvSpPr/>
-          <p:nvPr/>
-        </p:nvSpPr>
-        <p:spPr>
-          <a:xfrm>
-            <a:off x="9564419" y="2166297"/>
-            <a:ext cx="65987" cy="61109"/>
-          </a:xfrm>
-          <a:prstGeom prst="flowChartConnector">
-            <a:avLst/>
-          </a:prstGeom>
-          <a:solidFill>
-            <a:srgbClr val="003C71"/>
-          </a:solidFill>
-          <a:ln>
-            <a:solidFill>
-              <a:srgbClr val="003C71"/>
-            </a:solidFill>
-          </a:ln>
-        </p:spPr>
-        <p:style>
-          <a:lnRef idx="2">
-            <a:schemeClr val="accent1">
-              <a:shade val="50000"/>
-            </a:schemeClr>
-          </a:lnRef>
-          <a:fillRef idx="1">
-            <a:schemeClr val="accent1"/>
-          </a:fillRef>
-          <a:effectRef idx="0">
-            <a:schemeClr val="accent1"/>
-          </a:effectRef>
-          <a:fontRef idx="minor">
-            <a:schemeClr val="lt1"/>
-          </a:fontRef>
-        </p:style>
-        <p:txBody>
-          <a:bodyPr rtlCol="0" anchor="ctr"/>
-          <a:lstStyle/>
-          <a:p>
-            <a:pPr algn="ctr"/>
-            <a:endParaRPr lang="it-IT"/>
-          </a:p>
-        </p:txBody>
-      </p:sp>
-      <p:sp>
-        <p:nvSpPr>
-          <p:cNvPr id="16" name="Rettangolo 15">
-            <a:extLst>
-              <a:ext uri="{FF2B5EF4-FFF2-40B4-BE49-F238E27FC236}">
-                <a16:creationId xmlns:a16="http://schemas.microsoft.com/office/drawing/2014/main" id="{DA33394A-D22C-34F1-25BE-82AA0811D9DE}"/>
-              </a:ext>
-            </a:extLst>
-          </p:cNvPr>
-          <p:cNvSpPr/>
-          <p:nvPr/>
-        </p:nvSpPr>
-        <p:spPr>
-          <a:xfrm>
-            <a:off x="9314608" y="1080575"/>
-            <a:ext cx="659823" cy="227393"/>
-          </a:xfrm>
-          <a:prstGeom prst="rect">
-            <a:avLst/>
-          </a:prstGeom>
-          <a:noFill/>
-          <a:ln w="28575">
-            <a:solidFill>
-              <a:schemeClr val="bg1">
-                <a:lumMod val="50000"/>
-              </a:schemeClr>
-            </a:solidFill>
-          </a:ln>
-          <a:effectLst>
-            <a:outerShdw blurRad="50800" dist="38100" dir="10800000" algn="r" rotWithShape="0">
-              <a:prstClr val="black">
-                <a:alpha val="40000"/>
-              </a:prstClr>
-            </a:outerShdw>
-          </a:effectLst>
-        </p:spPr>
-        <p:style>
-          <a:lnRef idx="2">
-            <a:schemeClr val="accent1">
-              <a:shade val="50000"/>
-            </a:schemeClr>
-          </a:lnRef>
-          <a:fillRef idx="1">
-            <a:schemeClr val="accent1"/>
-          </a:fillRef>
-          <a:effectRef idx="0">
-            <a:schemeClr val="accent1"/>
-          </a:effectRef>
-          <a:fontRef idx="minor">
-            <a:schemeClr val="lt1"/>
-          </a:fontRef>
-        </p:style>
-        <p:txBody>
-          <a:bodyPr rtlCol="0" anchor="ctr"/>
-          <a:lstStyle/>
-          <a:p>
-            <a:pPr algn="ctr"/>
-            <a:endParaRPr lang="it-IT"/>
-          </a:p>
-        </p:txBody>
-      </p:sp>
-      <p:sp>
-        <p:nvSpPr>
-          <p:cNvPr id="18" name="CasellaDiTesto 17">
-            <a:extLst>
-              <a:ext uri="{FF2B5EF4-FFF2-40B4-BE49-F238E27FC236}">
-                <a16:creationId xmlns:a16="http://schemas.microsoft.com/office/drawing/2014/main" id="{BBE3FA3E-C76B-5E84-41CE-A0BCE3ACC761}"/>
-              </a:ext>
-            </a:extLst>
-          </p:cNvPr>
-          <p:cNvSpPr txBox="1"/>
-          <p:nvPr/>
-        </p:nvSpPr>
-        <p:spPr>
-          <a:xfrm>
-            <a:off x="1286666" y="1396982"/>
-            <a:ext cx="5194943" cy="3416320"/>
-          </a:xfrm>
-          <a:prstGeom prst="rect">
-            <a:avLst/>
-          </a:prstGeom>
-          <a:noFill/>
-        </p:spPr>
-        <p:txBody>
-          <a:bodyPr wrap="square" rtlCol="0">
-            <a:spAutoFit/>
-          </a:bodyPr>
-          <a:lstStyle/>
-          <a:p>
-            <a:r>
-              <a:rPr lang="it-IT" dirty="0">
-                <a:solidFill>
-                  <a:srgbClr val="003C71"/>
-                </a:solidFill>
-              </a:rPr>
-              <a:t>In </a:t>
-            </a:r>
-            <a:r>
-              <a:rPr lang="it-IT" dirty="0" err="1">
-                <a:solidFill>
-                  <a:srgbClr val="003C71"/>
-                </a:solidFill>
-              </a:rPr>
-              <a:t>my</a:t>
-            </a:r>
-            <a:r>
-              <a:rPr lang="it-IT" dirty="0">
-                <a:solidFill>
-                  <a:srgbClr val="003C71"/>
-                </a:solidFill>
-              </a:rPr>
-              <a:t> case the </a:t>
-            </a:r>
-            <a:r>
-              <a:rPr lang="it-IT" dirty="0" err="1">
-                <a:solidFill>
-                  <a:srgbClr val="003C71"/>
-                </a:solidFill>
-              </a:rPr>
-              <a:t>states</a:t>
-            </a:r>
-            <a:r>
-              <a:rPr lang="it-IT" dirty="0">
-                <a:solidFill>
-                  <a:srgbClr val="003C71"/>
-                </a:solidFill>
-              </a:rPr>
-              <a:t> of the HMM are </a:t>
-            </a:r>
-            <a:r>
-              <a:rPr lang="it-IT" dirty="0" err="1">
-                <a:solidFill>
-                  <a:srgbClr val="003C71"/>
-                </a:solidFill>
-              </a:rPr>
-              <a:t>represented</a:t>
-            </a:r>
-            <a:r>
-              <a:rPr lang="it-IT" dirty="0">
-                <a:solidFill>
-                  <a:srgbClr val="003C71"/>
-                </a:solidFill>
-              </a:rPr>
-              <a:t> by the OPI (Offensive </a:t>
-            </a:r>
-            <a:r>
-              <a:rPr lang="it-IT" dirty="0" err="1">
-                <a:solidFill>
-                  <a:srgbClr val="003C71"/>
-                </a:solidFill>
-              </a:rPr>
-              <a:t>Potential</a:t>
-            </a:r>
-            <a:r>
-              <a:rPr lang="it-IT" dirty="0">
-                <a:solidFill>
-                  <a:srgbClr val="003C71"/>
-                </a:solidFill>
-              </a:rPr>
-              <a:t> Index).</a:t>
-            </a:r>
-          </a:p>
-          <a:p>
-            <a:endParaRPr lang="it-IT" dirty="0">
-              <a:solidFill>
-                <a:srgbClr val="003C71"/>
-              </a:solidFill>
-            </a:endParaRPr>
-          </a:p>
-          <a:p>
-            <a:r>
-              <a:rPr lang="it-IT" dirty="0">
-                <a:solidFill>
-                  <a:srgbClr val="003C71"/>
-                </a:solidFill>
-              </a:rPr>
-              <a:t>A team in a match can </a:t>
-            </a:r>
-            <a:r>
-              <a:rPr lang="it-IT" dirty="0" err="1">
-                <a:solidFill>
-                  <a:srgbClr val="003C71"/>
-                </a:solidFill>
-              </a:rPr>
-              <a:t>have</a:t>
-            </a:r>
-            <a:r>
-              <a:rPr lang="it-IT" dirty="0">
-                <a:solidFill>
-                  <a:srgbClr val="003C71"/>
-                </a:solidFill>
-              </a:rPr>
-              <a:t> a </a:t>
-            </a:r>
-            <a:r>
-              <a:rPr lang="it-IT" dirty="0" err="1">
-                <a:solidFill>
-                  <a:srgbClr val="003C71"/>
-                </a:solidFill>
-              </a:rPr>
-              <a:t>specific</a:t>
-            </a:r>
-            <a:r>
-              <a:rPr lang="it-IT" dirty="0">
-                <a:solidFill>
-                  <a:srgbClr val="003C71"/>
-                </a:solidFill>
-              </a:rPr>
-              <a:t> OPI, </a:t>
-            </a:r>
-            <a:r>
-              <a:rPr lang="it-IT" dirty="0" err="1">
-                <a:solidFill>
-                  <a:srgbClr val="003C71"/>
-                </a:solidFill>
-              </a:rPr>
-              <a:t>calculated</a:t>
-            </a:r>
-            <a:r>
-              <a:rPr lang="it-IT" dirty="0">
-                <a:solidFill>
-                  <a:srgbClr val="003C71"/>
-                </a:solidFill>
-              </a:rPr>
-              <a:t> by the </a:t>
-            </a:r>
-            <a:r>
-              <a:rPr lang="it-IT" dirty="0" err="1">
-                <a:solidFill>
-                  <a:srgbClr val="003C71"/>
-                </a:solidFill>
-              </a:rPr>
-              <a:t>number</a:t>
-            </a:r>
-            <a:r>
-              <a:rPr lang="it-IT" dirty="0">
-                <a:solidFill>
-                  <a:srgbClr val="003C71"/>
-                </a:solidFill>
-              </a:rPr>
-              <a:t> of shots </a:t>
-            </a:r>
-            <a:r>
-              <a:rPr lang="it-IT" dirty="0" err="1">
-                <a:solidFill>
-                  <a:srgbClr val="003C71"/>
-                </a:solidFill>
-              </a:rPr>
-              <a:t>realized</a:t>
-            </a:r>
-            <a:r>
-              <a:rPr lang="it-IT" dirty="0">
-                <a:solidFill>
-                  <a:srgbClr val="003C71"/>
-                </a:solidFill>
-              </a:rPr>
-              <a:t> </a:t>
-            </a:r>
-            <a:r>
-              <a:rPr lang="it-IT" dirty="0" err="1">
-                <a:solidFill>
-                  <a:srgbClr val="003C71"/>
-                </a:solidFill>
-              </a:rPr>
-              <a:t>during</a:t>
-            </a:r>
-            <a:r>
-              <a:rPr lang="it-IT" dirty="0">
-                <a:solidFill>
-                  <a:srgbClr val="003C71"/>
-                </a:solidFill>
-              </a:rPr>
-              <a:t> the match and </a:t>
-            </a:r>
-            <a:r>
-              <a:rPr lang="it-IT" dirty="0" err="1">
-                <a:solidFill>
-                  <a:srgbClr val="003C71"/>
-                </a:solidFill>
-              </a:rPr>
-              <a:t>also</a:t>
-            </a:r>
-            <a:r>
-              <a:rPr lang="it-IT" dirty="0">
-                <a:solidFill>
-                  <a:srgbClr val="003C71"/>
-                </a:solidFill>
-              </a:rPr>
-              <a:t> by the locations of </a:t>
-            </a:r>
-            <a:r>
-              <a:rPr lang="it-IT" dirty="0" err="1">
-                <a:solidFill>
-                  <a:srgbClr val="003C71"/>
-                </a:solidFill>
-              </a:rPr>
-              <a:t>where</a:t>
-            </a:r>
-            <a:r>
-              <a:rPr lang="it-IT" dirty="0">
-                <a:solidFill>
-                  <a:srgbClr val="003C71"/>
-                </a:solidFill>
-              </a:rPr>
-              <a:t> the shots </a:t>
-            </a:r>
-            <a:r>
-              <a:rPr lang="it-IT" dirty="0" err="1">
-                <a:solidFill>
-                  <a:srgbClr val="003C71"/>
-                </a:solidFill>
-              </a:rPr>
-              <a:t>came</a:t>
-            </a:r>
-            <a:r>
-              <a:rPr lang="it-IT" dirty="0">
-                <a:solidFill>
-                  <a:srgbClr val="003C71"/>
-                </a:solidFill>
-              </a:rPr>
-              <a:t> from.</a:t>
-            </a:r>
-          </a:p>
-          <a:p>
-            <a:endParaRPr lang="it-IT" dirty="0">
-              <a:solidFill>
-                <a:srgbClr val="003C71"/>
-              </a:solidFill>
-            </a:endParaRPr>
-          </a:p>
-          <a:p>
-            <a:r>
-              <a:rPr lang="it-IT" dirty="0" err="1">
-                <a:solidFill>
-                  <a:srgbClr val="003C71"/>
-                </a:solidFill>
-              </a:rPr>
-              <a:t>Dividing</a:t>
-            </a:r>
-            <a:r>
-              <a:rPr lang="it-IT" dirty="0">
-                <a:solidFill>
-                  <a:srgbClr val="003C71"/>
-                </a:solidFill>
-              </a:rPr>
-              <a:t> the field </a:t>
-            </a:r>
-            <a:r>
-              <a:rPr lang="it-IT" dirty="0" err="1">
-                <a:solidFill>
-                  <a:srgbClr val="003C71"/>
-                </a:solidFill>
-              </a:rPr>
-              <a:t>into</a:t>
-            </a:r>
-            <a:r>
-              <a:rPr lang="it-IT" dirty="0">
-                <a:solidFill>
-                  <a:srgbClr val="003C71"/>
-                </a:solidFill>
-              </a:rPr>
-              <a:t> </a:t>
-            </a:r>
-            <a:r>
-              <a:rPr lang="it-IT" dirty="0" err="1">
-                <a:solidFill>
-                  <a:srgbClr val="003C71"/>
-                </a:solidFill>
-              </a:rPr>
-              <a:t>three</a:t>
-            </a:r>
-            <a:r>
-              <a:rPr lang="it-IT" dirty="0">
-                <a:solidFill>
-                  <a:srgbClr val="003C71"/>
-                </a:solidFill>
-              </a:rPr>
-              <a:t> </a:t>
-            </a:r>
-            <a:r>
-              <a:rPr lang="it-IT" dirty="0" err="1">
-                <a:solidFill>
-                  <a:srgbClr val="003C71"/>
-                </a:solidFill>
-              </a:rPr>
-              <a:t>areas</a:t>
-            </a:r>
-            <a:r>
-              <a:rPr lang="it-IT" dirty="0">
-                <a:solidFill>
-                  <a:srgbClr val="003C71"/>
-                </a:solidFill>
-              </a:rPr>
-              <a:t> </a:t>
-            </a:r>
-            <a:r>
-              <a:rPr lang="it-IT" dirty="0" err="1">
-                <a:solidFill>
-                  <a:srgbClr val="003C71"/>
-                </a:solidFill>
-              </a:rPr>
-              <a:t>we</a:t>
-            </a:r>
-            <a:r>
-              <a:rPr lang="it-IT" dirty="0">
-                <a:solidFill>
-                  <a:srgbClr val="003C71"/>
-                </a:solidFill>
-              </a:rPr>
-              <a:t> can </a:t>
-            </a:r>
-            <a:r>
-              <a:rPr lang="it-IT" dirty="0" err="1">
-                <a:solidFill>
-                  <a:srgbClr val="003C71"/>
-                </a:solidFill>
-              </a:rPr>
-              <a:t>have</a:t>
-            </a:r>
-            <a:r>
-              <a:rPr lang="it-IT" dirty="0">
-                <a:solidFill>
-                  <a:srgbClr val="003C71"/>
-                </a:solidFill>
-              </a:rPr>
-              <a:t> </a:t>
-            </a:r>
-            <a:r>
-              <a:rPr lang="it-IT" dirty="0" err="1">
-                <a:solidFill>
-                  <a:srgbClr val="003C71"/>
-                </a:solidFill>
-              </a:rPr>
-              <a:t>three</a:t>
-            </a:r>
-            <a:r>
-              <a:rPr lang="it-IT" dirty="0">
-                <a:solidFill>
-                  <a:srgbClr val="003C71"/>
-                </a:solidFill>
-              </a:rPr>
-              <a:t> </a:t>
-            </a:r>
-            <a:r>
-              <a:rPr lang="it-IT" dirty="0" err="1">
-                <a:solidFill>
-                  <a:srgbClr val="003C71"/>
-                </a:solidFill>
-              </a:rPr>
-              <a:t>differents</a:t>
-            </a:r>
-            <a:r>
-              <a:rPr lang="it-IT" dirty="0">
-                <a:solidFill>
-                  <a:srgbClr val="003C71"/>
-                </a:solidFill>
-              </a:rPr>
-              <a:t> spots </a:t>
-            </a:r>
-            <a:r>
-              <a:rPr lang="it-IT" dirty="0" err="1">
-                <a:solidFill>
-                  <a:srgbClr val="003C71"/>
-                </a:solidFill>
-              </a:rPr>
-              <a:t>where</a:t>
-            </a:r>
-            <a:r>
-              <a:rPr lang="it-IT" dirty="0">
-                <a:solidFill>
-                  <a:srgbClr val="003C71"/>
-                </a:solidFill>
-              </a:rPr>
-              <a:t> a shot </a:t>
-            </a:r>
-            <a:r>
-              <a:rPr lang="it-IT" dirty="0" err="1">
-                <a:solidFill>
-                  <a:srgbClr val="003C71"/>
-                </a:solidFill>
-              </a:rPr>
-              <a:t>could</a:t>
-            </a:r>
-            <a:r>
-              <a:rPr lang="it-IT" dirty="0">
-                <a:solidFill>
-                  <a:srgbClr val="003C71"/>
-                </a:solidFill>
-              </a:rPr>
-              <a:t> be </a:t>
-            </a:r>
-            <a:r>
-              <a:rPr lang="it-IT" dirty="0" err="1">
-                <a:solidFill>
-                  <a:srgbClr val="003C71"/>
-                </a:solidFill>
-              </a:rPr>
-              <a:t>performed</a:t>
-            </a:r>
-            <a:r>
-              <a:rPr lang="it-IT" dirty="0">
-                <a:solidFill>
-                  <a:srgbClr val="003C71"/>
-                </a:solidFill>
-              </a:rPr>
-              <a:t>.</a:t>
-            </a:r>
-          </a:p>
-        </p:txBody>
-      </p:sp>
-      <mc:AlternateContent xmlns:mc="http://schemas.openxmlformats.org/markup-compatibility/2006" xmlns:a14="http://schemas.microsoft.com/office/drawing/2010/main">
-        <mc:Choice Requires="a14">
-          <p:sp>
-            <p:nvSpPr>
-              <p:cNvPr id="3" name="CasellaDiTesto 2">
-                <a:extLst>
-                  <a:ext uri="{FF2B5EF4-FFF2-40B4-BE49-F238E27FC236}">
-                    <a16:creationId xmlns:a16="http://schemas.microsoft.com/office/drawing/2014/main" id="{E2E815C2-C91E-968A-FF01-2A11E435E236}"/>
-                  </a:ext>
-                </a:extLst>
-              </p:cNvPr>
-              <p:cNvSpPr txBox="1"/>
-              <p:nvPr/>
-            </p:nvSpPr>
-            <p:spPr>
-              <a:xfrm>
-                <a:off x="2689217" y="5041109"/>
-                <a:ext cx="1826799" cy="405176"/>
-              </a:xfrm>
-              <a:prstGeom prst="rect">
-                <a:avLst/>
-              </a:prstGeom>
-              <a:noFill/>
-            </p:spPr>
-            <p:txBody>
-              <a:bodyPr wrap="square" rtlCol="0">
-                <a:spAutoFit/>
-              </a:bodyPr>
-              <a:lstStyle/>
-              <a:p>
-                <a:r>
-                  <a:rPr lang="pt-BR" sz="2000" b="1" i="1" dirty="0">
-                    <a:solidFill>
-                      <a:srgbClr val="003C71"/>
-                    </a:solidFill>
-                  </a:rPr>
-                  <a:t>OPI</a:t>
-                </a:r>
-                <a:r>
-                  <a:rPr lang="pt-BR" sz="2000" dirty="0">
-                    <a:solidFill>
-                      <a:srgbClr val="003C71"/>
-                    </a:solidFill>
-                  </a:rPr>
-                  <a:t> </a:t>
-                </a:r>
-                <a14:m>
-                  <m:oMath xmlns:m="http://schemas.openxmlformats.org/officeDocument/2006/math">
-                    <m:r>
-                      <a:rPr lang="pt-BR" sz="2000" i="1" smtClean="0">
-                        <a:solidFill>
-                          <a:srgbClr val="003C71"/>
-                        </a:solidFill>
-                        <a:latin typeface="Cambria Math" panose="02040503050406030204" pitchFamily="18" charset="0"/>
-                      </a:rPr>
-                      <m:t>=</m:t>
-                    </m:r>
-                    <m:nary>
-                      <m:naryPr>
-                        <m:chr m:val="∑"/>
-                        <m:ctrlPr>
-                          <a:rPr lang="pt-BR" sz="2000" i="1" smtClean="0">
-                            <a:solidFill>
-                              <a:srgbClr val="003C71"/>
-                            </a:solidFill>
-                            <a:latin typeface="Cambria Math" panose="02040503050406030204" pitchFamily="18" charset="0"/>
-                          </a:rPr>
-                        </m:ctrlPr>
-                      </m:naryPr>
-                      <m:sub>
-                        <m:r>
-                          <m:rPr>
-                            <m:brk m:alnAt="23"/>
-                          </m:rPr>
-                          <a:rPr lang="it-IT" sz="2000" b="0" i="1" smtClean="0">
-                            <a:solidFill>
-                              <a:srgbClr val="003C71"/>
-                            </a:solidFill>
-                            <a:latin typeface="Cambria Math" panose="02040503050406030204" pitchFamily="18" charset="0"/>
-                          </a:rPr>
-                          <m:t>1</m:t>
-                        </m:r>
-                      </m:sub>
-                      <m:sup>
-                        <m:r>
-                          <a:rPr lang="it-IT" sz="2000" b="0" i="1" smtClean="0">
-                            <a:solidFill>
-                              <a:srgbClr val="003C71"/>
-                            </a:solidFill>
-                            <a:latin typeface="Cambria Math" panose="02040503050406030204" pitchFamily="18" charset="0"/>
-                          </a:rPr>
-                          <m:t>3</m:t>
-                        </m:r>
-                      </m:sup>
-                      <m:e>
-                        <m:r>
-                          <a:rPr lang="it-IT" sz="2000" b="0" i="1" smtClean="0">
-                            <a:solidFill>
-                              <a:srgbClr val="003C71"/>
-                            </a:solidFill>
-                            <a:latin typeface="Cambria Math" panose="02040503050406030204" pitchFamily="18" charset="0"/>
-                          </a:rPr>
-                          <m:t>𝑤𝑆</m:t>
-                        </m:r>
-                      </m:e>
-                    </m:nary>
-                  </m:oMath>
-                </a14:m>
-                <a:r>
-                  <a:rPr lang="it-IT" sz="2000" dirty="0">
-                    <a:solidFill>
-                      <a:srgbClr val="003C71"/>
-                    </a:solidFill>
-                  </a:rPr>
-                  <a:t> </a:t>
-                </a:r>
-              </a:p>
-            </p:txBody>
-          </p:sp>
-        </mc:Choice>
-        <mc:Fallback xmlns="">
-          <p:sp>
-            <p:nvSpPr>
-              <p:cNvPr id="3" name="CasellaDiTesto 2">
-                <a:extLst>
-                  <a:ext uri="{FF2B5EF4-FFF2-40B4-BE49-F238E27FC236}">
-                    <a16:creationId xmlns:a16="http://schemas.microsoft.com/office/drawing/2014/main" id="{E2E815C2-C91E-968A-FF01-2A11E435E236}"/>
-                  </a:ext>
-                </a:extLst>
-              </p:cNvPr>
-              <p:cNvSpPr txBox="1">
-                <a:spLocks noRot="1" noChangeAspect="1" noMove="1" noResize="1" noEditPoints="1" noAdjustHandles="1" noChangeArrowheads="1" noChangeShapeType="1" noTextEdit="1"/>
-              </p:cNvSpPr>
-              <p:nvPr/>
-            </p:nvSpPr>
-            <p:spPr>
-              <a:xfrm>
-                <a:off x="2689217" y="5041109"/>
-                <a:ext cx="1826799" cy="405176"/>
-              </a:xfrm>
-              <a:prstGeom prst="rect">
-                <a:avLst/>
-              </a:prstGeom>
-              <a:blipFill>
-                <a:blip r:embed="rId4"/>
-                <a:stretch>
-                  <a:fillRect l="-3333" t="-119697" r="-7667" b="-184848"/>
-                </a:stretch>
-              </a:blipFill>
-            </p:spPr>
-            <p:txBody>
-              <a:bodyPr/>
-              <a:lstStyle/>
-              <a:p>
-                <a:r>
-                  <a:rPr lang="it-IT">
-                    <a:noFill/>
-                  </a:rPr>
-                  <a:t> </a:t>
-                </a:r>
-              </a:p>
-            </p:txBody>
-          </p:sp>
-        </mc:Fallback>
-      </mc:AlternateContent>
-      <p:sp>
-        <p:nvSpPr>
-          <p:cNvPr id="17" name="AutoShape 2" descr="\sum">
-            <a:extLst>
-              <a:ext uri="{FF2B5EF4-FFF2-40B4-BE49-F238E27FC236}">
-                <a16:creationId xmlns:a16="http://schemas.microsoft.com/office/drawing/2014/main" id="{E739E825-E33F-5F61-5C50-DEDD92F59957}"/>
-              </a:ext>
-            </a:extLst>
-          </p:cNvPr>
-          <p:cNvSpPr>
-            <a:spLocks noChangeAspect="1" noChangeArrowheads="1"/>
-          </p:cNvSpPr>
-          <p:nvPr/>
-        </p:nvSpPr>
-        <p:spPr bwMode="auto">
-          <a:xfrm>
-            <a:off x="5943600" y="3276600"/>
-            <a:ext cx="304800" cy="304800"/>
-          </a:xfrm>
-          <a:prstGeom prst="rect">
-            <a:avLst/>
-          </a:prstGeom>
-          <a:noFill/>
-          <a:extLst>
-            <a:ext uri="{909E8E84-426E-40DD-AFC4-6F175D3DCCD1}">
-              <a14:hiddenFill xmlns:a14="http://schemas.microsoft.com/office/drawing/2010/main">
-                <a:solidFill>
-                  <a:srgbClr val="FFFFFF"/>
-                </a:solidFill>
-              </a14:hiddenFill>
-            </a:ext>
-          </a:extLst>
-        </p:spPr>
-        <p:txBody>
-          <a:bodyPr vert="horz" wrap="square" lIns="91440" tIns="45720" rIns="91440" bIns="45720" numCol="1" anchor="t" anchorCtr="0" compatLnSpc="1">
-            <a:prstTxWarp prst="textNoShape">
-              <a:avLst/>
-            </a:prstTxWarp>
-          </a:bodyPr>
-          <a:lstStyle/>
-          <a:p>
-            <a:endParaRPr lang="it-IT"/>
-          </a:p>
-        </p:txBody>
-      </p:sp>
-      <mc:AlternateContent xmlns:mc="http://schemas.openxmlformats.org/markup-compatibility/2006" xmlns:a14="http://schemas.microsoft.com/office/drawing/2010/main">
-        <mc:Choice Requires="a14">
-          <p:sp>
-            <p:nvSpPr>
-              <p:cNvPr id="20" name="CasellaDiTesto 19">
-                <a:extLst>
-                  <a:ext uri="{FF2B5EF4-FFF2-40B4-BE49-F238E27FC236}">
-                    <a16:creationId xmlns:a16="http://schemas.microsoft.com/office/drawing/2014/main" id="{159E6381-7E05-9658-975C-C92823980733}"/>
-                  </a:ext>
-                </a:extLst>
-              </p:cNvPr>
-              <p:cNvSpPr txBox="1"/>
-              <p:nvPr/>
-            </p:nvSpPr>
-            <p:spPr>
-              <a:xfrm>
-                <a:off x="1652517" y="5774934"/>
-                <a:ext cx="3900197" cy="584775"/>
-              </a:xfrm>
-              <a:prstGeom prst="rect">
-                <a:avLst/>
-              </a:prstGeom>
-              <a:noFill/>
-            </p:spPr>
-            <p:txBody>
-              <a:bodyPr wrap="square">
-                <a:spAutoFit/>
-              </a:bodyPr>
-              <a:lstStyle/>
-              <a:p>
-                <a:pPr/>
-                <a14:m>
-                  <m:oMathPara xmlns:m="http://schemas.openxmlformats.org/officeDocument/2006/math">
-                    <m:oMathParaPr>
-                      <m:jc m:val="centerGroup"/>
-                    </m:oMathParaPr>
-                    <m:oMath xmlns:m="http://schemas.openxmlformats.org/officeDocument/2006/math">
-                      <m:r>
-                        <a:rPr lang="it-IT" sz="1600" b="0" i="1" smtClean="0">
-                          <a:solidFill>
-                            <a:srgbClr val="003C71"/>
-                          </a:solidFill>
-                          <a:latin typeface="Cambria Math" panose="02040503050406030204" pitchFamily="18" charset="0"/>
-                        </a:rPr>
-                        <m:t>𝑤</m:t>
-                      </m:r>
-                      <m:r>
-                        <a:rPr lang="it-IT" sz="1600" b="0" i="1" smtClean="0">
-                          <a:solidFill>
-                            <a:srgbClr val="003C71"/>
-                          </a:solidFill>
-                          <a:latin typeface="Cambria Math" panose="02040503050406030204" pitchFamily="18" charset="0"/>
-                        </a:rPr>
-                        <m:t>=</m:t>
-                      </m:r>
-                      <m:r>
-                        <a:rPr lang="it-IT" sz="1600" b="0" i="1" smtClean="0">
-                          <a:solidFill>
-                            <a:srgbClr val="003C71"/>
-                          </a:solidFill>
-                          <a:latin typeface="Cambria Math" panose="02040503050406030204" pitchFamily="18" charset="0"/>
-                        </a:rPr>
-                        <m:t>𝑤𝑒𝑖𝑔h𝑡</m:t>
-                      </m:r>
-                      <m:r>
-                        <a:rPr lang="it-IT" sz="1600" b="0" i="1" smtClean="0">
-                          <a:solidFill>
-                            <a:srgbClr val="003C71"/>
-                          </a:solidFill>
-                          <a:latin typeface="Cambria Math" panose="02040503050406030204" pitchFamily="18" charset="0"/>
-                        </a:rPr>
-                        <m:t> </m:t>
-                      </m:r>
-                      <m:r>
-                        <a:rPr lang="it-IT" sz="1600" b="0" i="1" smtClean="0">
-                          <a:solidFill>
-                            <a:srgbClr val="003C71"/>
-                          </a:solidFill>
-                          <a:latin typeface="Cambria Math" panose="02040503050406030204" pitchFamily="18" charset="0"/>
-                        </a:rPr>
-                        <m:t>𝑜𝑓</m:t>
-                      </m:r>
-                      <m:r>
-                        <a:rPr lang="it-IT" sz="1600" b="0" i="1" smtClean="0">
-                          <a:solidFill>
-                            <a:srgbClr val="003C71"/>
-                          </a:solidFill>
-                          <a:latin typeface="Cambria Math" panose="02040503050406030204" pitchFamily="18" charset="0"/>
-                        </a:rPr>
-                        <m:t> </m:t>
-                      </m:r>
-                      <m:r>
-                        <a:rPr lang="it-IT" sz="1600" b="0" i="1" smtClean="0">
-                          <a:solidFill>
-                            <a:srgbClr val="003C71"/>
-                          </a:solidFill>
-                          <a:latin typeface="Cambria Math" panose="02040503050406030204" pitchFamily="18" charset="0"/>
-                        </a:rPr>
-                        <m:t>𝑡h𝑒</m:t>
-                      </m:r>
-                      <m:r>
-                        <a:rPr lang="it-IT" sz="1600" b="0" i="1" smtClean="0">
-                          <a:solidFill>
-                            <a:srgbClr val="003C71"/>
-                          </a:solidFill>
-                          <a:latin typeface="Cambria Math" panose="02040503050406030204" pitchFamily="18" charset="0"/>
-                        </a:rPr>
-                        <m:t> </m:t>
-                      </m:r>
-                      <m:r>
-                        <a:rPr lang="it-IT" sz="1600" b="0" i="1" smtClean="0">
-                          <a:solidFill>
-                            <a:srgbClr val="003C71"/>
-                          </a:solidFill>
-                          <a:latin typeface="Cambria Math" panose="02040503050406030204" pitchFamily="18" charset="0"/>
-                        </a:rPr>
-                        <m:t>𝑎𝑟𝑒𝑎</m:t>
-                      </m:r>
-                      <m:r>
-                        <a:rPr lang="it-IT" sz="1600" b="0" i="0" smtClean="0">
-                          <a:solidFill>
-                            <a:srgbClr val="003C71"/>
-                          </a:solidFill>
-                          <a:latin typeface="Cambria Math" panose="02040503050406030204" pitchFamily="18" charset="0"/>
-                        </a:rPr>
-                        <m:t> </m:t>
-                      </m:r>
-                    </m:oMath>
-                  </m:oMathPara>
-                </a14:m>
-                <a:endParaRPr lang="it-IT" sz="1600" b="0" i="0" dirty="0">
-                  <a:solidFill>
-                    <a:srgbClr val="003C71"/>
-                  </a:solidFill>
-                  <a:latin typeface="Cambria Math" panose="02040503050406030204" pitchFamily="18" charset="0"/>
-                </a:endParaRPr>
-              </a:p>
-              <a:p>
-                <a:pPr/>
-                <a14:m>
-                  <m:oMathPara xmlns:m="http://schemas.openxmlformats.org/officeDocument/2006/math">
-                    <m:oMathParaPr>
-                      <m:jc m:val="centerGroup"/>
-                    </m:oMathParaPr>
-                    <m:oMath xmlns:m="http://schemas.openxmlformats.org/officeDocument/2006/math">
-                      <m:r>
-                        <m:rPr>
-                          <m:sty m:val="p"/>
-                        </m:rPr>
-                        <a:rPr lang="it-IT" sz="1600" b="0" i="0" smtClean="0">
-                          <a:solidFill>
-                            <a:srgbClr val="003C71"/>
-                          </a:solidFill>
-                          <a:latin typeface="Cambria Math" panose="02040503050406030204" pitchFamily="18" charset="0"/>
-                        </a:rPr>
-                        <m:t>S</m:t>
-                      </m:r>
-                      <m:r>
-                        <a:rPr lang="it-IT" sz="1600" b="0" i="0" smtClean="0">
-                          <a:solidFill>
-                            <a:srgbClr val="003C71"/>
-                          </a:solidFill>
-                          <a:latin typeface="Cambria Math" panose="02040503050406030204" pitchFamily="18" charset="0"/>
-                        </a:rPr>
-                        <m:t>=</m:t>
-                      </m:r>
-                      <m:r>
-                        <m:rPr>
-                          <m:sty m:val="p"/>
-                        </m:rPr>
-                        <a:rPr lang="it-IT" sz="1600" b="0" i="0" smtClean="0">
-                          <a:solidFill>
-                            <a:srgbClr val="003C71"/>
-                          </a:solidFill>
-                          <a:latin typeface="Cambria Math" panose="02040503050406030204" pitchFamily="18" charset="0"/>
-                        </a:rPr>
-                        <m:t>number</m:t>
-                      </m:r>
-                      <m:r>
-                        <a:rPr lang="it-IT" sz="1600" b="0" i="0" smtClean="0">
-                          <a:solidFill>
-                            <a:srgbClr val="003C71"/>
-                          </a:solidFill>
-                          <a:latin typeface="Cambria Math" panose="02040503050406030204" pitchFamily="18" charset="0"/>
-                        </a:rPr>
-                        <m:t> </m:t>
-                      </m:r>
-                      <m:r>
-                        <m:rPr>
-                          <m:sty m:val="p"/>
-                        </m:rPr>
-                        <a:rPr lang="it-IT" sz="1600" b="0" i="0" smtClean="0">
-                          <a:solidFill>
-                            <a:srgbClr val="003C71"/>
-                          </a:solidFill>
-                          <a:latin typeface="Cambria Math" panose="02040503050406030204" pitchFamily="18" charset="0"/>
-                        </a:rPr>
-                        <m:t>of</m:t>
-                      </m:r>
-                      <m:r>
-                        <a:rPr lang="it-IT" sz="1600" b="0" i="0" smtClean="0">
-                          <a:solidFill>
-                            <a:srgbClr val="003C71"/>
-                          </a:solidFill>
-                          <a:latin typeface="Cambria Math" panose="02040503050406030204" pitchFamily="18" charset="0"/>
-                        </a:rPr>
-                        <m:t> </m:t>
-                      </m:r>
-                      <m:r>
-                        <m:rPr>
-                          <m:sty m:val="p"/>
-                        </m:rPr>
-                        <a:rPr lang="it-IT" sz="1600" b="0" i="0" smtClean="0">
-                          <a:solidFill>
-                            <a:srgbClr val="003C71"/>
-                          </a:solidFill>
-                          <a:latin typeface="Cambria Math" panose="02040503050406030204" pitchFamily="18" charset="0"/>
-                        </a:rPr>
-                        <m:t>shots</m:t>
-                      </m:r>
-                      <m:r>
-                        <a:rPr lang="it-IT" sz="1600" b="0" i="0" smtClean="0">
-                          <a:solidFill>
-                            <a:srgbClr val="003C71"/>
-                          </a:solidFill>
-                          <a:latin typeface="Cambria Math" panose="02040503050406030204" pitchFamily="18" charset="0"/>
-                        </a:rPr>
-                        <m:t> </m:t>
-                      </m:r>
-                      <m:r>
-                        <m:rPr>
-                          <m:sty m:val="p"/>
-                        </m:rPr>
-                        <a:rPr lang="it-IT" sz="1600" b="0" i="0" smtClean="0">
-                          <a:solidFill>
-                            <a:srgbClr val="003C71"/>
-                          </a:solidFill>
-                          <a:latin typeface="Cambria Math" panose="02040503050406030204" pitchFamily="18" charset="0"/>
-                        </a:rPr>
-                        <m:t>from</m:t>
-                      </m:r>
-                      <m:r>
-                        <a:rPr lang="it-IT" sz="1600" b="0" i="0" smtClean="0">
-                          <a:solidFill>
-                            <a:srgbClr val="003C71"/>
-                          </a:solidFill>
-                          <a:latin typeface="Cambria Math" panose="02040503050406030204" pitchFamily="18" charset="0"/>
-                        </a:rPr>
-                        <m:t> </m:t>
-                      </m:r>
-                      <m:r>
-                        <m:rPr>
-                          <m:sty m:val="p"/>
-                        </m:rPr>
-                        <a:rPr lang="it-IT" sz="1600" b="0" i="0" smtClean="0">
-                          <a:solidFill>
-                            <a:srgbClr val="003C71"/>
-                          </a:solidFill>
-                          <a:latin typeface="Cambria Math" panose="02040503050406030204" pitchFamily="18" charset="0"/>
-                        </a:rPr>
-                        <m:t>that</m:t>
-                      </m:r>
-                      <m:r>
-                        <a:rPr lang="it-IT" sz="1600" b="0" i="0" smtClean="0">
-                          <a:solidFill>
-                            <a:srgbClr val="003C71"/>
-                          </a:solidFill>
-                          <a:latin typeface="Cambria Math" panose="02040503050406030204" pitchFamily="18" charset="0"/>
-                        </a:rPr>
-                        <m:t> </m:t>
-                      </m:r>
-                      <m:r>
-                        <m:rPr>
-                          <m:sty m:val="p"/>
-                        </m:rPr>
-                        <a:rPr lang="it-IT" sz="1600" b="0" i="0" smtClean="0">
-                          <a:solidFill>
-                            <a:srgbClr val="003C71"/>
-                          </a:solidFill>
-                          <a:latin typeface="Cambria Math" panose="02040503050406030204" pitchFamily="18" charset="0"/>
-                        </a:rPr>
-                        <m:t>aerea</m:t>
-                      </m:r>
-                    </m:oMath>
-                  </m:oMathPara>
-                </a14:m>
-                <a:endParaRPr lang="it-IT" sz="1600" dirty="0"/>
-              </a:p>
-            </p:txBody>
-          </p:sp>
-        </mc:Choice>
-        <mc:Fallback xmlns="">
-          <p:sp>
-            <p:nvSpPr>
-              <p:cNvPr id="20" name="CasellaDiTesto 19">
-                <a:extLst>
-                  <a:ext uri="{FF2B5EF4-FFF2-40B4-BE49-F238E27FC236}">
-                    <a16:creationId xmlns:a16="http://schemas.microsoft.com/office/drawing/2014/main" id="{159E6381-7E05-9658-975C-C92823980733}"/>
-                  </a:ext>
-                </a:extLst>
-              </p:cNvPr>
-              <p:cNvSpPr txBox="1">
-                <a:spLocks noRot="1" noChangeAspect="1" noMove="1" noResize="1" noEditPoints="1" noAdjustHandles="1" noChangeArrowheads="1" noChangeShapeType="1" noTextEdit="1"/>
-              </p:cNvSpPr>
-              <p:nvPr/>
-            </p:nvSpPr>
-            <p:spPr>
-              <a:xfrm>
-                <a:off x="1652517" y="5774934"/>
-                <a:ext cx="3900197" cy="584775"/>
-              </a:xfrm>
-              <a:prstGeom prst="rect">
-                <a:avLst/>
-              </a:prstGeom>
-              <a:blipFill>
-                <a:blip r:embed="rId5"/>
-                <a:stretch>
-                  <a:fillRect/>
-                </a:stretch>
-              </a:blipFill>
-            </p:spPr>
-            <p:txBody>
-              <a:bodyPr/>
-              <a:lstStyle/>
-              <a:p>
-                <a:r>
-                  <a:rPr lang="it-IT">
-                    <a:noFill/>
-                  </a:rPr>
-                  <a:t> </a:t>
-                </a:r>
-              </a:p>
-            </p:txBody>
-          </p:sp>
-        </mc:Fallback>
-      </mc:AlternateContent>
-    </p:spTree>
-    <p:extLst>
-      <p:ext uri="{BB962C8B-B14F-4D97-AF65-F5344CB8AC3E}">
-        <p14:creationId xmlns:p14="http://schemas.microsoft.com/office/powerpoint/2010/main" val="4151291417"/>
-      </p:ext>
-    </p:extLst>
-  </p:cSld>
-  <p:clrMapOvr>
-    <a:masterClrMapping/>
-  </p:clrMapOvr>
-  <mc:AlternateContent xmlns:mc="http://schemas.openxmlformats.org/markup-compatibility/2006" xmlns:p14="http://schemas.microsoft.com/office/powerpoint/2010/main">
-    <mc:Choice Requires="p14">
-      <p:transition spd="med" p14:dur="700">
-        <p:fade/>
-      </p:transition>
-    </mc:Choice>
-    <mc:Fallback xmlns="">
-      <p:transition spd="med">
-        <p:fade/>
-      </p:transition>
-    </mc:Fallback>
-  </mc:AlternateContent>
-  <p:timing>
-    <p:tnLst>
-      <p:par>
-        <p:cTn id="1" dur="indefinite" restart="never" nodeType="tmRoot">
-          <p:childTnLst>
-            <p:seq concurrent="1" nextAc="seek">
-              <p:cTn id="2" dur="indefinite" nodeType="mainSeq">
-                <p:childTnLst>
-                  <p:par>
-                    <p:cTn id="3" fill="hold">
-                      <p:stCondLst>
-                        <p:cond delay="indefinite"/>
-                        <p:cond evt="onBegin" delay="0">
-                          <p:tn val="2"/>
-                        </p:cond>
-                      </p:stCondLst>
-                      <p:childTnLst>
-                        <p:par>
-                          <p:cTn id="4" fill="hold">
-                            <p:stCondLst>
-                              <p:cond delay="0"/>
-                            </p:stCondLst>
-                            <p:childTnLst>
-                              <p:par>
-                                <p:cTn id="5" presetID="10" presetClass="entr" presetSubtype="0" fill="hold" grpId="0" nodeType="afterEffect">
-                                  <p:stCondLst>
-                                    <p:cond delay="0"/>
-                                  </p:stCondLst>
-                                  <p:childTnLst>
-                                    <p:set>
-                                      <p:cBhvr>
-                                        <p:cTn id="6" dur="1" fill="hold">
-                                          <p:stCondLst>
-                                            <p:cond delay="0"/>
-                                          </p:stCondLst>
-                                        </p:cTn>
-                                        <p:tgtEl>
-                                          <p:spTgt spid="2"/>
-                                        </p:tgtEl>
-                                        <p:attrNameLst>
-                                          <p:attrName>style.visibility</p:attrName>
-                                        </p:attrNameLst>
-                                      </p:cBhvr>
-                                      <p:to>
-                                        <p:strVal val="visible"/>
-                                      </p:to>
-                                    </p:set>
-                                    <p:animEffect transition="in" filter="fade">
-                                      <p:cBhvr>
-                                        <p:cTn id="7" dur="500"/>
-                                        <p:tgtEl>
-                                          <p:spTgt spid="2"/>
-                                        </p:tgtEl>
-                                      </p:cBhvr>
-                                    </p:animEffect>
-                                  </p:childTnLst>
-                                </p:cTn>
-                              </p:par>
-                              <p:par>
-                                <p:cTn id="8" presetID="10" presetClass="entr" presetSubtype="0" fill="hold" grpId="0" nodeType="withEffect">
-                                  <p:stCondLst>
-                                    <p:cond delay="0"/>
-                                  </p:stCondLst>
-                                  <p:childTnLst>
-                                    <p:set>
-                                      <p:cBhvr>
-                                        <p:cTn id="9" dur="1" fill="hold">
-                                          <p:stCondLst>
-                                            <p:cond delay="0"/>
-                                          </p:stCondLst>
-                                        </p:cTn>
-                                        <p:tgtEl>
-                                          <p:spTgt spid="10"/>
-                                        </p:tgtEl>
-                                        <p:attrNameLst>
-                                          <p:attrName>style.visibility</p:attrName>
-                                        </p:attrNameLst>
-                                      </p:cBhvr>
-                                      <p:to>
-                                        <p:strVal val="visible"/>
-                                      </p:to>
-                                    </p:set>
-                                    <p:animEffect transition="in" filter="fade">
-                                      <p:cBhvr>
-                                        <p:cTn id="10" dur="500"/>
-                                        <p:tgtEl>
-                                          <p:spTgt spid="10"/>
-                                        </p:tgtEl>
-                                      </p:cBhvr>
-                                    </p:animEffect>
-                                  </p:childTnLst>
-                                </p:cTn>
-                              </p:par>
-                              <p:par>
-                                <p:cTn id="11" presetID="10" presetClass="entr" presetSubtype="0" fill="hold" grpId="0" nodeType="withEffect">
-                                  <p:stCondLst>
-                                    <p:cond delay="0"/>
-                                  </p:stCondLst>
-                                  <p:childTnLst>
-                                    <p:set>
-                                      <p:cBhvr>
-                                        <p:cTn id="12" dur="1" fill="hold">
-                                          <p:stCondLst>
-                                            <p:cond delay="0"/>
-                                          </p:stCondLst>
-                                        </p:cTn>
-                                        <p:tgtEl>
-                                          <p:spTgt spid="11"/>
-                                        </p:tgtEl>
-                                        <p:attrNameLst>
-                                          <p:attrName>style.visibility</p:attrName>
-                                        </p:attrNameLst>
-                                      </p:cBhvr>
-                                      <p:to>
-                                        <p:strVal val="visible"/>
-                                      </p:to>
-                                    </p:set>
-                                    <p:animEffect transition="in" filter="fade">
-                                      <p:cBhvr>
-                                        <p:cTn id="13" dur="500"/>
-                                        <p:tgtEl>
-                                          <p:spTgt spid="11"/>
-                                        </p:tgtEl>
-                                      </p:cBhvr>
-                                    </p:animEffect>
-                                  </p:childTnLst>
-                                </p:cTn>
-                              </p:par>
-                              <p:par>
-                                <p:cTn id="14" presetID="10" presetClass="entr" presetSubtype="0" fill="hold" grpId="0" nodeType="withEffect">
-                                  <p:stCondLst>
-                                    <p:cond delay="0"/>
-                                  </p:stCondLst>
-                                  <p:childTnLst>
-                                    <p:set>
-                                      <p:cBhvr>
-                                        <p:cTn id="15" dur="1" fill="hold">
-                                          <p:stCondLst>
-                                            <p:cond delay="0"/>
-                                          </p:stCondLst>
-                                        </p:cTn>
-                                        <p:tgtEl>
-                                          <p:spTgt spid="12"/>
-                                        </p:tgtEl>
-                                        <p:attrNameLst>
-                                          <p:attrName>style.visibility</p:attrName>
-                                        </p:attrNameLst>
-                                      </p:cBhvr>
-                                      <p:to>
-                                        <p:strVal val="visible"/>
-                                      </p:to>
-                                    </p:set>
-                                    <p:animEffect transition="in" filter="fade">
-                                      <p:cBhvr>
-                                        <p:cTn id="16" dur="500"/>
-                                        <p:tgtEl>
-                                          <p:spTgt spid="12"/>
-                                        </p:tgtEl>
-                                      </p:cBhvr>
-                                    </p:animEffect>
-                                  </p:childTnLst>
-                                </p:cTn>
-                              </p:par>
-                              <p:par>
-                                <p:cTn id="17" presetID="10" presetClass="entr" presetSubtype="0" fill="hold" grpId="0" nodeType="withEffect">
-                                  <p:stCondLst>
-                                    <p:cond delay="0"/>
-                                  </p:stCondLst>
-                                  <p:childTnLst>
-                                    <p:set>
-                                      <p:cBhvr>
-                                        <p:cTn id="18" dur="1" fill="hold">
-                                          <p:stCondLst>
-                                            <p:cond delay="0"/>
-                                          </p:stCondLst>
-                                        </p:cTn>
-                                        <p:tgtEl>
-                                          <p:spTgt spid="13"/>
-                                        </p:tgtEl>
-                                        <p:attrNameLst>
-                                          <p:attrName>style.visibility</p:attrName>
-                                        </p:attrNameLst>
-                                      </p:cBhvr>
-                                      <p:to>
-                                        <p:strVal val="visible"/>
-                                      </p:to>
-                                    </p:set>
-                                    <p:animEffect transition="in" filter="fade">
-                                      <p:cBhvr>
-                                        <p:cTn id="19" dur="500"/>
-                                        <p:tgtEl>
-                                          <p:spTgt spid="13"/>
-                                        </p:tgtEl>
-                                      </p:cBhvr>
-                                    </p:animEffect>
-                                  </p:childTnLst>
-                                </p:cTn>
-                              </p:par>
-                              <p:par>
-                                <p:cTn id="20" presetID="10" presetClass="entr" presetSubtype="0" fill="hold" grpId="0" nodeType="withEffect">
-                                  <p:stCondLst>
-                                    <p:cond delay="0"/>
-                                  </p:stCondLst>
-                                  <p:childTnLst>
-                                    <p:set>
-                                      <p:cBhvr>
-                                        <p:cTn id="21" dur="1" fill="hold">
-                                          <p:stCondLst>
-                                            <p:cond delay="0"/>
-                                          </p:stCondLst>
-                                        </p:cTn>
-                                        <p:tgtEl>
-                                          <p:spTgt spid="14"/>
-                                        </p:tgtEl>
-                                        <p:attrNameLst>
-                                          <p:attrName>style.visibility</p:attrName>
-                                        </p:attrNameLst>
-                                      </p:cBhvr>
-                                      <p:to>
-                                        <p:strVal val="visible"/>
-                                      </p:to>
-                                    </p:set>
-                                    <p:animEffect transition="in" filter="fade">
-                                      <p:cBhvr>
-                                        <p:cTn id="22" dur="500"/>
-                                        <p:tgtEl>
-                                          <p:spTgt spid="14"/>
-                                        </p:tgtEl>
-                                      </p:cBhvr>
-                                    </p:animEffect>
-                                  </p:childTnLst>
-                                </p:cTn>
-                              </p:par>
-                              <p:par>
-                                <p:cTn id="23" presetID="10" presetClass="entr" presetSubtype="0" fill="hold" grpId="0" nodeType="withEffect">
-                                  <p:stCondLst>
-                                    <p:cond delay="0"/>
-                                  </p:stCondLst>
-                                  <p:childTnLst>
-                                    <p:set>
-                                      <p:cBhvr>
-                                        <p:cTn id="24" dur="1" fill="hold">
-                                          <p:stCondLst>
-                                            <p:cond delay="0"/>
-                                          </p:stCondLst>
-                                        </p:cTn>
-                                        <p:tgtEl>
-                                          <p:spTgt spid="15"/>
-                                        </p:tgtEl>
-                                        <p:attrNameLst>
-                                          <p:attrName>style.visibility</p:attrName>
-                                        </p:attrNameLst>
-                                      </p:cBhvr>
-                                      <p:to>
-                                        <p:strVal val="visible"/>
-                                      </p:to>
-                                    </p:set>
-                                    <p:animEffect transition="in" filter="fade">
-                                      <p:cBhvr>
-                                        <p:cTn id="25" dur="500"/>
-                                        <p:tgtEl>
-                                          <p:spTgt spid="15"/>
-                                        </p:tgtEl>
-                                      </p:cBhvr>
-                                    </p:animEffect>
-                                  </p:childTnLst>
-                                </p:cTn>
-                              </p:par>
-                              <p:par>
-                                <p:cTn id="26" presetID="10" presetClass="entr" presetSubtype="0" fill="hold" grpId="0" nodeType="withEffect">
-                                  <p:stCondLst>
-                                    <p:cond delay="0"/>
-                                  </p:stCondLst>
-                                  <p:childTnLst>
-                                    <p:set>
-                                      <p:cBhvr>
-                                        <p:cTn id="27" dur="1" fill="hold">
-                                          <p:stCondLst>
-                                            <p:cond delay="0"/>
-                                          </p:stCondLst>
-                                        </p:cTn>
-                                        <p:tgtEl>
-                                          <p:spTgt spid="16"/>
-                                        </p:tgtEl>
-                                        <p:attrNameLst>
-                                          <p:attrName>style.visibility</p:attrName>
-                                        </p:attrNameLst>
-                                      </p:cBhvr>
-                                      <p:to>
-                                        <p:strVal val="visible"/>
-                                      </p:to>
-                                    </p:set>
-                                    <p:animEffect transition="in" filter="fade">
-                                      <p:cBhvr>
-                                        <p:cTn id="28" dur="500"/>
-                                        <p:tgtEl>
-                                          <p:spTgt spid="16"/>
-                                        </p:tgtEl>
-                                      </p:cBhvr>
-                                    </p:animEffect>
-                                  </p:childTnLst>
-                                </p:cTn>
-                              </p:par>
-                              <p:par>
-                                <p:cTn id="29" presetID="10" presetClass="entr" presetSubtype="0" fill="hold" grpId="0" nodeType="withEffect">
-                                  <p:stCondLst>
-                                    <p:cond delay="0"/>
-                                  </p:stCondLst>
-                                  <p:childTnLst>
-                                    <p:set>
-                                      <p:cBhvr>
-                                        <p:cTn id="30" dur="1" fill="hold">
-                                          <p:stCondLst>
-                                            <p:cond delay="0"/>
-                                          </p:stCondLst>
-                                        </p:cTn>
-                                        <p:tgtEl>
-                                          <p:spTgt spid="6"/>
-                                        </p:tgtEl>
-                                        <p:attrNameLst>
-                                          <p:attrName>style.visibility</p:attrName>
-                                        </p:attrNameLst>
-                                      </p:cBhvr>
-                                      <p:to>
-                                        <p:strVal val="visible"/>
-                                      </p:to>
-                                    </p:set>
-                                    <p:animEffect transition="in" filter="fade">
-                                      <p:cBhvr>
-                                        <p:cTn id="31" dur="500"/>
-                                        <p:tgtEl>
-                                          <p:spTgt spid="6"/>
-                                        </p:tgtEl>
-                                      </p:cBhvr>
-                                    </p:animEffect>
-                                  </p:childTnLst>
-                                </p:cTn>
-                              </p:par>
-                            </p:childTnLst>
-                          </p:cTn>
-                        </p:par>
-                      </p:childTnLst>
-                    </p:cTn>
-                  </p:par>
-                  <p:par>
-                    <p:cTn id="32" fill="hold">
-                      <p:stCondLst>
-                        <p:cond delay="indefinite"/>
-                      </p:stCondLst>
-                      <p:childTnLst>
-                        <p:par>
-                          <p:cTn id="33" fill="hold">
-                            <p:stCondLst>
-                              <p:cond delay="0"/>
-                            </p:stCondLst>
-                            <p:childTnLst>
-                              <p:par>
-                                <p:cTn id="34" presetID="10" presetClass="entr" presetSubtype="0" fill="hold" grpId="0" nodeType="clickEffect">
-                                  <p:stCondLst>
-                                    <p:cond delay="0"/>
-                                  </p:stCondLst>
-                                  <p:childTnLst>
-                                    <p:set>
-                                      <p:cBhvr>
-                                        <p:cTn id="35" dur="1" fill="hold">
-                                          <p:stCondLst>
-                                            <p:cond delay="0"/>
-                                          </p:stCondLst>
-                                        </p:cTn>
-                                        <p:tgtEl>
-                                          <p:spTgt spid="4"/>
-                                        </p:tgtEl>
-                                        <p:attrNameLst>
-                                          <p:attrName>style.visibility</p:attrName>
-                                        </p:attrNameLst>
-                                      </p:cBhvr>
-                                      <p:to>
-                                        <p:strVal val="visible"/>
-                                      </p:to>
-                                    </p:set>
-                                    <p:animEffect transition="in" filter="fade">
-                                      <p:cBhvr>
-                                        <p:cTn id="36" dur="500"/>
-                                        <p:tgtEl>
-                                          <p:spTgt spid="4"/>
-                                        </p:tgtEl>
-                                      </p:cBhvr>
-                                    </p:animEffect>
-                                  </p:childTnLst>
-                                </p:cTn>
-                              </p:par>
-                            </p:childTnLst>
-                          </p:cTn>
-                        </p:par>
-                        <p:par>
-                          <p:cTn id="37" fill="hold">
-                            <p:stCondLst>
-                              <p:cond delay="500"/>
-                            </p:stCondLst>
-                            <p:childTnLst>
-                              <p:par>
-                                <p:cTn id="38" presetID="10" presetClass="entr" presetSubtype="0" fill="hold" grpId="0" nodeType="afterEffect">
-                                  <p:stCondLst>
-                                    <p:cond delay="0"/>
-                                  </p:stCondLst>
-                                  <p:childTnLst>
-                                    <p:set>
-                                      <p:cBhvr>
-                                        <p:cTn id="39" dur="1" fill="hold">
-                                          <p:stCondLst>
-                                            <p:cond delay="0"/>
-                                          </p:stCondLst>
-                                        </p:cTn>
-                                        <p:tgtEl>
-                                          <p:spTgt spid="5"/>
-                                        </p:tgtEl>
-                                        <p:attrNameLst>
-                                          <p:attrName>style.visibility</p:attrName>
-                                        </p:attrNameLst>
-                                      </p:cBhvr>
-                                      <p:to>
-                                        <p:strVal val="visible"/>
-                                      </p:to>
-                                    </p:set>
-                                    <p:animEffect transition="in" filter="fade">
-                                      <p:cBhvr>
-                                        <p:cTn id="40" dur="500"/>
-                                        <p:tgtEl>
-                                          <p:spTgt spid="5"/>
-                                        </p:tgtEl>
-                                      </p:cBhvr>
-                                    </p:animEffect>
-                                  </p:childTnLst>
-                                </p:cTn>
-                              </p:par>
-                            </p:childTnLst>
-                          </p:cTn>
-                        </p:par>
-                        <p:par>
-                          <p:cTn id="41" fill="hold">
-                            <p:stCondLst>
-                              <p:cond delay="1000"/>
-                            </p:stCondLst>
-                            <p:childTnLst>
-                              <p:par>
-                                <p:cTn id="42" presetID="10" presetClass="entr" presetSubtype="0" fill="hold" grpId="0" nodeType="afterEffect">
-                                  <p:stCondLst>
-                                    <p:cond delay="0"/>
-                                  </p:stCondLst>
-                                  <p:childTnLst>
-                                    <p:set>
-                                      <p:cBhvr>
-                                        <p:cTn id="43" dur="1" fill="hold">
-                                          <p:stCondLst>
-                                            <p:cond delay="0"/>
-                                          </p:stCondLst>
-                                        </p:cTn>
-                                        <p:tgtEl>
-                                          <p:spTgt spid="9"/>
-                                        </p:tgtEl>
-                                        <p:attrNameLst>
-                                          <p:attrName>style.visibility</p:attrName>
-                                        </p:attrNameLst>
-                                      </p:cBhvr>
-                                      <p:to>
-                                        <p:strVal val="visible"/>
-                                      </p:to>
-                                    </p:set>
-                                    <p:animEffect transition="in" filter="fade">
-                                      <p:cBhvr>
-                                        <p:cTn id="44" dur="500"/>
-                                        <p:tgtEl>
-                                          <p:spTgt spid="9"/>
-                                        </p:tgtEl>
-                                      </p:cBhvr>
-                                    </p:animEffect>
-                                  </p:childTnLst>
-                                </p:cTn>
-                              </p:par>
-                            </p:childTnLst>
-                          </p:cTn>
-                        </p:par>
-                      </p:childTnLst>
-                    </p:cTn>
-                  </p:par>
-                </p:childTnLst>
-              </p:cTn>
-              <p:prevCondLst>
-                <p:cond evt="onPrev" delay="0">
-                  <p:tgtEl>
-                    <p:sldTgt/>
-                  </p:tgtEl>
-                </p:cond>
-              </p:prevCondLst>
-              <p:nextCondLst>
-                <p:cond evt="onNext" delay="0">
-                  <p:tgtEl>
-                    <p:sldTgt/>
-                  </p:tgtEl>
-                </p:cond>
-              </p:nextCondLst>
-            </p:seq>
-          </p:childTnLst>
-        </p:cTn>
-      </p:par>
-    </p:tnLst>
-    <p:bldLst>
-      <p:bldP spid="9" grpId="0" animBg="1"/>
-      <p:bldP spid="5" grpId="0" animBg="1"/>
-      <p:bldP spid="4" grpId="0" animBg="1"/>
-      <p:bldP spid="2" grpId="0" animBg="1"/>
-      <p:bldP spid="6" grpId="0" animBg="1"/>
-      <p:bldP spid="10" grpId="0" animBg="1"/>
-      <p:bldP spid="11" grpId="0" animBg="1"/>
-      <p:bldP spid="12" grpId="0" animBg="1"/>
-      <p:bldP spid="13" grpId="0" animBg="1"/>
-      <p:bldP spid="14" grpId="0" animBg="1"/>
-      <p:bldP spid="15" grpId="0" animBg="1"/>
-      <p:bldP spid="16" grpId="0" animBg="1"/>
-    </p:bldLst>
-  </p:timing>
-</p:sld>
-</file>
-
-<file path=ppt/slides/slide7.xml><?xml version="1.0" encoding="utf-8"?>
-<p:sld xmlns:a="http://schemas.openxmlformats.org/drawingml/2006/main" xmlns:r="http://schemas.openxmlformats.org/officeDocument/2006/relationships" xmlns:p="http://schemas.openxmlformats.org/presentationml/2006/main">
-  <p:cSld>
-    <p:spTree>
-      <p:nvGrpSpPr>
-        <p:cNvPr id="1" name=""/>
-        <p:cNvGrpSpPr/>
-        <p:nvPr/>
-      </p:nvGrpSpPr>
-      <p:grpSpPr>
-        <a:xfrm>
-          <a:off x="0" y="0"/>
-          <a:ext cx="0" cy="0"/>
-          <a:chOff x="0" y="0"/>
-          <a:chExt cx="0" cy="0"/>
-        </a:xfrm>
-      </p:grpSpPr>
-      <p:sp>
-        <p:nvSpPr>
           <p:cNvPr id="33" name="Connettore 32">
             <a:extLst>
               <a:ext uri="{FF2B5EF4-FFF2-40B4-BE49-F238E27FC236}">
@@ -32272,7 +29987,7 @@
 </p:sld>
 </file>
 
-<file path=ppt/slides/slide8.xml><?xml version="1.0" encoding="utf-8"?>
+<file path=ppt/slides/slide7.xml><?xml version="1.0" encoding="utf-8"?>
 <p:sld xmlns:a="http://schemas.openxmlformats.org/drawingml/2006/main" xmlns:r="http://schemas.openxmlformats.org/officeDocument/2006/relationships" xmlns:p="http://schemas.openxmlformats.org/presentationml/2006/main">
   <p:cSld>
     <p:spTree>
@@ -33865,6 +31580,2355 @@
 </p:sld>
 </file>
 
+<file path=ppt/slides/slide8.xml><?xml version="1.0" encoding="utf-8"?>
+<p:sld xmlns:a="http://schemas.openxmlformats.org/drawingml/2006/main" xmlns:r="http://schemas.openxmlformats.org/officeDocument/2006/relationships" xmlns:p="http://schemas.openxmlformats.org/presentationml/2006/main">
+  <p:cSld>
+    <p:spTree>
+      <p:nvGrpSpPr>
+        <p:cNvPr id="1" name=""/>
+        <p:cNvGrpSpPr/>
+        <p:nvPr/>
+      </p:nvGrpSpPr>
+      <p:grpSpPr>
+        <a:xfrm>
+          <a:off x="0" y="0"/>
+          <a:ext cx="0" cy="0"/>
+          <a:chOff x="0" y="0"/>
+          <a:chExt cx="0" cy="0"/>
+        </a:xfrm>
+      </p:grpSpPr>
+      <p:sp>
+        <p:nvSpPr>
+          <p:cNvPr id="9" name="Rettangolo 8">
+            <a:extLst>
+              <a:ext uri="{FF2B5EF4-FFF2-40B4-BE49-F238E27FC236}">
+                <a16:creationId xmlns:a16="http://schemas.microsoft.com/office/drawing/2014/main" id="{A122A412-2FFB-A19C-F127-E78874074663}"/>
+              </a:ext>
+            </a:extLst>
+          </p:cNvPr>
+          <p:cNvSpPr/>
+          <p:nvPr/>
+        </p:nvSpPr>
+        <p:spPr>
+          <a:xfrm>
+            <a:off x="7438672" y="1305319"/>
+            <a:ext cx="4298623" cy="3164044"/>
+          </a:xfrm>
+          <a:prstGeom prst="rect">
+            <a:avLst/>
+          </a:prstGeom>
+          <a:solidFill>
+            <a:srgbClr val="FFFF00"/>
+          </a:solidFill>
+          <a:ln>
+            <a:solidFill>
+              <a:srgbClr val="003C71"/>
+            </a:solidFill>
+          </a:ln>
+        </p:spPr>
+        <p:style>
+          <a:lnRef idx="2">
+            <a:schemeClr val="accent1">
+              <a:shade val="50000"/>
+            </a:schemeClr>
+          </a:lnRef>
+          <a:fillRef idx="1">
+            <a:schemeClr val="accent1"/>
+          </a:fillRef>
+          <a:effectRef idx="0">
+            <a:schemeClr val="accent1"/>
+          </a:effectRef>
+          <a:fontRef idx="minor">
+            <a:schemeClr val="lt1"/>
+          </a:fontRef>
+        </p:style>
+        <p:txBody>
+          <a:bodyPr rtlCol="0" anchor="ctr"/>
+          <a:lstStyle/>
+          <a:p>
+            <a:pPr algn="ctr"/>
+            <a:endParaRPr lang="it-IT"/>
+          </a:p>
+        </p:txBody>
+      </p:sp>
+      <p:sp>
+        <p:nvSpPr>
+          <p:cNvPr id="5" name="Rettangolo 4">
+            <a:extLst>
+              <a:ext uri="{FF2B5EF4-FFF2-40B4-BE49-F238E27FC236}">
+                <a16:creationId xmlns:a16="http://schemas.microsoft.com/office/drawing/2014/main" id="{D40F610C-C104-63DC-72E6-9B6DEB12E63C}"/>
+              </a:ext>
+            </a:extLst>
+          </p:cNvPr>
+          <p:cNvSpPr/>
+          <p:nvPr/>
+        </p:nvSpPr>
+        <p:spPr>
+          <a:xfrm>
+            <a:off x="7884160" y="1305319"/>
+            <a:ext cx="3341757" cy="1888649"/>
+          </a:xfrm>
+          <a:prstGeom prst="rect">
+            <a:avLst/>
+          </a:prstGeom>
+          <a:solidFill>
+            <a:srgbClr val="FFC000"/>
+          </a:solidFill>
+          <a:ln>
+            <a:solidFill>
+              <a:srgbClr val="003C71"/>
+            </a:solidFill>
+          </a:ln>
+        </p:spPr>
+        <p:style>
+          <a:lnRef idx="2">
+            <a:schemeClr val="accent1">
+              <a:shade val="50000"/>
+            </a:schemeClr>
+          </a:lnRef>
+          <a:fillRef idx="1">
+            <a:schemeClr val="accent1"/>
+          </a:fillRef>
+          <a:effectRef idx="0">
+            <a:schemeClr val="accent1"/>
+          </a:effectRef>
+          <a:fontRef idx="minor">
+            <a:schemeClr val="lt1"/>
+          </a:fontRef>
+        </p:style>
+        <p:txBody>
+          <a:bodyPr rtlCol="0" anchor="ctr"/>
+          <a:lstStyle/>
+          <a:p>
+            <a:pPr algn="ctr"/>
+            <a:endParaRPr lang="it-IT"/>
+          </a:p>
+        </p:txBody>
+      </p:sp>
+      <p:sp>
+        <p:nvSpPr>
+          <p:cNvPr id="4" name="Rettangolo 3">
+            <a:extLst>
+              <a:ext uri="{FF2B5EF4-FFF2-40B4-BE49-F238E27FC236}">
+                <a16:creationId xmlns:a16="http://schemas.microsoft.com/office/drawing/2014/main" id="{0B3F2C34-E1A7-8442-AE10-24B4391F6C41}"/>
+              </a:ext>
+            </a:extLst>
+          </p:cNvPr>
+          <p:cNvSpPr/>
+          <p:nvPr/>
+        </p:nvSpPr>
+        <p:spPr>
+          <a:xfrm>
+            <a:off x="8804636" y="1305320"/>
+            <a:ext cx="1571006" cy="1192784"/>
+          </a:xfrm>
+          <a:prstGeom prst="rect">
+            <a:avLst/>
+          </a:prstGeom>
+          <a:solidFill>
+            <a:srgbClr val="FF0000"/>
+          </a:solidFill>
+          <a:ln>
+            <a:solidFill>
+              <a:srgbClr val="003C71"/>
+            </a:solidFill>
+          </a:ln>
+        </p:spPr>
+        <p:style>
+          <a:lnRef idx="2">
+            <a:schemeClr val="accent1">
+              <a:shade val="50000"/>
+            </a:schemeClr>
+          </a:lnRef>
+          <a:fillRef idx="1">
+            <a:schemeClr val="accent1"/>
+          </a:fillRef>
+          <a:effectRef idx="0">
+            <a:schemeClr val="accent1"/>
+          </a:effectRef>
+          <a:fontRef idx="minor">
+            <a:schemeClr val="lt1"/>
+          </a:fontRef>
+        </p:style>
+        <p:txBody>
+          <a:bodyPr rtlCol="0" anchor="ctr"/>
+          <a:lstStyle/>
+          <a:p>
+            <a:pPr algn="ctr"/>
+            <a:endParaRPr lang="it-IT"/>
+          </a:p>
+        </p:txBody>
+      </p:sp>
+      <p:sp>
+        <p:nvSpPr>
+          <p:cNvPr id="7" name="Rettangolo 6">
+            <a:extLst>
+              <a:ext uri="{FF2B5EF4-FFF2-40B4-BE49-F238E27FC236}">
+                <a16:creationId xmlns:a16="http://schemas.microsoft.com/office/drawing/2014/main" id="{9DC4119B-7F9E-1F2F-1F60-C3E4D7547F42}"/>
+              </a:ext>
+            </a:extLst>
+          </p:cNvPr>
+          <p:cNvSpPr/>
+          <p:nvPr/>
+        </p:nvSpPr>
+        <p:spPr>
+          <a:xfrm>
+            <a:off x="-37874" y="-10222"/>
+            <a:ext cx="12229874" cy="743795"/>
+          </a:xfrm>
+          <a:prstGeom prst="rect">
+            <a:avLst/>
+          </a:prstGeom>
+          <a:solidFill>
+            <a:srgbClr val="003C71"/>
+          </a:solidFill>
+          <a:ln>
+            <a:solidFill>
+              <a:srgbClr val="003C71"/>
+            </a:solidFill>
+          </a:ln>
+        </p:spPr>
+        <p:style>
+          <a:lnRef idx="2">
+            <a:schemeClr val="accent1">
+              <a:shade val="50000"/>
+            </a:schemeClr>
+          </a:lnRef>
+          <a:fillRef idx="1">
+            <a:schemeClr val="accent1"/>
+          </a:fillRef>
+          <a:effectRef idx="0">
+            <a:schemeClr val="accent1"/>
+          </a:effectRef>
+          <a:fontRef idx="minor">
+            <a:schemeClr val="lt1"/>
+          </a:fontRef>
+        </p:style>
+        <p:txBody>
+          <a:bodyPr rtlCol="0" anchor="ctr"/>
+          <a:lstStyle/>
+          <a:p>
+            <a:pPr algn="ctr"/>
+            <a:endParaRPr lang="it-IT"/>
+          </a:p>
+        </p:txBody>
+      </p:sp>
+      <p:sp>
+        <p:nvSpPr>
+          <p:cNvPr id="34" name="Titolo 33">
+            <a:extLst>
+              <a:ext uri="{FF2B5EF4-FFF2-40B4-BE49-F238E27FC236}">
+                <a16:creationId xmlns:a16="http://schemas.microsoft.com/office/drawing/2014/main" id="{F28D01B5-A5BC-45A3-8718-13BDC694F21C}"/>
+              </a:ext>
+            </a:extLst>
+          </p:cNvPr>
+          <p:cNvSpPr>
+            <a:spLocks noGrp="1"/>
+          </p:cNvSpPr>
+          <p:nvPr>
+            <p:ph type="title"/>
+          </p:nvPr>
+        </p:nvSpPr>
+        <p:spPr>
+          <a:xfrm>
+            <a:off x="230124" y="102637"/>
+            <a:ext cx="11731752" cy="630936"/>
+          </a:xfrm>
+        </p:spPr>
+        <p:txBody>
+          <a:bodyPr rtlCol="0"/>
+          <a:lstStyle/>
+          <a:p>
+            <a:pPr rtl="0"/>
+            <a:r>
+              <a:rPr lang="it-IT" b="0" dirty="0">
+                <a:solidFill>
+                  <a:schemeClr val="bg1"/>
+                </a:solidFill>
+                <a:ea typeface="Roboto Thin" panose="02000000000000000000" pitchFamily="2" charset="0"/>
+              </a:rPr>
+              <a:t> OPI INDEX</a:t>
+            </a:r>
+            <a:endParaRPr lang="it-IT" dirty="0">
+              <a:solidFill>
+                <a:schemeClr val="bg1"/>
+              </a:solidFill>
+              <a:latin typeface="Roboto Thin" panose="02000000000000000000" pitchFamily="2" charset="0"/>
+              <a:ea typeface="Roboto Thin" panose="02000000000000000000" pitchFamily="2" charset="0"/>
+            </a:endParaRPr>
+          </a:p>
+        </p:txBody>
+      </p:sp>
+      <p:pic>
+        <p:nvPicPr>
+          <p:cNvPr id="8" name="Immagine 7" descr="Immagine che contiene testo, scuro&#10;&#10;Descrizione generata automaticamente">
+            <a:extLst>
+              <a:ext uri="{FF2B5EF4-FFF2-40B4-BE49-F238E27FC236}">
+                <a16:creationId xmlns:a16="http://schemas.microsoft.com/office/drawing/2014/main" id="{BA3E6E3C-D40D-254D-0610-21C08AF96330}"/>
+              </a:ext>
+            </a:extLst>
+          </p:cNvPr>
+          <p:cNvPicPr>
+            <a:picLocks noChangeAspect="1"/>
+          </p:cNvPicPr>
+          <p:nvPr/>
+        </p:nvPicPr>
+        <p:blipFill>
+          <a:blip r:embed="rId3"/>
+          <a:stretch>
+            <a:fillRect/>
+          </a:stretch>
+        </p:blipFill>
+        <p:spPr>
+          <a:xfrm>
+            <a:off x="230124" y="46207"/>
+            <a:ext cx="618060" cy="630936"/>
+          </a:xfrm>
+          <a:prstGeom prst="rect">
+            <a:avLst/>
+          </a:prstGeom>
+        </p:spPr>
+      </p:pic>
+      <p:sp>
+        <p:nvSpPr>
+          <p:cNvPr id="2" name="Rettangolo 1">
+            <a:extLst>
+              <a:ext uri="{FF2B5EF4-FFF2-40B4-BE49-F238E27FC236}">
+                <a16:creationId xmlns:a16="http://schemas.microsoft.com/office/drawing/2014/main" id="{2296098E-836D-1B3C-3174-5C89E474E301}"/>
+              </a:ext>
+            </a:extLst>
+          </p:cNvPr>
+          <p:cNvSpPr/>
+          <p:nvPr/>
+        </p:nvSpPr>
+        <p:spPr>
+          <a:xfrm>
+            <a:off x="7438672" y="1307968"/>
+            <a:ext cx="4298623" cy="4498943"/>
+          </a:xfrm>
+          <a:prstGeom prst="rect">
+            <a:avLst/>
+          </a:prstGeom>
+          <a:noFill/>
+          <a:ln w="28575">
+            <a:solidFill>
+              <a:srgbClr val="003C71"/>
+            </a:solidFill>
+          </a:ln>
+        </p:spPr>
+        <p:style>
+          <a:lnRef idx="2">
+            <a:schemeClr val="accent1">
+              <a:shade val="50000"/>
+            </a:schemeClr>
+          </a:lnRef>
+          <a:fillRef idx="1">
+            <a:schemeClr val="accent1"/>
+          </a:fillRef>
+          <a:effectRef idx="0">
+            <a:schemeClr val="accent1"/>
+          </a:effectRef>
+          <a:fontRef idx="minor">
+            <a:schemeClr val="lt1"/>
+          </a:fontRef>
+        </p:style>
+        <p:txBody>
+          <a:bodyPr rtlCol="0" anchor="ctr"/>
+          <a:lstStyle/>
+          <a:p>
+            <a:pPr algn="ctr"/>
+            <a:endParaRPr lang="it-IT"/>
+          </a:p>
+        </p:txBody>
+      </p:sp>
+      <p:sp>
+        <p:nvSpPr>
+          <p:cNvPr id="6" name="Arco a tutto sesto 5">
+            <a:extLst>
+              <a:ext uri="{FF2B5EF4-FFF2-40B4-BE49-F238E27FC236}">
+                <a16:creationId xmlns:a16="http://schemas.microsoft.com/office/drawing/2014/main" id="{B70E83A7-E2C4-4611-C7ED-8E1AF02BD76F}"/>
+              </a:ext>
+            </a:extLst>
+          </p:cNvPr>
+          <p:cNvSpPr/>
+          <p:nvPr/>
+        </p:nvSpPr>
+        <p:spPr>
+          <a:xfrm>
+            <a:off x="8804635" y="4958498"/>
+            <a:ext cx="1819373" cy="1696825"/>
+          </a:xfrm>
+          <a:prstGeom prst="blockArc">
+            <a:avLst>
+              <a:gd name="adj1" fmla="val 10800000"/>
+              <a:gd name="adj2" fmla="val 36280"/>
+              <a:gd name="adj3" fmla="val 555"/>
+            </a:avLst>
+          </a:prstGeom>
+          <a:solidFill>
+            <a:srgbClr val="003C71"/>
+          </a:solidFill>
+          <a:ln>
+            <a:solidFill>
+              <a:srgbClr val="003C71"/>
+            </a:solidFill>
+          </a:ln>
+        </p:spPr>
+        <p:style>
+          <a:lnRef idx="2">
+            <a:schemeClr val="accent1">
+              <a:shade val="50000"/>
+            </a:schemeClr>
+          </a:lnRef>
+          <a:fillRef idx="1">
+            <a:schemeClr val="accent1"/>
+          </a:fillRef>
+          <a:effectRef idx="0">
+            <a:schemeClr val="accent1"/>
+          </a:effectRef>
+          <a:fontRef idx="minor">
+            <a:schemeClr val="lt1"/>
+          </a:fontRef>
+        </p:style>
+        <p:txBody>
+          <a:bodyPr rtlCol="0" anchor="ctr"/>
+          <a:lstStyle/>
+          <a:p>
+            <a:pPr algn="ctr"/>
+            <a:endParaRPr lang="it-IT">
+              <a:solidFill>
+                <a:schemeClr val="tx1"/>
+              </a:solidFill>
+            </a:endParaRPr>
+          </a:p>
+        </p:txBody>
+      </p:sp>
+      <p:sp>
+        <p:nvSpPr>
+          <p:cNvPr id="10" name="Rettangolo 9">
+            <a:extLst>
+              <a:ext uri="{FF2B5EF4-FFF2-40B4-BE49-F238E27FC236}">
+                <a16:creationId xmlns:a16="http://schemas.microsoft.com/office/drawing/2014/main" id="{778FEA06-E692-BC84-1AB0-462B3990F683}"/>
+              </a:ext>
+            </a:extLst>
+          </p:cNvPr>
+          <p:cNvSpPr/>
+          <p:nvPr/>
+        </p:nvSpPr>
+        <p:spPr>
+          <a:xfrm>
+            <a:off x="8381355" y="1307968"/>
+            <a:ext cx="2432116" cy="1190135"/>
+          </a:xfrm>
+          <a:prstGeom prst="rect">
+            <a:avLst/>
+          </a:prstGeom>
+          <a:noFill/>
+          <a:ln w="28575">
+            <a:solidFill>
+              <a:srgbClr val="003C71"/>
+            </a:solidFill>
+          </a:ln>
+        </p:spPr>
+        <p:style>
+          <a:lnRef idx="2">
+            <a:schemeClr val="accent1">
+              <a:shade val="50000"/>
+            </a:schemeClr>
+          </a:lnRef>
+          <a:fillRef idx="1">
+            <a:schemeClr val="accent1"/>
+          </a:fillRef>
+          <a:effectRef idx="0">
+            <a:schemeClr val="accent1"/>
+          </a:effectRef>
+          <a:fontRef idx="minor">
+            <a:schemeClr val="lt1"/>
+          </a:fontRef>
+        </p:style>
+        <p:txBody>
+          <a:bodyPr rtlCol="0" anchor="ctr"/>
+          <a:lstStyle/>
+          <a:p>
+            <a:pPr algn="ctr"/>
+            <a:endParaRPr lang="it-IT"/>
+          </a:p>
+        </p:txBody>
+      </p:sp>
+      <p:sp>
+        <p:nvSpPr>
+          <p:cNvPr id="11" name="Arco 10">
+            <a:extLst>
+              <a:ext uri="{FF2B5EF4-FFF2-40B4-BE49-F238E27FC236}">
+                <a16:creationId xmlns:a16="http://schemas.microsoft.com/office/drawing/2014/main" id="{309BB5CD-2373-DED2-DAAB-906DB11263D3}"/>
+              </a:ext>
+            </a:extLst>
+          </p:cNvPr>
+          <p:cNvSpPr/>
+          <p:nvPr/>
+        </p:nvSpPr>
+        <p:spPr>
+          <a:xfrm rot="5746067">
+            <a:off x="7263472" y="1154379"/>
+            <a:ext cx="439237" cy="485208"/>
+          </a:xfrm>
+          <a:prstGeom prst="arc">
+            <a:avLst>
+              <a:gd name="adj1" fmla="val 14586777"/>
+              <a:gd name="adj2" fmla="val 75364"/>
+            </a:avLst>
+          </a:prstGeom>
+          <a:ln w="28575">
+            <a:solidFill>
+              <a:srgbClr val="003C71"/>
+            </a:solidFill>
+          </a:ln>
+        </p:spPr>
+        <p:style>
+          <a:lnRef idx="1">
+            <a:schemeClr val="accent1"/>
+          </a:lnRef>
+          <a:fillRef idx="0">
+            <a:schemeClr val="accent1"/>
+          </a:fillRef>
+          <a:effectRef idx="0">
+            <a:schemeClr val="accent1"/>
+          </a:effectRef>
+          <a:fontRef idx="minor">
+            <a:schemeClr val="tx1"/>
+          </a:fontRef>
+        </p:style>
+        <p:txBody>
+          <a:bodyPr rtlCol="0" anchor="ctr"/>
+          <a:lstStyle/>
+          <a:p>
+            <a:pPr algn="ctr"/>
+            <a:endParaRPr lang="it-IT"/>
+          </a:p>
+        </p:txBody>
+      </p:sp>
+      <p:sp>
+        <p:nvSpPr>
+          <p:cNvPr id="12" name="Arco 11">
+            <a:extLst>
+              <a:ext uri="{FF2B5EF4-FFF2-40B4-BE49-F238E27FC236}">
+                <a16:creationId xmlns:a16="http://schemas.microsoft.com/office/drawing/2014/main" id="{5E1A481A-6563-95D2-F63C-20B33ACE0AD6}"/>
+              </a:ext>
+            </a:extLst>
+          </p:cNvPr>
+          <p:cNvSpPr/>
+          <p:nvPr/>
+        </p:nvSpPr>
+        <p:spPr>
+          <a:xfrm rot="11882611">
+            <a:off x="11498445" y="1209206"/>
+            <a:ext cx="415486" cy="375553"/>
+          </a:xfrm>
+          <a:prstGeom prst="arc">
+            <a:avLst>
+              <a:gd name="adj1" fmla="val 14586777"/>
+              <a:gd name="adj2" fmla="val 75364"/>
+            </a:avLst>
+          </a:prstGeom>
+          <a:ln w="28575">
+            <a:solidFill>
+              <a:srgbClr val="003C71"/>
+            </a:solidFill>
+          </a:ln>
+        </p:spPr>
+        <p:style>
+          <a:lnRef idx="1">
+            <a:schemeClr val="accent1"/>
+          </a:lnRef>
+          <a:fillRef idx="0">
+            <a:schemeClr val="accent1"/>
+          </a:fillRef>
+          <a:effectRef idx="0">
+            <a:schemeClr val="accent1"/>
+          </a:effectRef>
+          <a:fontRef idx="minor">
+            <a:schemeClr val="tx1"/>
+          </a:fontRef>
+        </p:style>
+        <p:txBody>
+          <a:bodyPr rtlCol="0" anchor="ctr"/>
+          <a:lstStyle/>
+          <a:p>
+            <a:pPr algn="ctr"/>
+            <a:endParaRPr lang="it-IT"/>
+          </a:p>
+        </p:txBody>
+      </p:sp>
+      <p:sp>
+        <p:nvSpPr>
+          <p:cNvPr id="13" name="Rettangolo 12">
+            <a:extLst>
+              <a:ext uri="{FF2B5EF4-FFF2-40B4-BE49-F238E27FC236}">
+                <a16:creationId xmlns:a16="http://schemas.microsoft.com/office/drawing/2014/main" id="{BDD04832-7DDB-4B6E-4B22-1A6D2AA9441A}"/>
+              </a:ext>
+            </a:extLst>
+          </p:cNvPr>
+          <p:cNvSpPr/>
+          <p:nvPr/>
+        </p:nvSpPr>
+        <p:spPr>
+          <a:xfrm>
+            <a:off x="8922804" y="1307968"/>
+            <a:ext cx="1330357" cy="630936"/>
+          </a:xfrm>
+          <a:prstGeom prst="rect">
+            <a:avLst/>
+          </a:prstGeom>
+          <a:noFill/>
+          <a:ln w="28575">
+            <a:solidFill>
+              <a:srgbClr val="003C71"/>
+            </a:solidFill>
+          </a:ln>
+        </p:spPr>
+        <p:style>
+          <a:lnRef idx="2">
+            <a:schemeClr val="accent1">
+              <a:shade val="50000"/>
+            </a:schemeClr>
+          </a:lnRef>
+          <a:fillRef idx="1">
+            <a:schemeClr val="accent1"/>
+          </a:fillRef>
+          <a:effectRef idx="0">
+            <a:schemeClr val="accent1"/>
+          </a:effectRef>
+          <a:fontRef idx="minor">
+            <a:schemeClr val="lt1"/>
+          </a:fontRef>
+        </p:style>
+        <p:txBody>
+          <a:bodyPr rtlCol="0" anchor="ctr"/>
+          <a:lstStyle/>
+          <a:p>
+            <a:pPr algn="ctr"/>
+            <a:endParaRPr lang="it-IT"/>
+          </a:p>
+        </p:txBody>
+      </p:sp>
+      <p:sp>
+        <p:nvSpPr>
+          <p:cNvPr id="14" name="Arco a tutto sesto 13">
+            <a:extLst>
+              <a:ext uri="{FF2B5EF4-FFF2-40B4-BE49-F238E27FC236}">
+                <a16:creationId xmlns:a16="http://schemas.microsoft.com/office/drawing/2014/main" id="{28946B98-4CFE-720C-8591-47A2507C3B1C}"/>
+              </a:ext>
+            </a:extLst>
+          </p:cNvPr>
+          <p:cNvSpPr/>
+          <p:nvPr/>
+        </p:nvSpPr>
+        <p:spPr>
+          <a:xfrm rot="10800000">
+            <a:off x="9201532" y="2156904"/>
+            <a:ext cx="772899" cy="682397"/>
+          </a:xfrm>
+          <a:prstGeom prst="blockArc">
+            <a:avLst>
+              <a:gd name="adj1" fmla="val 10800000"/>
+              <a:gd name="adj2" fmla="val 36280"/>
+              <a:gd name="adj3" fmla="val 555"/>
+            </a:avLst>
+          </a:prstGeom>
+          <a:solidFill>
+            <a:srgbClr val="003C71"/>
+          </a:solidFill>
+          <a:ln>
+            <a:solidFill>
+              <a:srgbClr val="003C71"/>
+            </a:solidFill>
+          </a:ln>
+        </p:spPr>
+        <p:style>
+          <a:lnRef idx="2">
+            <a:schemeClr val="accent1">
+              <a:shade val="50000"/>
+            </a:schemeClr>
+          </a:lnRef>
+          <a:fillRef idx="1">
+            <a:schemeClr val="accent1"/>
+          </a:fillRef>
+          <a:effectRef idx="0">
+            <a:schemeClr val="accent1"/>
+          </a:effectRef>
+          <a:fontRef idx="minor">
+            <a:schemeClr val="lt1"/>
+          </a:fontRef>
+        </p:style>
+        <p:txBody>
+          <a:bodyPr rtlCol="0" anchor="ctr"/>
+          <a:lstStyle/>
+          <a:p>
+            <a:pPr algn="ctr"/>
+            <a:endParaRPr lang="it-IT">
+              <a:solidFill>
+                <a:schemeClr val="tx1"/>
+              </a:solidFill>
+            </a:endParaRPr>
+          </a:p>
+        </p:txBody>
+      </p:sp>
+      <p:sp>
+        <p:nvSpPr>
+          <p:cNvPr id="15" name="Connettore 14">
+            <a:extLst>
+              <a:ext uri="{FF2B5EF4-FFF2-40B4-BE49-F238E27FC236}">
+                <a16:creationId xmlns:a16="http://schemas.microsoft.com/office/drawing/2014/main" id="{5DB203D4-672E-9FA7-3F2B-EB5795A08B20}"/>
+              </a:ext>
+            </a:extLst>
+          </p:cNvPr>
+          <p:cNvSpPr/>
+          <p:nvPr/>
+        </p:nvSpPr>
+        <p:spPr>
+          <a:xfrm>
+            <a:off x="9564419" y="2166297"/>
+            <a:ext cx="65987" cy="61109"/>
+          </a:xfrm>
+          <a:prstGeom prst="flowChartConnector">
+            <a:avLst/>
+          </a:prstGeom>
+          <a:solidFill>
+            <a:srgbClr val="003C71"/>
+          </a:solidFill>
+          <a:ln>
+            <a:solidFill>
+              <a:srgbClr val="003C71"/>
+            </a:solidFill>
+          </a:ln>
+        </p:spPr>
+        <p:style>
+          <a:lnRef idx="2">
+            <a:schemeClr val="accent1">
+              <a:shade val="50000"/>
+            </a:schemeClr>
+          </a:lnRef>
+          <a:fillRef idx="1">
+            <a:schemeClr val="accent1"/>
+          </a:fillRef>
+          <a:effectRef idx="0">
+            <a:schemeClr val="accent1"/>
+          </a:effectRef>
+          <a:fontRef idx="minor">
+            <a:schemeClr val="lt1"/>
+          </a:fontRef>
+        </p:style>
+        <p:txBody>
+          <a:bodyPr rtlCol="0" anchor="ctr"/>
+          <a:lstStyle/>
+          <a:p>
+            <a:pPr algn="ctr"/>
+            <a:endParaRPr lang="it-IT"/>
+          </a:p>
+        </p:txBody>
+      </p:sp>
+      <p:sp>
+        <p:nvSpPr>
+          <p:cNvPr id="16" name="Rettangolo 15">
+            <a:extLst>
+              <a:ext uri="{FF2B5EF4-FFF2-40B4-BE49-F238E27FC236}">
+                <a16:creationId xmlns:a16="http://schemas.microsoft.com/office/drawing/2014/main" id="{DA33394A-D22C-34F1-25BE-82AA0811D9DE}"/>
+              </a:ext>
+            </a:extLst>
+          </p:cNvPr>
+          <p:cNvSpPr/>
+          <p:nvPr/>
+        </p:nvSpPr>
+        <p:spPr>
+          <a:xfrm>
+            <a:off x="9314608" y="1080575"/>
+            <a:ext cx="659823" cy="227393"/>
+          </a:xfrm>
+          <a:prstGeom prst="rect">
+            <a:avLst/>
+          </a:prstGeom>
+          <a:noFill/>
+          <a:ln w="28575">
+            <a:solidFill>
+              <a:schemeClr val="bg1">
+                <a:lumMod val="50000"/>
+              </a:schemeClr>
+            </a:solidFill>
+          </a:ln>
+          <a:effectLst>
+            <a:outerShdw blurRad="50800" dist="38100" dir="10800000" algn="r" rotWithShape="0">
+              <a:prstClr val="black">
+                <a:alpha val="40000"/>
+              </a:prstClr>
+            </a:outerShdw>
+          </a:effectLst>
+        </p:spPr>
+        <p:style>
+          <a:lnRef idx="2">
+            <a:schemeClr val="accent1">
+              <a:shade val="50000"/>
+            </a:schemeClr>
+          </a:lnRef>
+          <a:fillRef idx="1">
+            <a:schemeClr val="accent1"/>
+          </a:fillRef>
+          <a:effectRef idx="0">
+            <a:schemeClr val="accent1"/>
+          </a:effectRef>
+          <a:fontRef idx="minor">
+            <a:schemeClr val="lt1"/>
+          </a:fontRef>
+        </p:style>
+        <p:txBody>
+          <a:bodyPr rtlCol="0" anchor="ctr"/>
+          <a:lstStyle/>
+          <a:p>
+            <a:pPr algn="ctr"/>
+            <a:endParaRPr lang="it-IT"/>
+          </a:p>
+        </p:txBody>
+      </p:sp>
+      <p:sp>
+        <p:nvSpPr>
+          <p:cNvPr id="18" name="CasellaDiTesto 17">
+            <a:extLst>
+              <a:ext uri="{FF2B5EF4-FFF2-40B4-BE49-F238E27FC236}">
+                <a16:creationId xmlns:a16="http://schemas.microsoft.com/office/drawing/2014/main" id="{BBE3FA3E-C76B-5E84-41CE-A0BCE3ACC761}"/>
+              </a:ext>
+            </a:extLst>
+          </p:cNvPr>
+          <p:cNvSpPr txBox="1"/>
+          <p:nvPr/>
+        </p:nvSpPr>
+        <p:spPr>
+          <a:xfrm>
+            <a:off x="1286666" y="1396982"/>
+            <a:ext cx="5194943" cy="3416320"/>
+          </a:xfrm>
+          <a:prstGeom prst="rect">
+            <a:avLst/>
+          </a:prstGeom>
+          <a:noFill/>
+        </p:spPr>
+        <p:txBody>
+          <a:bodyPr wrap="square" rtlCol="0">
+            <a:spAutoFit/>
+          </a:bodyPr>
+          <a:lstStyle/>
+          <a:p>
+            <a:r>
+              <a:rPr lang="it-IT" dirty="0">
+                <a:solidFill>
+                  <a:srgbClr val="003C71"/>
+                </a:solidFill>
+              </a:rPr>
+              <a:t>In </a:t>
+            </a:r>
+            <a:r>
+              <a:rPr lang="it-IT" dirty="0" err="1">
+                <a:solidFill>
+                  <a:srgbClr val="003C71"/>
+                </a:solidFill>
+              </a:rPr>
+              <a:t>my</a:t>
+            </a:r>
+            <a:r>
+              <a:rPr lang="it-IT" dirty="0">
+                <a:solidFill>
+                  <a:srgbClr val="003C71"/>
+                </a:solidFill>
+              </a:rPr>
+              <a:t> case the </a:t>
+            </a:r>
+            <a:r>
+              <a:rPr lang="it-IT" dirty="0" err="1">
+                <a:solidFill>
+                  <a:srgbClr val="003C71"/>
+                </a:solidFill>
+              </a:rPr>
+              <a:t>states</a:t>
+            </a:r>
+            <a:r>
+              <a:rPr lang="it-IT" dirty="0">
+                <a:solidFill>
+                  <a:srgbClr val="003C71"/>
+                </a:solidFill>
+              </a:rPr>
+              <a:t> of the HMM are </a:t>
+            </a:r>
+            <a:r>
+              <a:rPr lang="it-IT" dirty="0" err="1">
+                <a:solidFill>
+                  <a:srgbClr val="003C71"/>
+                </a:solidFill>
+              </a:rPr>
+              <a:t>represented</a:t>
+            </a:r>
+            <a:r>
+              <a:rPr lang="it-IT" dirty="0">
+                <a:solidFill>
+                  <a:srgbClr val="003C71"/>
+                </a:solidFill>
+              </a:rPr>
+              <a:t> by the OPI (Offensive </a:t>
+            </a:r>
+            <a:r>
+              <a:rPr lang="it-IT" dirty="0" err="1">
+                <a:solidFill>
+                  <a:srgbClr val="003C71"/>
+                </a:solidFill>
+              </a:rPr>
+              <a:t>Potential</a:t>
+            </a:r>
+            <a:r>
+              <a:rPr lang="it-IT" dirty="0">
+                <a:solidFill>
+                  <a:srgbClr val="003C71"/>
+                </a:solidFill>
+              </a:rPr>
+              <a:t> Index).</a:t>
+            </a:r>
+          </a:p>
+          <a:p>
+            <a:endParaRPr lang="it-IT" dirty="0">
+              <a:solidFill>
+                <a:srgbClr val="003C71"/>
+              </a:solidFill>
+            </a:endParaRPr>
+          </a:p>
+          <a:p>
+            <a:r>
+              <a:rPr lang="it-IT" dirty="0">
+                <a:solidFill>
+                  <a:srgbClr val="003C71"/>
+                </a:solidFill>
+              </a:rPr>
+              <a:t>A team in a match can </a:t>
+            </a:r>
+            <a:r>
+              <a:rPr lang="it-IT" dirty="0" err="1">
+                <a:solidFill>
+                  <a:srgbClr val="003C71"/>
+                </a:solidFill>
+              </a:rPr>
+              <a:t>have</a:t>
+            </a:r>
+            <a:r>
+              <a:rPr lang="it-IT" dirty="0">
+                <a:solidFill>
+                  <a:srgbClr val="003C71"/>
+                </a:solidFill>
+              </a:rPr>
+              <a:t> a </a:t>
+            </a:r>
+            <a:r>
+              <a:rPr lang="it-IT" dirty="0" err="1">
+                <a:solidFill>
+                  <a:srgbClr val="003C71"/>
+                </a:solidFill>
+              </a:rPr>
+              <a:t>specific</a:t>
+            </a:r>
+            <a:r>
+              <a:rPr lang="it-IT" dirty="0">
+                <a:solidFill>
+                  <a:srgbClr val="003C71"/>
+                </a:solidFill>
+              </a:rPr>
+              <a:t> OPI, </a:t>
+            </a:r>
+            <a:r>
+              <a:rPr lang="it-IT" dirty="0" err="1">
+                <a:solidFill>
+                  <a:srgbClr val="003C71"/>
+                </a:solidFill>
+              </a:rPr>
+              <a:t>calculated</a:t>
+            </a:r>
+            <a:r>
+              <a:rPr lang="it-IT" dirty="0">
+                <a:solidFill>
+                  <a:srgbClr val="003C71"/>
+                </a:solidFill>
+              </a:rPr>
+              <a:t> by the </a:t>
+            </a:r>
+            <a:r>
+              <a:rPr lang="it-IT" dirty="0" err="1">
+                <a:solidFill>
+                  <a:srgbClr val="003C71"/>
+                </a:solidFill>
+              </a:rPr>
+              <a:t>number</a:t>
+            </a:r>
+            <a:r>
+              <a:rPr lang="it-IT" dirty="0">
+                <a:solidFill>
+                  <a:srgbClr val="003C71"/>
+                </a:solidFill>
+              </a:rPr>
+              <a:t> of shots </a:t>
+            </a:r>
+            <a:r>
+              <a:rPr lang="it-IT" dirty="0" err="1">
+                <a:solidFill>
+                  <a:srgbClr val="003C71"/>
+                </a:solidFill>
+              </a:rPr>
+              <a:t>realized</a:t>
+            </a:r>
+            <a:r>
+              <a:rPr lang="it-IT" dirty="0">
+                <a:solidFill>
+                  <a:srgbClr val="003C71"/>
+                </a:solidFill>
+              </a:rPr>
+              <a:t> </a:t>
+            </a:r>
+            <a:r>
+              <a:rPr lang="it-IT" dirty="0" err="1">
+                <a:solidFill>
+                  <a:srgbClr val="003C71"/>
+                </a:solidFill>
+              </a:rPr>
+              <a:t>during</a:t>
+            </a:r>
+            <a:r>
+              <a:rPr lang="it-IT" dirty="0">
+                <a:solidFill>
+                  <a:srgbClr val="003C71"/>
+                </a:solidFill>
+              </a:rPr>
+              <a:t> the match and </a:t>
+            </a:r>
+            <a:r>
+              <a:rPr lang="it-IT" dirty="0" err="1">
+                <a:solidFill>
+                  <a:srgbClr val="003C71"/>
+                </a:solidFill>
+              </a:rPr>
+              <a:t>also</a:t>
+            </a:r>
+            <a:r>
+              <a:rPr lang="it-IT" dirty="0">
+                <a:solidFill>
+                  <a:srgbClr val="003C71"/>
+                </a:solidFill>
+              </a:rPr>
+              <a:t> by the locations of </a:t>
+            </a:r>
+            <a:r>
+              <a:rPr lang="it-IT" dirty="0" err="1">
+                <a:solidFill>
+                  <a:srgbClr val="003C71"/>
+                </a:solidFill>
+              </a:rPr>
+              <a:t>where</a:t>
+            </a:r>
+            <a:r>
+              <a:rPr lang="it-IT" dirty="0">
+                <a:solidFill>
+                  <a:srgbClr val="003C71"/>
+                </a:solidFill>
+              </a:rPr>
+              <a:t> the shots </a:t>
+            </a:r>
+            <a:r>
+              <a:rPr lang="it-IT" dirty="0" err="1">
+                <a:solidFill>
+                  <a:srgbClr val="003C71"/>
+                </a:solidFill>
+              </a:rPr>
+              <a:t>came</a:t>
+            </a:r>
+            <a:r>
+              <a:rPr lang="it-IT" dirty="0">
+                <a:solidFill>
+                  <a:srgbClr val="003C71"/>
+                </a:solidFill>
+              </a:rPr>
+              <a:t> from.</a:t>
+            </a:r>
+          </a:p>
+          <a:p>
+            <a:endParaRPr lang="it-IT" dirty="0">
+              <a:solidFill>
+                <a:srgbClr val="003C71"/>
+              </a:solidFill>
+            </a:endParaRPr>
+          </a:p>
+          <a:p>
+            <a:r>
+              <a:rPr lang="it-IT" dirty="0" err="1">
+                <a:solidFill>
+                  <a:srgbClr val="003C71"/>
+                </a:solidFill>
+              </a:rPr>
+              <a:t>Dividing</a:t>
+            </a:r>
+            <a:r>
+              <a:rPr lang="it-IT" dirty="0">
+                <a:solidFill>
+                  <a:srgbClr val="003C71"/>
+                </a:solidFill>
+              </a:rPr>
+              <a:t> the field </a:t>
+            </a:r>
+            <a:r>
+              <a:rPr lang="it-IT" dirty="0" err="1">
+                <a:solidFill>
+                  <a:srgbClr val="003C71"/>
+                </a:solidFill>
+              </a:rPr>
+              <a:t>into</a:t>
+            </a:r>
+            <a:r>
+              <a:rPr lang="it-IT" dirty="0">
+                <a:solidFill>
+                  <a:srgbClr val="003C71"/>
+                </a:solidFill>
+              </a:rPr>
+              <a:t> </a:t>
+            </a:r>
+            <a:r>
+              <a:rPr lang="it-IT" dirty="0" err="1">
+                <a:solidFill>
+                  <a:srgbClr val="003C71"/>
+                </a:solidFill>
+              </a:rPr>
+              <a:t>three</a:t>
+            </a:r>
+            <a:r>
+              <a:rPr lang="it-IT" dirty="0">
+                <a:solidFill>
+                  <a:srgbClr val="003C71"/>
+                </a:solidFill>
+              </a:rPr>
+              <a:t> </a:t>
+            </a:r>
+            <a:r>
+              <a:rPr lang="it-IT" dirty="0" err="1">
+                <a:solidFill>
+                  <a:srgbClr val="003C71"/>
+                </a:solidFill>
+              </a:rPr>
+              <a:t>areas</a:t>
+            </a:r>
+            <a:r>
+              <a:rPr lang="it-IT" dirty="0">
+                <a:solidFill>
+                  <a:srgbClr val="003C71"/>
+                </a:solidFill>
+              </a:rPr>
+              <a:t> </a:t>
+            </a:r>
+            <a:r>
+              <a:rPr lang="it-IT" dirty="0" err="1">
+                <a:solidFill>
+                  <a:srgbClr val="003C71"/>
+                </a:solidFill>
+              </a:rPr>
+              <a:t>we</a:t>
+            </a:r>
+            <a:r>
+              <a:rPr lang="it-IT" dirty="0">
+                <a:solidFill>
+                  <a:srgbClr val="003C71"/>
+                </a:solidFill>
+              </a:rPr>
+              <a:t> can </a:t>
+            </a:r>
+            <a:r>
+              <a:rPr lang="it-IT" dirty="0" err="1">
+                <a:solidFill>
+                  <a:srgbClr val="003C71"/>
+                </a:solidFill>
+              </a:rPr>
+              <a:t>have</a:t>
+            </a:r>
+            <a:r>
+              <a:rPr lang="it-IT" dirty="0">
+                <a:solidFill>
+                  <a:srgbClr val="003C71"/>
+                </a:solidFill>
+              </a:rPr>
+              <a:t> </a:t>
+            </a:r>
+            <a:r>
+              <a:rPr lang="it-IT" dirty="0" err="1">
+                <a:solidFill>
+                  <a:srgbClr val="003C71"/>
+                </a:solidFill>
+              </a:rPr>
+              <a:t>three</a:t>
+            </a:r>
+            <a:r>
+              <a:rPr lang="it-IT" dirty="0">
+                <a:solidFill>
+                  <a:srgbClr val="003C71"/>
+                </a:solidFill>
+              </a:rPr>
+              <a:t> </a:t>
+            </a:r>
+            <a:r>
+              <a:rPr lang="it-IT" dirty="0" err="1">
+                <a:solidFill>
+                  <a:srgbClr val="003C71"/>
+                </a:solidFill>
+              </a:rPr>
+              <a:t>differents</a:t>
+            </a:r>
+            <a:r>
+              <a:rPr lang="it-IT" dirty="0">
+                <a:solidFill>
+                  <a:srgbClr val="003C71"/>
+                </a:solidFill>
+              </a:rPr>
+              <a:t> spots </a:t>
+            </a:r>
+            <a:r>
+              <a:rPr lang="it-IT" dirty="0" err="1">
+                <a:solidFill>
+                  <a:srgbClr val="003C71"/>
+                </a:solidFill>
+              </a:rPr>
+              <a:t>where</a:t>
+            </a:r>
+            <a:r>
+              <a:rPr lang="it-IT" dirty="0">
+                <a:solidFill>
+                  <a:srgbClr val="003C71"/>
+                </a:solidFill>
+              </a:rPr>
+              <a:t> a shot </a:t>
+            </a:r>
+            <a:r>
+              <a:rPr lang="it-IT" dirty="0" err="1">
+                <a:solidFill>
+                  <a:srgbClr val="003C71"/>
+                </a:solidFill>
+              </a:rPr>
+              <a:t>could</a:t>
+            </a:r>
+            <a:r>
+              <a:rPr lang="it-IT" dirty="0">
+                <a:solidFill>
+                  <a:srgbClr val="003C71"/>
+                </a:solidFill>
+              </a:rPr>
+              <a:t> be </a:t>
+            </a:r>
+            <a:r>
+              <a:rPr lang="it-IT" dirty="0" err="1">
+                <a:solidFill>
+                  <a:srgbClr val="003C71"/>
+                </a:solidFill>
+              </a:rPr>
+              <a:t>performed</a:t>
+            </a:r>
+            <a:r>
+              <a:rPr lang="it-IT" dirty="0">
+                <a:solidFill>
+                  <a:srgbClr val="003C71"/>
+                </a:solidFill>
+              </a:rPr>
+              <a:t>.</a:t>
+            </a:r>
+          </a:p>
+        </p:txBody>
+      </p:sp>
+      <mc:AlternateContent xmlns:mc="http://schemas.openxmlformats.org/markup-compatibility/2006" xmlns:a14="http://schemas.microsoft.com/office/drawing/2010/main">
+        <mc:Choice Requires="a14">
+          <p:sp>
+            <p:nvSpPr>
+              <p:cNvPr id="3" name="CasellaDiTesto 2">
+                <a:extLst>
+                  <a:ext uri="{FF2B5EF4-FFF2-40B4-BE49-F238E27FC236}">
+                    <a16:creationId xmlns:a16="http://schemas.microsoft.com/office/drawing/2014/main" id="{E2E815C2-C91E-968A-FF01-2A11E435E236}"/>
+                  </a:ext>
+                </a:extLst>
+              </p:cNvPr>
+              <p:cNvSpPr txBox="1"/>
+              <p:nvPr/>
+            </p:nvSpPr>
+            <p:spPr>
+              <a:xfrm>
+                <a:off x="2689217" y="5041109"/>
+                <a:ext cx="1826799" cy="405176"/>
+              </a:xfrm>
+              <a:prstGeom prst="rect">
+                <a:avLst/>
+              </a:prstGeom>
+              <a:noFill/>
+            </p:spPr>
+            <p:txBody>
+              <a:bodyPr wrap="square" rtlCol="0">
+                <a:spAutoFit/>
+              </a:bodyPr>
+              <a:lstStyle/>
+              <a:p>
+                <a:r>
+                  <a:rPr lang="pt-BR" sz="2000" b="1" i="1" dirty="0">
+                    <a:solidFill>
+                      <a:srgbClr val="003C71"/>
+                    </a:solidFill>
+                  </a:rPr>
+                  <a:t>OPI</a:t>
+                </a:r>
+                <a:r>
+                  <a:rPr lang="pt-BR" sz="2000" dirty="0">
+                    <a:solidFill>
+                      <a:srgbClr val="003C71"/>
+                    </a:solidFill>
+                  </a:rPr>
+                  <a:t> </a:t>
+                </a:r>
+                <a14:m>
+                  <m:oMath xmlns:m="http://schemas.openxmlformats.org/officeDocument/2006/math">
+                    <m:r>
+                      <a:rPr lang="pt-BR" sz="2000" i="1" smtClean="0">
+                        <a:solidFill>
+                          <a:srgbClr val="003C71"/>
+                        </a:solidFill>
+                        <a:latin typeface="Cambria Math" panose="02040503050406030204" pitchFamily="18" charset="0"/>
+                      </a:rPr>
+                      <m:t>=</m:t>
+                    </m:r>
+                    <m:nary>
+                      <m:naryPr>
+                        <m:chr m:val="∑"/>
+                        <m:ctrlPr>
+                          <a:rPr lang="pt-BR" sz="2000" i="1" smtClean="0">
+                            <a:solidFill>
+                              <a:srgbClr val="003C71"/>
+                            </a:solidFill>
+                            <a:latin typeface="Cambria Math" panose="02040503050406030204" pitchFamily="18" charset="0"/>
+                          </a:rPr>
+                        </m:ctrlPr>
+                      </m:naryPr>
+                      <m:sub>
+                        <m:r>
+                          <m:rPr>
+                            <m:brk m:alnAt="23"/>
+                          </m:rPr>
+                          <a:rPr lang="it-IT" sz="2000" b="0" i="1" smtClean="0">
+                            <a:solidFill>
+                              <a:srgbClr val="003C71"/>
+                            </a:solidFill>
+                            <a:latin typeface="Cambria Math" panose="02040503050406030204" pitchFamily="18" charset="0"/>
+                          </a:rPr>
+                          <m:t>1</m:t>
+                        </m:r>
+                      </m:sub>
+                      <m:sup>
+                        <m:r>
+                          <a:rPr lang="it-IT" sz="2000" b="0" i="1" smtClean="0">
+                            <a:solidFill>
+                              <a:srgbClr val="003C71"/>
+                            </a:solidFill>
+                            <a:latin typeface="Cambria Math" panose="02040503050406030204" pitchFamily="18" charset="0"/>
+                          </a:rPr>
+                          <m:t>3</m:t>
+                        </m:r>
+                      </m:sup>
+                      <m:e>
+                        <m:r>
+                          <a:rPr lang="it-IT" sz="2000" b="0" i="1" smtClean="0">
+                            <a:solidFill>
+                              <a:srgbClr val="003C71"/>
+                            </a:solidFill>
+                            <a:latin typeface="Cambria Math" panose="02040503050406030204" pitchFamily="18" charset="0"/>
+                          </a:rPr>
+                          <m:t>𝑤𝑆</m:t>
+                        </m:r>
+                      </m:e>
+                    </m:nary>
+                  </m:oMath>
+                </a14:m>
+                <a:r>
+                  <a:rPr lang="it-IT" sz="2000" dirty="0">
+                    <a:solidFill>
+                      <a:srgbClr val="003C71"/>
+                    </a:solidFill>
+                  </a:rPr>
+                  <a:t> </a:t>
+                </a:r>
+              </a:p>
+            </p:txBody>
+          </p:sp>
+        </mc:Choice>
+        <mc:Fallback xmlns="">
+          <p:sp>
+            <p:nvSpPr>
+              <p:cNvPr id="3" name="CasellaDiTesto 2">
+                <a:extLst>
+                  <a:ext uri="{FF2B5EF4-FFF2-40B4-BE49-F238E27FC236}">
+                    <a16:creationId xmlns:a16="http://schemas.microsoft.com/office/drawing/2014/main" id="{E2E815C2-C91E-968A-FF01-2A11E435E236}"/>
+                  </a:ext>
+                </a:extLst>
+              </p:cNvPr>
+              <p:cNvSpPr txBox="1">
+                <a:spLocks noRot="1" noChangeAspect="1" noMove="1" noResize="1" noEditPoints="1" noAdjustHandles="1" noChangeArrowheads="1" noChangeShapeType="1" noTextEdit="1"/>
+              </p:cNvSpPr>
+              <p:nvPr/>
+            </p:nvSpPr>
+            <p:spPr>
+              <a:xfrm>
+                <a:off x="2689217" y="5041109"/>
+                <a:ext cx="1826799" cy="405176"/>
+              </a:xfrm>
+              <a:prstGeom prst="rect">
+                <a:avLst/>
+              </a:prstGeom>
+              <a:blipFill>
+                <a:blip r:embed="rId4"/>
+                <a:stretch>
+                  <a:fillRect l="-3333" t="-119697" r="-7667" b="-184848"/>
+                </a:stretch>
+              </a:blipFill>
+            </p:spPr>
+            <p:txBody>
+              <a:bodyPr/>
+              <a:lstStyle/>
+              <a:p>
+                <a:r>
+                  <a:rPr lang="it-IT">
+                    <a:noFill/>
+                  </a:rPr>
+                  <a:t> </a:t>
+                </a:r>
+              </a:p>
+            </p:txBody>
+          </p:sp>
+        </mc:Fallback>
+      </mc:AlternateContent>
+      <p:sp>
+        <p:nvSpPr>
+          <p:cNvPr id="17" name="AutoShape 2" descr="\sum">
+            <a:extLst>
+              <a:ext uri="{FF2B5EF4-FFF2-40B4-BE49-F238E27FC236}">
+                <a16:creationId xmlns:a16="http://schemas.microsoft.com/office/drawing/2014/main" id="{E739E825-E33F-5F61-5C50-DEDD92F59957}"/>
+              </a:ext>
+            </a:extLst>
+          </p:cNvPr>
+          <p:cNvSpPr>
+            <a:spLocks noChangeAspect="1" noChangeArrowheads="1"/>
+          </p:cNvSpPr>
+          <p:nvPr/>
+        </p:nvSpPr>
+        <p:spPr bwMode="auto">
+          <a:xfrm>
+            <a:off x="5943600" y="3276600"/>
+            <a:ext cx="304800" cy="304800"/>
+          </a:xfrm>
+          <a:prstGeom prst="rect">
+            <a:avLst/>
+          </a:prstGeom>
+          <a:noFill/>
+          <a:extLst>
+            <a:ext uri="{909E8E84-426E-40DD-AFC4-6F175D3DCCD1}">
+              <a14:hiddenFill xmlns:a14="http://schemas.microsoft.com/office/drawing/2010/main">
+                <a:solidFill>
+                  <a:srgbClr val="FFFFFF"/>
+                </a:solidFill>
+              </a14:hiddenFill>
+            </a:ext>
+          </a:extLst>
+        </p:spPr>
+        <p:txBody>
+          <a:bodyPr vert="horz" wrap="square" lIns="91440" tIns="45720" rIns="91440" bIns="45720" numCol="1" anchor="t" anchorCtr="0" compatLnSpc="1">
+            <a:prstTxWarp prst="textNoShape">
+              <a:avLst/>
+            </a:prstTxWarp>
+          </a:bodyPr>
+          <a:lstStyle/>
+          <a:p>
+            <a:endParaRPr lang="it-IT"/>
+          </a:p>
+        </p:txBody>
+      </p:sp>
+      <mc:AlternateContent xmlns:mc="http://schemas.openxmlformats.org/markup-compatibility/2006" xmlns:a14="http://schemas.microsoft.com/office/drawing/2010/main">
+        <mc:Choice Requires="a14">
+          <p:sp>
+            <p:nvSpPr>
+              <p:cNvPr id="20" name="CasellaDiTesto 19">
+                <a:extLst>
+                  <a:ext uri="{FF2B5EF4-FFF2-40B4-BE49-F238E27FC236}">
+                    <a16:creationId xmlns:a16="http://schemas.microsoft.com/office/drawing/2014/main" id="{159E6381-7E05-9658-975C-C92823980733}"/>
+                  </a:ext>
+                </a:extLst>
+              </p:cNvPr>
+              <p:cNvSpPr txBox="1"/>
+              <p:nvPr/>
+            </p:nvSpPr>
+            <p:spPr>
+              <a:xfrm>
+                <a:off x="1652517" y="5774934"/>
+                <a:ext cx="3900197" cy="584775"/>
+              </a:xfrm>
+              <a:prstGeom prst="rect">
+                <a:avLst/>
+              </a:prstGeom>
+              <a:noFill/>
+            </p:spPr>
+            <p:txBody>
+              <a:bodyPr wrap="square">
+                <a:spAutoFit/>
+              </a:bodyPr>
+              <a:lstStyle/>
+              <a:p>
+                <a:pPr/>
+                <a14:m>
+                  <m:oMathPara xmlns:m="http://schemas.openxmlformats.org/officeDocument/2006/math">
+                    <m:oMathParaPr>
+                      <m:jc m:val="centerGroup"/>
+                    </m:oMathParaPr>
+                    <m:oMath xmlns:m="http://schemas.openxmlformats.org/officeDocument/2006/math">
+                      <m:r>
+                        <a:rPr lang="it-IT" sz="1600" b="0" i="1" smtClean="0">
+                          <a:solidFill>
+                            <a:srgbClr val="003C71"/>
+                          </a:solidFill>
+                          <a:latin typeface="Cambria Math" panose="02040503050406030204" pitchFamily="18" charset="0"/>
+                        </a:rPr>
+                        <m:t>𝑤</m:t>
+                      </m:r>
+                      <m:r>
+                        <a:rPr lang="it-IT" sz="1600" b="0" i="1" smtClean="0">
+                          <a:solidFill>
+                            <a:srgbClr val="003C71"/>
+                          </a:solidFill>
+                          <a:latin typeface="Cambria Math" panose="02040503050406030204" pitchFamily="18" charset="0"/>
+                        </a:rPr>
+                        <m:t>=</m:t>
+                      </m:r>
+                      <m:r>
+                        <a:rPr lang="it-IT" sz="1600" b="0" i="1" smtClean="0">
+                          <a:solidFill>
+                            <a:srgbClr val="003C71"/>
+                          </a:solidFill>
+                          <a:latin typeface="Cambria Math" panose="02040503050406030204" pitchFamily="18" charset="0"/>
+                        </a:rPr>
+                        <m:t>𝑤𝑒𝑖𝑔h𝑡</m:t>
+                      </m:r>
+                      <m:r>
+                        <a:rPr lang="it-IT" sz="1600" b="0" i="1" smtClean="0">
+                          <a:solidFill>
+                            <a:srgbClr val="003C71"/>
+                          </a:solidFill>
+                          <a:latin typeface="Cambria Math" panose="02040503050406030204" pitchFamily="18" charset="0"/>
+                        </a:rPr>
+                        <m:t> </m:t>
+                      </m:r>
+                      <m:r>
+                        <a:rPr lang="it-IT" sz="1600" b="0" i="1" smtClean="0">
+                          <a:solidFill>
+                            <a:srgbClr val="003C71"/>
+                          </a:solidFill>
+                          <a:latin typeface="Cambria Math" panose="02040503050406030204" pitchFamily="18" charset="0"/>
+                        </a:rPr>
+                        <m:t>𝑜𝑓</m:t>
+                      </m:r>
+                      <m:r>
+                        <a:rPr lang="it-IT" sz="1600" b="0" i="1" smtClean="0">
+                          <a:solidFill>
+                            <a:srgbClr val="003C71"/>
+                          </a:solidFill>
+                          <a:latin typeface="Cambria Math" panose="02040503050406030204" pitchFamily="18" charset="0"/>
+                        </a:rPr>
+                        <m:t> </m:t>
+                      </m:r>
+                      <m:r>
+                        <a:rPr lang="it-IT" sz="1600" b="0" i="1" smtClean="0">
+                          <a:solidFill>
+                            <a:srgbClr val="003C71"/>
+                          </a:solidFill>
+                          <a:latin typeface="Cambria Math" panose="02040503050406030204" pitchFamily="18" charset="0"/>
+                        </a:rPr>
+                        <m:t>𝑡h𝑒</m:t>
+                      </m:r>
+                      <m:r>
+                        <a:rPr lang="it-IT" sz="1600" b="0" i="1" smtClean="0">
+                          <a:solidFill>
+                            <a:srgbClr val="003C71"/>
+                          </a:solidFill>
+                          <a:latin typeface="Cambria Math" panose="02040503050406030204" pitchFamily="18" charset="0"/>
+                        </a:rPr>
+                        <m:t> </m:t>
+                      </m:r>
+                      <m:r>
+                        <a:rPr lang="it-IT" sz="1600" b="0" i="1" smtClean="0">
+                          <a:solidFill>
+                            <a:srgbClr val="003C71"/>
+                          </a:solidFill>
+                          <a:latin typeface="Cambria Math" panose="02040503050406030204" pitchFamily="18" charset="0"/>
+                        </a:rPr>
+                        <m:t>𝑎𝑟𝑒𝑎</m:t>
+                      </m:r>
+                      <m:r>
+                        <a:rPr lang="it-IT" sz="1600" b="0" i="0" smtClean="0">
+                          <a:solidFill>
+                            <a:srgbClr val="003C71"/>
+                          </a:solidFill>
+                          <a:latin typeface="Cambria Math" panose="02040503050406030204" pitchFamily="18" charset="0"/>
+                        </a:rPr>
+                        <m:t> </m:t>
+                      </m:r>
+                    </m:oMath>
+                  </m:oMathPara>
+                </a14:m>
+                <a:endParaRPr lang="it-IT" sz="1600" b="0" i="0" dirty="0">
+                  <a:solidFill>
+                    <a:srgbClr val="003C71"/>
+                  </a:solidFill>
+                  <a:latin typeface="Cambria Math" panose="02040503050406030204" pitchFamily="18" charset="0"/>
+                </a:endParaRPr>
+              </a:p>
+              <a:p>
+                <a:pPr/>
+                <a14:m>
+                  <m:oMathPara xmlns:m="http://schemas.openxmlformats.org/officeDocument/2006/math">
+                    <m:oMathParaPr>
+                      <m:jc m:val="centerGroup"/>
+                    </m:oMathParaPr>
+                    <m:oMath xmlns:m="http://schemas.openxmlformats.org/officeDocument/2006/math">
+                      <m:r>
+                        <m:rPr>
+                          <m:sty m:val="p"/>
+                        </m:rPr>
+                        <a:rPr lang="it-IT" sz="1600" b="0" i="0" smtClean="0">
+                          <a:solidFill>
+                            <a:srgbClr val="003C71"/>
+                          </a:solidFill>
+                          <a:latin typeface="Cambria Math" panose="02040503050406030204" pitchFamily="18" charset="0"/>
+                        </a:rPr>
+                        <m:t>S</m:t>
+                      </m:r>
+                      <m:r>
+                        <a:rPr lang="it-IT" sz="1600" b="0" i="0" smtClean="0">
+                          <a:solidFill>
+                            <a:srgbClr val="003C71"/>
+                          </a:solidFill>
+                          <a:latin typeface="Cambria Math" panose="02040503050406030204" pitchFamily="18" charset="0"/>
+                        </a:rPr>
+                        <m:t>=</m:t>
+                      </m:r>
+                      <m:r>
+                        <m:rPr>
+                          <m:sty m:val="p"/>
+                        </m:rPr>
+                        <a:rPr lang="it-IT" sz="1600" b="0" i="0" smtClean="0">
+                          <a:solidFill>
+                            <a:srgbClr val="003C71"/>
+                          </a:solidFill>
+                          <a:latin typeface="Cambria Math" panose="02040503050406030204" pitchFamily="18" charset="0"/>
+                        </a:rPr>
+                        <m:t>number</m:t>
+                      </m:r>
+                      <m:r>
+                        <a:rPr lang="it-IT" sz="1600" b="0" i="0" smtClean="0">
+                          <a:solidFill>
+                            <a:srgbClr val="003C71"/>
+                          </a:solidFill>
+                          <a:latin typeface="Cambria Math" panose="02040503050406030204" pitchFamily="18" charset="0"/>
+                        </a:rPr>
+                        <m:t> </m:t>
+                      </m:r>
+                      <m:r>
+                        <m:rPr>
+                          <m:sty m:val="p"/>
+                        </m:rPr>
+                        <a:rPr lang="it-IT" sz="1600" b="0" i="0" smtClean="0">
+                          <a:solidFill>
+                            <a:srgbClr val="003C71"/>
+                          </a:solidFill>
+                          <a:latin typeface="Cambria Math" panose="02040503050406030204" pitchFamily="18" charset="0"/>
+                        </a:rPr>
+                        <m:t>of</m:t>
+                      </m:r>
+                      <m:r>
+                        <a:rPr lang="it-IT" sz="1600" b="0" i="0" smtClean="0">
+                          <a:solidFill>
+                            <a:srgbClr val="003C71"/>
+                          </a:solidFill>
+                          <a:latin typeface="Cambria Math" panose="02040503050406030204" pitchFamily="18" charset="0"/>
+                        </a:rPr>
+                        <m:t> </m:t>
+                      </m:r>
+                      <m:r>
+                        <m:rPr>
+                          <m:sty m:val="p"/>
+                        </m:rPr>
+                        <a:rPr lang="it-IT" sz="1600" b="0" i="0" smtClean="0">
+                          <a:solidFill>
+                            <a:srgbClr val="003C71"/>
+                          </a:solidFill>
+                          <a:latin typeface="Cambria Math" panose="02040503050406030204" pitchFamily="18" charset="0"/>
+                        </a:rPr>
+                        <m:t>shots</m:t>
+                      </m:r>
+                      <m:r>
+                        <a:rPr lang="it-IT" sz="1600" b="0" i="0" smtClean="0">
+                          <a:solidFill>
+                            <a:srgbClr val="003C71"/>
+                          </a:solidFill>
+                          <a:latin typeface="Cambria Math" panose="02040503050406030204" pitchFamily="18" charset="0"/>
+                        </a:rPr>
+                        <m:t> </m:t>
+                      </m:r>
+                      <m:r>
+                        <m:rPr>
+                          <m:sty m:val="p"/>
+                        </m:rPr>
+                        <a:rPr lang="it-IT" sz="1600" b="0" i="0" smtClean="0">
+                          <a:solidFill>
+                            <a:srgbClr val="003C71"/>
+                          </a:solidFill>
+                          <a:latin typeface="Cambria Math" panose="02040503050406030204" pitchFamily="18" charset="0"/>
+                        </a:rPr>
+                        <m:t>from</m:t>
+                      </m:r>
+                      <m:r>
+                        <a:rPr lang="it-IT" sz="1600" b="0" i="0" smtClean="0">
+                          <a:solidFill>
+                            <a:srgbClr val="003C71"/>
+                          </a:solidFill>
+                          <a:latin typeface="Cambria Math" panose="02040503050406030204" pitchFamily="18" charset="0"/>
+                        </a:rPr>
+                        <m:t> </m:t>
+                      </m:r>
+                      <m:r>
+                        <m:rPr>
+                          <m:sty m:val="p"/>
+                        </m:rPr>
+                        <a:rPr lang="it-IT" sz="1600" b="0" i="0" smtClean="0">
+                          <a:solidFill>
+                            <a:srgbClr val="003C71"/>
+                          </a:solidFill>
+                          <a:latin typeface="Cambria Math" panose="02040503050406030204" pitchFamily="18" charset="0"/>
+                        </a:rPr>
+                        <m:t>that</m:t>
+                      </m:r>
+                      <m:r>
+                        <a:rPr lang="it-IT" sz="1600" b="0" i="0" smtClean="0">
+                          <a:solidFill>
+                            <a:srgbClr val="003C71"/>
+                          </a:solidFill>
+                          <a:latin typeface="Cambria Math" panose="02040503050406030204" pitchFamily="18" charset="0"/>
+                        </a:rPr>
+                        <m:t> </m:t>
+                      </m:r>
+                      <m:r>
+                        <m:rPr>
+                          <m:sty m:val="p"/>
+                        </m:rPr>
+                        <a:rPr lang="it-IT" sz="1600" b="0" i="0" smtClean="0">
+                          <a:solidFill>
+                            <a:srgbClr val="003C71"/>
+                          </a:solidFill>
+                          <a:latin typeface="Cambria Math" panose="02040503050406030204" pitchFamily="18" charset="0"/>
+                        </a:rPr>
+                        <m:t>aerea</m:t>
+                      </m:r>
+                    </m:oMath>
+                  </m:oMathPara>
+                </a14:m>
+                <a:endParaRPr lang="it-IT" sz="1600" dirty="0"/>
+              </a:p>
+            </p:txBody>
+          </p:sp>
+        </mc:Choice>
+        <mc:Fallback xmlns="">
+          <p:sp>
+            <p:nvSpPr>
+              <p:cNvPr id="20" name="CasellaDiTesto 19">
+                <a:extLst>
+                  <a:ext uri="{FF2B5EF4-FFF2-40B4-BE49-F238E27FC236}">
+                    <a16:creationId xmlns:a16="http://schemas.microsoft.com/office/drawing/2014/main" id="{159E6381-7E05-9658-975C-C92823980733}"/>
+                  </a:ext>
+                </a:extLst>
+              </p:cNvPr>
+              <p:cNvSpPr txBox="1">
+                <a:spLocks noRot="1" noChangeAspect="1" noMove="1" noResize="1" noEditPoints="1" noAdjustHandles="1" noChangeArrowheads="1" noChangeShapeType="1" noTextEdit="1"/>
+              </p:cNvSpPr>
+              <p:nvPr/>
+            </p:nvSpPr>
+            <p:spPr>
+              <a:xfrm>
+                <a:off x="1652517" y="5774934"/>
+                <a:ext cx="3900197" cy="584775"/>
+              </a:xfrm>
+              <a:prstGeom prst="rect">
+                <a:avLst/>
+              </a:prstGeom>
+              <a:blipFill>
+                <a:blip r:embed="rId5"/>
+                <a:stretch>
+                  <a:fillRect/>
+                </a:stretch>
+              </a:blipFill>
+            </p:spPr>
+            <p:txBody>
+              <a:bodyPr/>
+              <a:lstStyle/>
+              <a:p>
+                <a:r>
+                  <a:rPr lang="it-IT">
+                    <a:noFill/>
+                  </a:rPr>
+                  <a:t> </a:t>
+                </a:r>
+              </a:p>
+            </p:txBody>
+          </p:sp>
+        </mc:Fallback>
+      </mc:AlternateContent>
+    </p:spTree>
+    <p:extLst>
+      <p:ext uri="{BB962C8B-B14F-4D97-AF65-F5344CB8AC3E}">
+        <p14:creationId xmlns:p14="http://schemas.microsoft.com/office/powerpoint/2010/main" val="4151291417"/>
+      </p:ext>
+    </p:extLst>
+  </p:cSld>
+  <p:clrMapOvr>
+    <a:masterClrMapping/>
+  </p:clrMapOvr>
+  <mc:AlternateContent xmlns:mc="http://schemas.openxmlformats.org/markup-compatibility/2006" xmlns:p14="http://schemas.microsoft.com/office/powerpoint/2010/main">
+    <mc:Choice Requires="p14">
+      <p:transition spd="med" p14:dur="700">
+        <p:fade/>
+      </p:transition>
+    </mc:Choice>
+    <mc:Fallback xmlns="">
+      <p:transition spd="med">
+        <p:fade/>
+      </p:transition>
+    </mc:Fallback>
+  </mc:AlternateContent>
+  <p:timing>
+    <p:tnLst>
+      <p:par>
+        <p:cTn id="1" dur="indefinite" restart="never" nodeType="tmRoot">
+          <p:childTnLst>
+            <p:seq concurrent="1" nextAc="seek">
+              <p:cTn id="2" dur="indefinite" nodeType="mainSeq">
+                <p:childTnLst>
+                  <p:par>
+                    <p:cTn id="3" fill="hold">
+                      <p:stCondLst>
+                        <p:cond delay="indefinite"/>
+                        <p:cond evt="onBegin" delay="0">
+                          <p:tn val="2"/>
+                        </p:cond>
+                      </p:stCondLst>
+                      <p:childTnLst>
+                        <p:par>
+                          <p:cTn id="4" fill="hold">
+                            <p:stCondLst>
+                              <p:cond delay="0"/>
+                            </p:stCondLst>
+                            <p:childTnLst>
+                              <p:par>
+                                <p:cTn id="5" presetID="10" presetClass="entr" presetSubtype="0" fill="hold" grpId="0" nodeType="afterEffect">
+                                  <p:stCondLst>
+                                    <p:cond delay="0"/>
+                                  </p:stCondLst>
+                                  <p:childTnLst>
+                                    <p:set>
+                                      <p:cBhvr>
+                                        <p:cTn id="6" dur="1" fill="hold">
+                                          <p:stCondLst>
+                                            <p:cond delay="0"/>
+                                          </p:stCondLst>
+                                        </p:cTn>
+                                        <p:tgtEl>
+                                          <p:spTgt spid="2"/>
+                                        </p:tgtEl>
+                                        <p:attrNameLst>
+                                          <p:attrName>style.visibility</p:attrName>
+                                        </p:attrNameLst>
+                                      </p:cBhvr>
+                                      <p:to>
+                                        <p:strVal val="visible"/>
+                                      </p:to>
+                                    </p:set>
+                                    <p:animEffect transition="in" filter="fade">
+                                      <p:cBhvr>
+                                        <p:cTn id="7" dur="500"/>
+                                        <p:tgtEl>
+                                          <p:spTgt spid="2"/>
+                                        </p:tgtEl>
+                                      </p:cBhvr>
+                                    </p:animEffect>
+                                  </p:childTnLst>
+                                </p:cTn>
+                              </p:par>
+                              <p:par>
+                                <p:cTn id="8" presetID="10" presetClass="entr" presetSubtype="0" fill="hold" grpId="0" nodeType="withEffect">
+                                  <p:stCondLst>
+                                    <p:cond delay="0"/>
+                                  </p:stCondLst>
+                                  <p:childTnLst>
+                                    <p:set>
+                                      <p:cBhvr>
+                                        <p:cTn id="9" dur="1" fill="hold">
+                                          <p:stCondLst>
+                                            <p:cond delay="0"/>
+                                          </p:stCondLst>
+                                        </p:cTn>
+                                        <p:tgtEl>
+                                          <p:spTgt spid="10"/>
+                                        </p:tgtEl>
+                                        <p:attrNameLst>
+                                          <p:attrName>style.visibility</p:attrName>
+                                        </p:attrNameLst>
+                                      </p:cBhvr>
+                                      <p:to>
+                                        <p:strVal val="visible"/>
+                                      </p:to>
+                                    </p:set>
+                                    <p:animEffect transition="in" filter="fade">
+                                      <p:cBhvr>
+                                        <p:cTn id="10" dur="500"/>
+                                        <p:tgtEl>
+                                          <p:spTgt spid="10"/>
+                                        </p:tgtEl>
+                                      </p:cBhvr>
+                                    </p:animEffect>
+                                  </p:childTnLst>
+                                </p:cTn>
+                              </p:par>
+                              <p:par>
+                                <p:cTn id="11" presetID="10" presetClass="entr" presetSubtype="0" fill="hold" grpId="0" nodeType="withEffect">
+                                  <p:stCondLst>
+                                    <p:cond delay="0"/>
+                                  </p:stCondLst>
+                                  <p:childTnLst>
+                                    <p:set>
+                                      <p:cBhvr>
+                                        <p:cTn id="12" dur="1" fill="hold">
+                                          <p:stCondLst>
+                                            <p:cond delay="0"/>
+                                          </p:stCondLst>
+                                        </p:cTn>
+                                        <p:tgtEl>
+                                          <p:spTgt spid="11"/>
+                                        </p:tgtEl>
+                                        <p:attrNameLst>
+                                          <p:attrName>style.visibility</p:attrName>
+                                        </p:attrNameLst>
+                                      </p:cBhvr>
+                                      <p:to>
+                                        <p:strVal val="visible"/>
+                                      </p:to>
+                                    </p:set>
+                                    <p:animEffect transition="in" filter="fade">
+                                      <p:cBhvr>
+                                        <p:cTn id="13" dur="500"/>
+                                        <p:tgtEl>
+                                          <p:spTgt spid="11"/>
+                                        </p:tgtEl>
+                                      </p:cBhvr>
+                                    </p:animEffect>
+                                  </p:childTnLst>
+                                </p:cTn>
+                              </p:par>
+                              <p:par>
+                                <p:cTn id="14" presetID="10" presetClass="entr" presetSubtype="0" fill="hold" grpId="0" nodeType="withEffect">
+                                  <p:stCondLst>
+                                    <p:cond delay="0"/>
+                                  </p:stCondLst>
+                                  <p:childTnLst>
+                                    <p:set>
+                                      <p:cBhvr>
+                                        <p:cTn id="15" dur="1" fill="hold">
+                                          <p:stCondLst>
+                                            <p:cond delay="0"/>
+                                          </p:stCondLst>
+                                        </p:cTn>
+                                        <p:tgtEl>
+                                          <p:spTgt spid="12"/>
+                                        </p:tgtEl>
+                                        <p:attrNameLst>
+                                          <p:attrName>style.visibility</p:attrName>
+                                        </p:attrNameLst>
+                                      </p:cBhvr>
+                                      <p:to>
+                                        <p:strVal val="visible"/>
+                                      </p:to>
+                                    </p:set>
+                                    <p:animEffect transition="in" filter="fade">
+                                      <p:cBhvr>
+                                        <p:cTn id="16" dur="500"/>
+                                        <p:tgtEl>
+                                          <p:spTgt spid="12"/>
+                                        </p:tgtEl>
+                                      </p:cBhvr>
+                                    </p:animEffect>
+                                  </p:childTnLst>
+                                </p:cTn>
+                              </p:par>
+                              <p:par>
+                                <p:cTn id="17" presetID="10" presetClass="entr" presetSubtype="0" fill="hold" grpId="0" nodeType="withEffect">
+                                  <p:stCondLst>
+                                    <p:cond delay="0"/>
+                                  </p:stCondLst>
+                                  <p:childTnLst>
+                                    <p:set>
+                                      <p:cBhvr>
+                                        <p:cTn id="18" dur="1" fill="hold">
+                                          <p:stCondLst>
+                                            <p:cond delay="0"/>
+                                          </p:stCondLst>
+                                        </p:cTn>
+                                        <p:tgtEl>
+                                          <p:spTgt spid="13"/>
+                                        </p:tgtEl>
+                                        <p:attrNameLst>
+                                          <p:attrName>style.visibility</p:attrName>
+                                        </p:attrNameLst>
+                                      </p:cBhvr>
+                                      <p:to>
+                                        <p:strVal val="visible"/>
+                                      </p:to>
+                                    </p:set>
+                                    <p:animEffect transition="in" filter="fade">
+                                      <p:cBhvr>
+                                        <p:cTn id="19" dur="500"/>
+                                        <p:tgtEl>
+                                          <p:spTgt spid="13"/>
+                                        </p:tgtEl>
+                                      </p:cBhvr>
+                                    </p:animEffect>
+                                  </p:childTnLst>
+                                </p:cTn>
+                              </p:par>
+                              <p:par>
+                                <p:cTn id="20" presetID="10" presetClass="entr" presetSubtype="0" fill="hold" grpId="0" nodeType="withEffect">
+                                  <p:stCondLst>
+                                    <p:cond delay="0"/>
+                                  </p:stCondLst>
+                                  <p:childTnLst>
+                                    <p:set>
+                                      <p:cBhvr>
+                                        <p:cTn id="21" dur="1" fill="hold">
+                                          <p:stCondLst>
+                                            <p:cond delay="0"/>
+                                          </p:stCondLst>
+                                        </p:cTn>
+                                        <p:tgtEl>
+                                          <p:spTgt spid="14"/>
+                                        </p:tgtEl>
+                                        <p:attrNameLst>
+                                          <p:attrName>style.visibility</p:attrName>
+                                        </p:attrNameLst>
+                                      </p:cBhvr>
+                                      <p:to>
+                                        <p:strVal val="visible"/>
+                                      </p:to>
+                                    </p:set>
+                                    <p:animEffect transition="in" filter="fade">
+                                      <p:cBhvr>
+                                        <p:cTn id="22" dur="500"/>
+                                        <p:tgtEl>
+                                          <p:spTgt spid="14"/>
+                                        </p:tgtEl>
+                                      </p:cBhvr>
+                                    </p:animEffect>
+                                  </p:childTnLst>
+                                </p:cTn>
+                              </p:par>
+                              <p:par>
+                                <p:cTn id="23" presetID="10" presetClass="entr" presetSubtype="0" fill="hold" grpId="0" nodeType="withEffect">
+                                  <p:stCondLst>
+                                    <p:cond delay="0"/>
+                                  </p:stCondLst>
+                                  <p:childTnLst>
+                                    <p:set>
+                                      <p:cBhvr>
+                                        <p:cTn id="24" dur="1" fill="hold">
+                                          <p:stCondLst>
+                                            <p:cond delay="0"/>
+                                          </p:stCondLst>
+                                        </p:cTn>
+                                        <p:tgtEl>
+                                          <p:spTgt spid="15"/>
+                                        </p:tgtEl>
+                                        <p:attrNameLst>
+                                          <p:attrName>style.visibility</p:attrName>
+                                        </p:attrNameLst>
+                                      </p:cBhvr>
+                                      <p:to>
+                                        <p:strVal val="visible"/>
+                                      </p:to>
+                                    </p:set>
+                                    <p:animEffect transition="in" filter="fade">
+                                      <p:cBhvr>
+                                        <p:cTn id="25" dur="500"/>
+                                        <p:tgtEl>
+                                          <p:spTgt spid="15"/>
+                                        </p:tgtEl>
+                                      </p:cBhvr>
+                                    </p:animEffect>
+                                  </p:childTnLst>
+                                </p:cTn>
+                              </p:par>
+                              <p:par>
+                                <p:cTn id="26" presetID="10" presetClass="entr" presetSubtype="0" fill="hold" grpId="0" nodeType="withEffect">
+                                  <p:stCondLst>
+                                    <p:cond delay="0"/>
+                                  </p:stCondLst>
+                                  <p:childTnLst>
+                                    <p:set>
+                                      <p:cBhvr>
+                                        <p:cTn id="27" dur="1" fill="hold">
+                                          <p:stCondLst>
+                                            <p:cond delay="0"/>
+                                          </p:stCondLst>
+                                        </p:cTn>
+                                        <p:tgtEl>
+                                          <p:spTgt spid="16"/>
+                                        </p:tgtEl>
+                                        <p:attrNameLst>
+                                          <p:attrName>style.visibility</p:attrName>
+                                        </p:attrNameLst>
+                                      </p:cBhvr>
+                                      <p:to>
+                                        <p:strVal val="visible"/>
+                                      </p:to>
+                                    </p:set>
+                                    <p:animEffect transition="in" filter="fade">
+                                      <p:cBhvr>
+                                        <p:cTn id="28" dur="500"/>
+                                        <p:tgtEl>
+                                          <p:spTgt spid="16"/>
+                                        </p:tgtEl>
+                                      </p:cBhvr>
+                                    </p:animEffect>
+                                  </p:childTnLst>
+                                </p:cTn>
+                              </p:par>
+                              <p:par>
+                                <p:cTn id="29" presetID="10" presetClass="entr" presetSubtype="0" fill="hold" grpId="0" nodeType="withEffect">
+                                  <p:stCondLst>
+                                    <p:cond delay="0"/>
+                                  </p:stCondLst>
+                                  <p:childTnLst>
+                                    <p:set>
+                                      <p:cBhvr>
+                                        <p:cTn id="30" dur="1" fill="hold">
+                                          <p:stCondLst>
+                                            <p:cond delay="0"/>
+                                          </p:stCondLst>
+                                        </p:cTn>
+                                        <p:tgtEl>
+                                          <p:spTgt spid="6"/>
+                                        </p:tgtEl>
+                                        <p:attrNameLst>
+                                          <p:attrName>style.visibility</p:attrName>
+                                        </p:attrNameLst>
+                                      </p:cBhvr>
+                                      <p:to>
+                                        <p:strVal val="visible"/>
+                                      </p:to>
+                                    </p:set>
+                                    <p:animEffect transition="in" filter="fade">
+                                      <p:cBhvr>
+                                        <p:cTn id="31" dur="500"/>
+                                        <p:tgtEl>
+                                          <p:spTgt spid="6"/>
+                                        </p:tgtEl>
+                                      </p:cBhvr>
+                                    </p:animEffect>
+                                  </p:childTnLst>
+                                </p:cTn>
+                              </p:par>
+                            </p:childTnLst>
+                          </p:cTn>
+                        </p:par>
+                      </p:childTnLst>
+                    </p:cTn>
+                  </p:par>
+                  <p:par>
+                    <p:cTn id="32" fill="hold">
+                      <p:stCondLst>
+                        <p:cond delay="indefinite"/>
+                      </p:stCondLst>
+                      <p:childTnLst>
+                        <p:par>
+                          <p:cTn id="33" fill="hold">
+                            <p:stCondLst>
+                              <p:cond delay="0"/>
+                            </p:stCondLst>
+                            <p:childTnLst>
+                              <p:par>
+                                <p:cTn id="34" presetID="10" presetClass="entr" presetSubtype="0" fill="hold" grpId="0" nodeType="clickEffect">
+                                  <p:stCondLst>
+                                    <p:cond delay="0"/>
+                                  </p:stCondLst>
+                                  <p:childTnLst>
+                                    <p:set>
+                                      <p:cBhvr>
+                                        <p:cTn id="35" dur="1" fill="hold">
+                                          <p:stCondLst>
+                                            <p:cond delay="0"/>
+                                          </p:stCondLst>
+                                        </p:cTn>
+                                        <p:tgtEl>
+                                          <p:spTgt spid="4"/>
+                                        </p:tgtEl>
+                                        <p:attrNameLst>
+                                          <p:attrName>style.visibility</p:attrName>
+                                        </p:attrNameLst>
+                                      </p:cBhvr>
+                                      <p:to>
+                                        <p:strVal val="visible"/>
+                                      </p:to>
+                                    </p:set>
+                                    <p:animEffect transition="in" filter="fade">
+                                      <p:cBhvr>
+                                        <p:cTn id="36" dur="500"/>
+                                        <p:tgtEl>
+                                          <p:spTgt spid="4"/>
+                                        </p:tgtEl>
+                                      </p:cBhvr>
+                                    </p:animEffect>
+                                  </p:childTnLst>
+                                </p:cTn>
+                              </p:par>
+                            </p:childTnLst>
+                          </p:cTn>
+                        </p:par>
+                        <p:par>
+                          <p:cTn id="37" fill="hold">
+                            <p:stCondLst>
+                              <p:cond delay="500"/>
+                            </p:stCondLst>
+                            <p:childTnLst>
+                              <p:par>
+                                <p:cTn id="38" presetID="10" presetClass="entr" presetSubtype="0" fill="hold" grpId="0" nodeType="afterEffect">
+                                  <p:stCondLst>
+                                    <p:cond delay="0"/>
+                                  </p:stCondLst>
+                                  <p:childTnLst>
+                                    <p:set>
+                                      <p:cBhvr>
+                                        <p:cTn id="39" dur="1" fill="hold">
+                                          <p:stCondLst>
+                                            <p:cond delay="0"/>
+                                          </p:stCondLst>
+                                        </p:cTn>
+                                        <p:tgtEl>
+                                          <p:spTgt spid="5"/>
+                                        </p:tgtEl>
+                                        <p:attrNameLst>
+                                          <p:attrName>style.visibility</p:attrName>
+                                        </p:attrNameLst>
+                                      </p:cBhvr>
+                                      <p:to>
+                                        <p:strVal val="visible"/>
+                                      </p:to>
+                                    </p:set>
+                                    <p:animEffect transition="in" filter="fade">
+                                      <p:cBhvr>
+                                        <p:cTn id="40" dur="500"/>
+                                        <p:tgtEl>
+                                          <p:spTgt spid="5"/>
+                                        </p:tgtEl>
+                                      </p:cBhvr>
+                                    </p:animEffect>
+                                  </p:childTnLst>
+                                </p:cTn>
+                              </p:par>
+                            </p:childTnLst>
+                          </p:cTn>
+                        </p:par>
+                        <p:par>
+                          <p:cTn id="41" fill="hold">
+                            <p:stCondLst>
+                              <p:cond delay="1000"/>
+                            </p:stCondLst>
+                            <p:childTnLst>
+                              <p:par>
+                                <p:cTn id="42" presetID="10" presetClass="entr" presetSubtype="0" fill="hold" grpId="0" nodeType="afterEffect">
+                                  <p:stCondLst>
+                                    <p:cond delay="0"/>
+                                  </p:stCondLst>
+                                  <p:childTnLst>
+                                    <p:set>
+                                      <p:cBhvr>
+                                        <p:cTn id="43" dur="1" fill="hold">
+                                          <p:stCondLst>
+                                            <p:cond delay="0"/>
+                                          </p:stCondLst>
+                                        </p:cTn>
+                                        <p:tgtEl>
+                                          <p:spTgt spid="9"/>
+                                        </p:tgtEl>
+                                        <p:attrNameLst>
+                                          <p:attrName>style.visibility</p:attrName>
+                                        </p:attrNameLst>
+                                      </p:cBhvr>
+                                      <p:to>
+                                        <p:strVal val="visible"/>
+                                      </p:to>
+                                    </p:set>
+                                    <p:animEffect transition="in" filter="fade">
+                                      <p:cBhvr>
+                                        <p:cTn id="44" dur="500"/>
+                                        <p:tgtEl>
+                                          <p:spTgt spid="9"/>
+                                        </p:tgtEl>
+                                      </p:cBhvr>
+                                    </p:animEffect>
+                                  </p:childTnLst>
+                                </p:cTn>
+                              </p:par>
+                            </p:childTnLst>
+                          </p:cTn>
+                        </p:par>
+                      </p:childTnLst>
+                    </p:cTn>
+                  </p:par>
+                </p:childTnLst>
+              </p:cTn>
+              <p:prevCondLst>
+                <p:cond evt="onPrev" delay="0">
+                  <p:tgtEl>
+                    <p:sldTgt/>
+                  </p:tgtEl>
+                </p:cond>
+              </p:prevCondLst>
+              <p:nextCondLst>
+                <p:cond evt="onNext" delay="0">
+                  <p:tgtEl>
+                    <p:sldTgt/>
+                  </p:tgtEl>
+                </p:cond>
+              </p:nextCondLst>
+            </p:seq>
+          </p:childTnLst>
+        </p:cTn>
+      </p:par>
+    </p:tnLst>
+    <p:bldLst>
+      <p:bldP spid="9" grpId="0" animBg="1"/>
+      <p:bldP spid="5" grpId="0" animBg="1"/>
+      <p:bldP spid="4" grpId="0" animBg="1"/>
+      <p:bldP spid="2" grpId="0" animBg="1"/>
+      <p:bldP spid="6" grpId="0" animBg="1"/>
+      <p:bldP spid="10" grpId="0" animBg="1"/>
+      <p:bldP spid="11" grpId="0" animBg="1"/>
+      <p:bldP spid="12" grpId="0" animBg="1"/>
+      <p:bldP spid="13" grpId="0" animBg="1"/>
+      <p:bldP spid="14" grpId="0" animBg="1"/>
+      <p:bldP spid="15" grpId="0" animBg="1"/>
+      <p:bldP spid="16" grpId="0" animBg="1"/>
+    </p:bldLst>
+  </p:timing>
+</p:sld>
+</file>
+
 <file path=ppt/slides/slide9.xml><?xml version="1.0" encoding="utf-8"?>
 <p:sld xmlns:a="http://schemas.openxmlformats.org/drawingml/2006/main" xmlns:r="http://schemas.openxmlformats.org/officeDocument/2006/relationships" xmlns:p="http://schemas.openxmlformats.org/presentationml/2006/main">
   <p:cSld>
@@ -34044,8 +34108,8 @@
         </p:nvSpPr>
         <p:spPr>
           <a:xfrm>
-            <a:off x="6077063" y="1859339"/>
-            <a:ext cx="5194943" cy="3139321"/>
+            <a:off x="6313256" y="3686997"/>
+            <a:ext cx="5329361" cy="1754326"/>
           </a:xfrm>
           <a:prstGeom prst="rect">
             <a:avLst/>
@@ -34064,7 +34128,7 @@
                   <a:srgbClr val="003C71"/>
                 </a:solidFill>
               </a:rPr>
-              <a:t>In </a:t>
+              <a:t>The </a:t>
             </a:r>
             <a:r>
               <a:rPr lang="it-IT" dirty="0" err="1">
@@ -34072,7 +34136,7 @@
                   <a:srgbClr val="003C71"/>
                 </a:solidFill>
               </a:rPr>
-              <a:t>my</a:t>
+              <a:t>sensor</a:t>
             </a:r>
             <a:r>
               <a:rPr lang="it-IT" dirty="0">
@@ -34080,7 +34144,7 @@
                   <a:srgbClr val="003C71"/>
                 </a:solidFill>
               </a:rPr>
-              <a:t> model, </a:t>
+              <a:t> model </a:t>
             </a:r>
             <a:r>
               <a:rPr lang="it-IT" dirty="0" err="1">
@@ -34088,7 +34152,7 @@
                   <a:srgbClr val="003C71"/>
                 </a:solidFill>
               </a:rPr>
-              <a:t>states</a:t>
+              <a:t>is</a:t>
             </a:r>
             <a:r>
               <a:rPr lang="it-IT" dirty="0">
@@ -34096,7 +34160,7 @@
                   <a:srgbClr val="003C71"/>
                 </a:solidFill>
               </a:rPr>
-              <a:t> are </a:t>
+              <a:t> </a:t>
             </a:r>
             <a:r>
               <a:rPr lang="it-IT" dirty="0" err="1">
@@ -34112,7 +34176,7 @@
                   <a:srgbClr val="003C71"/>
                 </a:solidFill>
               </a:rPr>
-              <a:t> by the OPI </a:t>
+              <a:t> by OPI. The system </a:t>
             </a:r>
             <a:r>
               <a:rPr lang="it-IT" dirty="0" err="1">
@@ -34120,7 +34184,7 @@
                   <a:srgbClr val="003C71"/>
                 </a:solidFill>
               </a:rPr>
-              <a:t>level</a:t>
+              <a:t>calulates</a:t>
             </a:r>
             <a:r>
               <a:rPr lang="it-IT" dirty="0">
@@ -34128,7 +34192,7 @@
                   <a:srgbClr val="003C71"/>
                 </a:solidFill>
               </a:rPr>
-              <a:t>. Using a </a:t>
+              <a:t> </a:t>
             </a:r>
             <a:r>
               <a:rPr lang="it-IT" dirty="0" err="1">
@@ -34136,7 +34200,7 @@
                   <a:srgbClr val="003C71"/>
                 </a:solidFill>
               </a:rPr>
-              <a:t>normal</a:t>
+              <a:t>how</a:t>
             </a:r>
             <a:r>
               <a:rPr lang="it-IT" dirty="0">
@@ -34152,7 +34216,7 @@
                   <a:srgbClr val="003C71"/>
                 </a:solidFill>
               </a:rPr>
-              <a:t>distribution</a:t>
+              <a:t>many</a:t>
             </a:r>
             <a:r>
               <a:rPr lang="it-IT" dirty="0">
@@ -34160,7 +34224,7 @@
                   <a:srgbClr val="003C71"/>
                 </a:solidFill>
               </a:rPr>
-              <a:t> to </a:t>
+              <a:t> times the OPI </a:t>
             </a:r>
             <a:r>
               <a:rPr lang="it-IT" dirty="0" err="1">
@@ -34168,7 +34232,7 @@
                   <a:srgbClr val="003C71"/>
                 </a:solidFill>
               </a:rPr>
-              <a:t>describe</a:t>
+              <a:t>is</a:t>
             </a:r>
             <a:r>
               <a:rPr lang="it-IT" dirty="0">
@@ -34176,7 +34240,7 @@
                   <a:srgbClr val="003C71"/>
                 </a:solidFill>
               </a:rPr>
-              <a:t> the </a:t>
+              <a:t> high/low </a:t>
             </a:r>
             <a:r>
               <a:rPr lang="it-IT" dirty="0" err="1">
@@ -34184,7 +34248,7 @@
                   <a:srgbClr val="003C71"/>
                 </a:solidFill>
               </a:rPr>
-              <a:t>behvior</a:t>
+              <a:t>when</a:t>
             </a:r>
             <a:r>
               <a:rPr lang="it-IT" dirty="0">
@@ -34192,7 +34256,7 @@
                   <a:srgbClr val="003C71"/>
                 </a:solidFill>
               </a:rPr>
-              <a:t> of </a:t>
+              <a:t> </a:t>
             </a:r>
             <a:r>
               <a:rPr lang="it-IT" dirty="0" err="1">
@@ -34200,7 +34264,7 @@
                   <a:srgbClr val="003C71"/>
                 </a:solidFill>
               </a:rPr>
-              <a:t>this</a:t>
+              <a:t>we</a:t>
             </a:r>
             <a:r>
               <a:rPr lang="it-IT" dirty="0">
@@ -34208,6 +34272,38 @@
                   <a:srgbClr val="003C71"/>
                 </a:solidFill>
               </a:rPr>
+              <a:t> are in state 1 or state 2. </a:t>
+            </a:r>
+            <a:r>
+              <a:rPr lang="it-IT" dirty="0" err="1">
+                <a:solidFill>
+                  <a:srgbClr val="003C71"/>
+                </a:solidFill>
+              </a:rPr>
+              <a:t>It</a:t>
+            </a:r>
+            <a:r>
+              <a:rPr lang="it-IT" dirty="0">
+                <a:solidFill>
+                  <a:srgbClr val="003C71"/>
+                </a:solidFill>
+              </a:rPr>
+              <a:t> takes a «sample team» to </a:t>
+            </a:r>
+            <a:r>
+              <a:rPr lang="it-IT" dirty="0" err="1">
+                <a:solidFill>
+                  <a:srgbClr val="003C71"/>
+                </a:solidFill>
+              </a:rPr>
+              <a:t>calculate</a:t>
+            </a:r>
+            <a:r>
+              <a:rPr lang="it-IT" dirty="0">
+                <a:solidFill>
+                  <a:srgbClr val="003C71"/>
+                </a:solidFill>
+              </a:rPr>
               <a:t> </a:t>
             </a:r>
             <a:r>
@@ -34216,7 +34312,7 @@
                   <a:srgbClr val="003C71"/>
                 </a:solidFill>
               </a:rPr>
-              <a:t>metric</a:t>
+              <a:t>it</a:t>
             </a:r>
             <a:r>
               <a:rPr lang="it-IT" dirty="0">
@@ -34224,7 +34320,7 @@
                   <a:srgbClr val="003C71"/>
                 </a:solidFill>
               </a:rPr>
-              <a:t> for </a:t>
+              <a:t>, of </a:t>
             </a:r>
             <a:r>
               <a:rPr lang="it-IT" dirty="0" err="1">
@@ -34232,7 +34328,7 @@
                   <a:srgbClr val="003C71"/>
                 </a:solidFill>
               </a:rPr>
-              <a:t>each</a:t>
+              <a:t>course</a:t>
             </a:r>
             <a:r>
               <a:rPr lang="it-IT" dirty="0">
@@ -34240,7 +34336,7 @@
                   <a:srgbClr val="003C71"/>
                 </a:solidFill>
               </a:rPr>
-              <a:t> team, </a:t>
+              <a:t> </a:t>
             </a:r>
             <a:r>
               <a:rPr lang="it-IT" dirty="0" err="1">
@@ -34248,7 +34344,7 @@
                   <a:srgbClr val="003C71"/>
                 </a:solidFill>
               </a:rPr>
-              <a:t>we</a:t>
+              <a:t>it</a:t>
             </a:r>
             <a:r>
               <a:rPr lang="it-IT" dirty="0">
@@ -34256,7 +34352,7 @@
                   <a:srgbClr val="003C71"/>
                 </a:solidFill>
               </a:rPr>
-              <a:t> can work on </a:t>
+              <a:t> can be </a:t>
             </a:r>
             <a:r>
               <a:rPr lang="it-IT" dirty="0" err="1">
@@ -34264,7 +34360,7 @@
                   <a:srgbClr val="003C71"/>
                 </a:solidFill>
               </a:rPr>
-              <a:t>this</a:t>
+              <a:t>improved</a:t>
             </a:r>
             <a:r>
               <a:rPr lang="it-IT" dirty="0">
@@ -34272,6 +34368,38 @@
                   <a:srgbClr val="003C71"/>
                 </a:solidFill>
               </a:rPr>
+              <a:t> by </a:t>
+            </a:r>
+            <a:r>
+              <a:rPr lang="it-IT" dirty="0" err="1">
+                <a:solidFill>
+                  <a:srgbClr val="003C71"/>
+                </a:solidFill>
+              </a:rPr>
+              <a:t>calculate</a:t>
+            </a:r>
+            <a:r>
+              <a:rPr lang="it-IT" dirty="0">
+                <a:solidFill>
+                  <a:srgbClr val="003C71"/>
+                </a:solidFill>
+              </a:rPr>
+              <a:t> an </a:t>
+            </a:r>
+            <a:r>
+              <a:rPr lang="it-IT" dirty="0" err="1">
+                <a:solidFill>
+                  <a:srgbClr val="003C71"/>
+                </a:solidFill>
+              </a:rPr>
+              <a:t>average</a:t>
+            </a:r>
+            <a:r>
+              <a:rPr lang="it-IT" dirty="0">
+                <a:solidFill>
+                  <a:srgbClr val="003C71"/>
+                </a:solidFill>
+              </a:rPr>
               <a:t> </a:t>
             </a:r>
             <a:r>
@@ -34280,7 +34408,7 @@
                   <a:srgbClr val="003C71"/>
                 </a:solidFill>
               </a:rPr>
-              <a:t>distibution</a:t>
+              <a:t>taking</a:t>
             </a:r>
             <a:r>
               <a:rPr lang="it-IT" dirty="0">
@@ -34288,7 +34416,7 @@
                   <a:srgbClr val="003C71"/>
                 </a:solidFill>
               </a:rPr>
-              <a:t> and take some </a:t>
+              <a:t> </a:t>
             </a:r>
             <a:r>
               <a:rPr lang="it-IT" dirty="0" err="1">
@@ -34296,7 +34424,7 @@
                   <a:srgbClr val="003C71"/>
                 </a:solidFill>
               </a:rPr>
-              <a:t>states</a:t>
+              <a:t>all</a:t>
             </a:r>
             <a:r>
               <a:rPr lang="it-IT" dirty="0">
@@ -34304,7 +34432,7 @@
                   <a:srgbClr val="003C71"/>
                 </a:solidFill>
               </a:rPr>
-              <a:t> by </a:t>
+              <a:t> the teams </a:t>
             </a:r>
             <a:r>
               <a:rPr lang="it-IT" dirty="0" err="1">
@@ -34312,7 +34440,7 @@
                   <a:srgbClr val="003C71"/>
                 </a:solidFill>
               </a:rPr>
-              <a:t>it</a:t>
+              <a:t>rather</a:t>
             </a:r>
             <a:r>
               <a:rPr lang="it-IT" dirty="0">
@@ -34320,24 +34448,23 @@
                   <a:srgbClr val="003C71"/>
                 </a:solidFill>
               </a:rPr>
-              <a:t>.</a:t>
-            </a:r>
-          </a:p>
-          <a:p>
-            <a:endParaRPr lang="it-IT" dirty="0">
-              <a:solidFill>
-                <a:srgbClr val="003C71"/>
-              </a:solidFill>
-            </a:endParaRPr>
-          </a:p>
-          <a:p>
+              <a:t> </a:t>
+            </a:r>
+            <a:r>
+              <a:rPr lang="it-IT" dirty="0" err="1">
+                <a:solidFill>
+                  <a:srgbClr val="003C71"/>
+                </a:solidFill>
+              </a:rPr>
+              <a:t>than</a:t>
+            </a:r>
             <a:r>
               <a:rPr lang="it-IT" dirty="0">
                 <a:solidFill>
                   <a:srgbClr val="003C71"/>
                 </a:solidFill>
               </a:rPr>
-              <a:t>In order to make </a:t>
+              <a:t> </a:t>
             </a:r>
             <a:r>
               <a:rPr lang="it-IT" dirty="0" err="1">
@@ -34345,7 +34472,7 @@
                   <a:srgbClr val="003C71"/>
                 </a:solidFill>
               </a:rPr>
-              <a:t>my</a:t>
+              <a:t>taking</a:t>
             </a:r>
             <a:r>
               <a:rPr lang="it-IT" dirty="0">
@@ -34353,7 +34480,7 @@
                   <a:srgbClr val="003C71"/>
                 </a:solidFill>
               </a:rPr>
-              <a:t> system easy to </a:t>
+              <a:t> </a:t>
             </a:r>
             <a:r>
               <a:rPr lang="it-IT" dirty="0" err="1">
@@ -34361,7 +34488,7 @@
                   <a:srgbClr val="003C71"/>
                 </a:solidFill>
               </a:rPr>
-              <a:t>implement</a:t>
+              <a:t>only</a:t>
             </a:r>
             <a:r>
               <a:rPr lang="it-IT" dirty="0">
@@ -34369,199 +34496,7 @@
                   <a:srgbClr val="003C71"/>
                 </a:solidFill>
               </a:rPr>
-              <a:t> I </a:t>
-            </a:r>
-            <a:r>
-              <a:rPr lang="it-IT" dirty="0" err="1">
-                <a:solidFill>
-                  <a:srgbClr val="003C71"/>
-                </a:solidFill>
-              </a:rPr>
-              <a:t>extract</a:t>
-            </a:r>
-            <a:r>
-              <a:rPr lang="it-IT" dirty="0">
-                <a:solidFill>
-                  <a:srgbClr val="003C71"/>
-                </a:solidFill>
-              </a:rPr>
-              <a:t> </a:t>
-            </a:r>
-            <a:r>
-              <a:rPr lang="it-IT" dirty="0" err="1">
-                <a:solidFill>
-                  <a:srgbClr val="003C71"/>
-                </a:solidFill>
-              </a:rPr>
-              <a:t>only</a:t>
-            </a:r>
-            <a:r>
-              <a:rPr lang="it-IT" dirty="0">
-                <a:solidFill>
-                  <a:srgbClr val="003C71"/>
-                </a:solidFill>
-              </a:rPr>
-              <a:t> </a:t>
-            </a:r>
-            <a:r>
-              <a:rPr lang="it-IT" dirty="0" err="1">
-                <a:solidFill>
-                  <a:srgbClr val="003C71"/>
-                </a:solidFill>
-              </a:rPr>
-              <a:t>two</a:t>
-            </a:r>
-            <a:r>
-              <a:rPr lang="it-IT" dirty="0">
-                <a:solidFill>
-                  <a:srgbClr val="003C71"/>
-                </a:solidFill>
-              </a:rPr>
-              <a:t> </a:t>
-            </a:r>
-            <a:r>
-              <a:rPr lang="it-IT" dirty="0" err="1">
-                <a:solidFill>
-                  <a:srgbClr val="003C71"/>
-                </a:solidFill>
-              </a:rPr>
-              <a:t>level</a:t>
-            </a:r>
-            <a:r>
-              <a:rPr lang="it-IT" dirty="0">
-                <a:solidFill>
-                  <a:srgbClr val="003C71"/>
-                </a:solidFill>
-              </a:rPr>
-              <a:t> of OPI (high and low) </a:t>
-            </a:r>
-            <a:r>
-              <a:rPr lang="it-IT" dirty="0" err="1">
-                <a:solidFill>
-                  <a:srgbClr val="003C71"/>
-                </a:solidFill>
-              </a:rPr>
-              <a:t>but</a:t>
-            </a:r>
-            <a:r>
-              <a:rPr lang="it-IT" dirty="0">
-                <a:solidFill>
-                  <a:srgbClr val="003C71"/>
-                </a:solidFill>
-              </a:rPr>
-              <a:t>, image to </a:t>
-            </a:r>
-            <a:r>
-              <a:rPr lang="it-IT" dirty="0" err="1">
-                <a:solidFill>
-                  <a:srgbClr val="003C71"/>
-                </a:solidFill>
-              </a:rPr>
-              <a:t>subdivide</a:t>
-            </a:r>
-            <a:r>
-              <a:rPr lang="it-IT" dirty="0">
-                <a:solidFill>
-                  <a:srgbClr val="003C71"/>
-                </a:solidFill>
-              </a:rPr>
-              <a:t> the area of a </a:t>
-            </a:r>
-            <a:r>
-              <a:rPr lang="it-IT" dirty="0" err="1">
-                <a:solidFill>
-                  <a:srgbClr val="003C71"/>
-                </a:solidFill>
-              </a:rPr>
-              <a:t>normal</a:t>
-            </a:r>
-            <a:r>
-              <a:rPr lang="it-IT" dirty="0">
-                <a:solidFill>
-                  <a:srgbClr val="003C71"/>
-                </a:solidFill>
-              </a:rPr>
-              <a:t> </a:t>
-            </a:r>
-            <a:r>
-              <a:rPr lang="it-IT" dirty="0" err="1">
-                <a:solidFill>
-                  <a:srgbClr val="003C71"/>
-                </a:solidFill>
-              </a:rPr>
-              <a:t>distribution</a:t>
-            </a:r>
-            <a:r>
-              <a:rPr lang="it-IT" dirty="0">
-                <a:solidFill>
-                  <a:srgbClr val="003C71"/>
-                </a:solidFill>
-              </a:rPr>
-              <a:t> in more </a:t>
-            </a:r>
-            <a:r>
-              <a:rPr lang="it-IT" dirty="0" err="1">
-                <a:solidFill>
-                  <a:srgbClr val="003C71"/>
-                </a:solidFill>
-              </a:rPr>
-              <a:t>sectors</a:t>
-            </a:r>
-            <a:r>
-              <a:rPr lang="it-IT" dirty="0">
-                <a:solidFill>
-                  <a:srgbClr val="003C71"/>
-                </a:solidFill>
-              </a:rPr>
-              <a:t> and more </a:t>
-            </a:r>
-            <a:r>
-              <a:rPr lang="it-IT" dirty="0" err="1">
-                <a:solidFill>
-                  <a:srgbClr val="003C71"/>
-                </a:solidFill>
-              </a:rPr>
-              <a:t>states</a:t>
-            </a:r>
-            <a:r>
-              <a:rPr lang="it-IT" dirty="0">
-                <a:solidFill>
-                  <a:srgbClr val="003C71"/>
-                </a:solidFill>
-              </a:rPr>
-              <a:t> can be </a:t>
-            </a:r>
-            <a:r>
-              <a:rPr lang="it-IT" dirty="0" err="1">
-                <a:solidFill>
-                  <a:srgbClr val="003C71"/>
-                </a:solidFill>
-              </a:rPr>
-              <a:t>taken</a:t>
-            </a:r>
-            <a:r>
-              <a:rPr lang="it-IT" dirty="0">
-                <a:solidFill>
-                  <a:srgbClr val="003C71"/>
-                </a:solidFill>
-              </a:rPr>
-              <a:t> from </a:t>
-            </a:r>
-            <a:r>
-              <a:rPr lang="it-IT" dirty="0" err="1">
-                <a:solidFill>
-                  <a:srgbClr val="003C71"/>
-                </a:solidFill>
-              </a:rPr>
-              <a:t>it</a:t>
-            </a:r>
-            <a:r>
-              <a:rPr lang="it-IT" dirty="0">
-                <a:solidFill>
-                  <a:srgbClr val="003C71"/>
-                </a:solidFill>
-              </a:rPr>
-              <a:t>.</a:t>
+              <a:t> one team.</a:t>
             </a:r>
           </a:p>
         </p:txBody>
@@ -35100,7 +35035,7 @@
         </p:nvSpPr>
         <p:spPr>
           <a:xfrm>
-            <a:off x="2736913" y="5375924"/>
+            <a:off x="5191797" y="5396038"/>
             <a:ext cx="500809" cy="307777"/>
           </a:xfrm>
           <a:prstGeom prst="rect">
@@ -35120,7 +35055,7 @@
                   <a:srgbClr val="003C71"/>
                 </a:solidFill>
               </a:rPr>
-              <a:t>UGI</a:t>
+              <a:t>OPI</a:t>
             </a:r>
           </a:p>
         </p:txBody>
@@ -35139,7 +35074,7 @@
         </p:nvSpPr>
         <p:spPr>
           <a:xfrm rot="16200000">
-            <a:off x="-1317873" y="2823416"/>
+            <a:off x="-1334643" y="2170346"/>
             <a:ext cx="3735422" cy="307777"/>
           </a:xfrm>
           <a:prstGeom prst="rect">
@@ -35198,6 +35133,462 @@
                 <a:srgbClr val="003C71"/>
               </a:solidFill>
             </a:endParaRPr>
+          </a:p>
+        </p:txBody>
+      </p:sp>
+      <p:sp>
+        <p:nvSpPr>
+          <p:cNvPr id="3" name="CasellaDiTesto 2">
+            <a:extLst>
+              <a:ext uri="{FF2B5EF4-FFF2-40B4-BE49-F238E27FC236}">
+                <a16:creationId xmlns:a16="http://schemas.microsoft.com/office/drawing/2014/main" id="{C3D314E0-469C-CE32-896C-9F9D1A7D7212}"/>
+              </a:ext>
+            </a:extLst>
+          </p:cNvPr>
+          <p:cNvSpPr txBox="1"/>
+          <p:nvPr/>
+        </p:nvSpPr>
+        <p:spPr>
+          <a:xfrm>
+            <a:off x="4570774" y="1481122"/>
+            <a:ext cx="5329361" cy="1200329"/>
+          </a:xfrm>
+          <a:prstGeom prst="rect">
+            <a:avLst/>
+          </a:prstGeom>
+          <a:noFill/>
+        </p:spPr>
+        <p:txBody>
+          <a:bodyPr wrap="square" rtlCol="0">
+            <a:spAutoFit/>
+          </a:bodyPr>
+          <a:lstStyle/>
+          <a:p>
+            <a:r>
+              <a:rPr lang="it-IT" dirty="0">
+                <a:solidFill>
+                  <a:srgbClr val="003C71"/>
+                </a:solidFill>
+              </a:rPr>
+              <a:t>Once </a:t>
+            </a:r>
+            <a:r>
+              <a:rPr lang="it-IT" dirty="0" err="1">
+                <a:solidFill>
+                  <a:srgbClr val="003C71"/>
+                </a:solidFill>
+              </a:rPr>
+              <a:t>we</a:t>
+            </a:r>
+            <a:r>
+              <a:rPr lang="it-IT" dirty="0">
+                <a:solidFill>
+                  <a:srgbClr val="003C71"/>
+                </a:solidFill>
+              </a:rPr>
+              <a:t> </a:t>
+            </a:r>
+            <a:r>
+              <a:rPr lang="it-IT" dirty="0" err="1">
+                <a:solidFill>
+                  <a:srgbClr val="003C71"/>
+                </a:solidFill>
+              </a:rPr>
+              <a:t>calculate</a:t>
+            </a:r>
+            <a:r>
+              <a:rPr lang="it-IT" dirty="0">
+                <a:solidFill>
+                  <a:srgbClr val="003C71"/>
+                </a:solidFill>
+              </a:rPr>
+              <a:t> the OPI for </a:t>
+            </a:r>
+            <a:r>
+              <a:rPr lang="it-IT" dirty="0" err="1">
+                <a:solidFill>
+                  <a:srgbClr val="003C71"/>
+                </a:solidFill>
+              </a:rPr>
+              <a:t>each</a:t>
+            </a:r>
+            <a:r>
+              <a:rPr lang="it-IT" dirty="0">
+                <a:solidFill>
+                  <a:srgbClr val="003C71"/>
+                </a:solidFill>
+              </a:rPr>
+              <a:t> team </a:t>
+            </a:r>
+            <a:r>
+              <a:rPr lang="it-IT" dirty="0" err="1">
+                <a:solidFill>
+                  <a:srgbClr val="003C71"/>
+                </a:solidFill>
+              </a:rPr>
+              <a:t>we</a:t>
+            </a:r>
+            <a:r>
+              <a:rPr lang="it-IT" dirty="0">
+                <a:solidFill>
+                  <a:srgbClr val="003C71"/>
+                </a:solidFill>
+              </a:rPr>
+              <a:t> can </a:t>
+            </a:r>
+            <a:r>
+              <a:rPr lang="it-IT" dirty="0" err="1">
+                <a:solidFill>
+                  <a:srgbClr val="003C71"/>
+                </a:solidFill>
+              </a:rPr>
+              <a:t>calulate</a:t>
+            </a:r>
+            <a:r>
+              <a:rPr lang="it-IT" dirty="0">
+                <a:solidFill>
+                  <a:srgbClr val="003C71"/>
+                </a:solidFill>
+              </a:rPr>
+              <a:t> a </a:t>
+            </a:r>
+            <a:r>
+              <a:rPr lang="it-IT" dirty="0" err="1">
+                <a:solidFill>
+                  <a:srgbClr val="003C71"/>
+                </a:solidFill>
+              </a:rPr>
+              <a:t>mean</a:t>
+            </a:r>
+            <a:r>
+              <a:rPr lang="it-IT" dirty="0">
+                <a:solidFill>
+                  <a:srgbClr val="003C71"/>
+                </a:solidFill>
+              </a:rPr>
+              <a:t> and a </a:t>
+            </a:r>
+            <a:r>
+              <a:rPr lang="it-IT" dirty="0" err="1">
+                <a:solidFill>
+                  <a:srgbClr val="003C71"/>
+                </a:solidFill>
+              </a:rPr>
+              <a:t>variation</a:t>
+            </a:r>
+            <a:r>
+              <a:rPr lang="it-IT" dirty="0">
+                <a:solidFill>
+                  <a:srgbClr val="003C71"/>
+                </a:solidFill>
+              </a:rPr>
+              <a:t>, </a:t>
+            </a:r>
+            <a:r>
+              <a:rPr lang="it-IT" dirty="0" err="1">
+                <a:solidFill>
+                  <a:srgbClr val="003C71"/>
+                </a:solidFill>
+              </a:rPr>
+              <a:t>as</a:t>
+            </a:r>
+            <a:r>
+              <a:rPr lang="it-IT" dirty="0">
+                <a:solidFill>
+                  <a:srgbClr val="003C71"/>
+                </a:solidFill>
+              </a:rPr>
+              <a:t> in the </a:t>
+            </a:r>
+            <a:r>
+              <a:rPr lang="it-IT" dirty="0" err="1">
+                <a:solidFill>
+                  <a:srgbClr val="003C71"/>
+                </a:solidFill>
+              </a:rPr>
+              <a:t>normal</a:t>
+            </a:r>
+            <a:r>
+              <a:rPr lang="it-IT" dirty="0">
+                <a:solidFill>
+                  <a:srgbClr val="003C71"/>
+                </a:solidFill>
+              </a:rPr>
+              <a:t> </a:t>
+            </a:r>
+            <a:r>
+              <a:rPr lang="it-IT" dirty="0" err="1">
+                <a:solidFill>
+                  <a:srgbClr val="003C71"/>
+                </a:solidFill>
+              </a:rPr>
+              <a:t>probability</a:t>
+            </a:r>
+            <a:r>
+              <a:rPr lang="it-IT" dirty="0">
+                <a:solidFill>
+                  <a:srgbClr val="003C71"/>
+                </a:solidFill>
+              </a:rPr>
+              <a:t> </a:t>
+            </a:r>
+            <a:r>
+              <a:rPr lang="it-IT" dirty="0" err="1">
+                <a:solidFill>
+                  <a:srgbClr val="003C71"/>
+                </a:solidFill>
+              </a:rPr>
+              <a:t>distribution</a:t>
+            </a:r>
+            <a:r>
+              <a:rPr lang="it-IT" dirty="0">
+                <a:solidFill>
+                  <a:srgbClr val="003C71"/>
+                </a:solidFill>
+              </a:rPr>
+              <a:t>. </a:t>
+            </a:r>
+            <a:r>
+              <a:rPr lang="it-IT" dirty="0" err="1">
+                <a:solidFill>
+                  <a:srgbClr val="003C71"/>
+                </a:solidFill>
+              </a:rPr>
+              <a:t>Than</a:t>
+            </a:r>
+            <a:r>
+              <a:rPr lang="it-IT" dirty="0">
+                <a:solidFill>
+                  <a:srgbClr val="003C71"/>
+                </a:solidFill>
+              </a:rPr>
+              <a:t> </a:t>
+            </a:r>
+            <a:r>
+              <a:rPr lang="it-IT" dirty="0" err="1">
+                <a:solidFill>
+                  <a:srgbClr val="003C71"/>
+                </a:solidFill>
+              </a:rPr>
+              <a:t>we</a:t>
+            </a:r>
+            <a:r>
+              <a:rPr lang="it-IT" dirty="0">
+                <a:solidFill>
+                  <a:srgbClr val="003C71"/>
+                </a:solidFill>
+              </a:rPr>
+              <a:t> retrive some </a:t>
+            </a:r>
+            <a:r>
+              <a:rPr lang="it-IT" dirty="0" err="1">
+                <a:solidFill>
+                  <a:srgbClr val="003C71"/>
+                </a:solidFill>
+              </a:rPr>
+              <a:t>intervals</a:t>
+            </a:r>
+            <a:r>
+              <a:rPr lang="it-IT" dirty="0">
+                <a:solidFill>
+                  <a:srgbClr val="003C71"/>
+                </a:solidFill>
+              </a:rPr>
+              <a:t> </a:t>
+            </a:r>
+            <a:r>
+              <a:rPr lang="it-IT" dirty="0" err="1">
+                <a:solidFill>
+                  <a:srgbClr val="003C71"/>
+                </a:solidFill>
+              </a:rPr>
+              <a:t>as</a:t>
+            </a:r>
+            <a:r>
+              <a:rPr lang="it-IT" dirty="0">
+                <a:solidFill>
+                  <a:srgbClr val="003C71"/>
+                </a:solidFill>
+              </a:rPr>
+              <a:t> </a:t>
+            </a:r>
+            <a:r>
+              <a:rPr lang="it-IT" dirty="0" err="1">
+                <a:solidFill>
+                  <a:srgbClr val="003C71"/>
+                </a:solidFill>
+              </a:rPr>
+              <a:t>shown</a:t>
+            </a:r>
+            <a:r>
+              <a:rPr lang="it-IT" dirty="0">
+                <a:solidFill>
+                  <a:srgbClr val="003C71"/>
+                </a:solidFill>
+              </a:rPr>
+              <a:t> in the figure.</a:t>
+            </a:r>
+          </a:p>
+        </p:txBody>
+      </p:sp>
+      <p:cxnSp>
+        <p:nvCxnSpPr>
+          <p:cNvPr id="5" name="Connettore diritto 4">
+            <a:extLst>
+              <a:ext uri="{FF2B5EF4-FFF2-40B4-BE49-F238E27FC236}">
+                <a16:creationId xmlns:a16="http://schemas.microsoft.com/office/drawing/2014/main" id="{6CAED0D4-6AF8-CE88-1DA6-4CDF5D2B74FF}"/>
+              </a:ext>
+            </a:extLst>
+          </p:cNvPr>
+          <p:cNvCxnSpPr>
+            <a:cxnSpLocks/>
+          </p:cNvCxnSpPr>
+          <p:nvPr/>
+        </p:nvCxnSpPr>
+        <p:spPr>
+          <a:xfrm>
+            <a:off x="3045372" y="5141167"/>
+            <a:ext cx="0" cy="408759"/>
+          </a:xfrm>
+          <a:prstGeom prst="line">
+            <a:avLst/>
+          </a:prstGeom>
+          <a:ln w="28575">
+            <a:solidFill>
+              <a:schemeClr val="bg1">
+                <a:lumMod val="50000"/>
+              </a:schemeClr>
+            </a:solidFill>
+          </a:ln>
+        </p:spPr>
+        <p:style>
+          <a:lnRef idx="1">
+            <a:schemeClr val="accent1"/>
+          </a:lnRef>
+          <a:fillRef idx="0">
+            <a:schemeClr val="accent1"/>
+          </a:fillRef>
+          <a:effectRef idx="0">
+            <a:schemeClr val="accent1"/>
+          </a:effectRef>
+          <a:fontRef idx="minor">
+            <a:schemeClr val="tx1"/>
+          </a:fontRef>
+        </p:style>
+      </p:cxnSp>
+      <p:sp>
+        <p:nvSpPr>
+          <p:cNvPr id="10" name="CasellaDiTesto 9">
+            <a:extLst>
+              <a:ext uri="{FF2B5EF4-FFF2-40B4-BE49-F238E27FC236}">
+                <a16:creationId xmlns:a16="http://schemas.microsoft.com/office/drawing/2014/main" id="{57596A88-42CE-1214-F5DB-7F263DBED0BC}"/>
+              </a:ext>
+            </a:extLst>
+          </p:cNvPr>
+          <p:cNvSpPr txBox="1"/>
+          <p:nvPr/>
+        </p:nvSpPr>
+        <p:spPr>
+          <a:xfrm>
+            <a:off x="2894459" y="5514948"/>
+            <a:ext cx="301825" cy="372133"/>
+          </a:xfrm>
+          <a:prstGeom prst="rect">
+            <a:avLst/>
+          </a:prstGeom>
+          <a:noFill/>
+        </p:spPr>
+        <p:txBody>
+          <a:bodyPr wrap="square" rtlCol="0">
+            <a:spAutoFit/>
+          </a:bodyPr>
+          <a:lstStyle/>
+          <a:p>
+            <a:r>
+              <a:rPr lang="it-IT" b="1" dirty="0">
+                <a:solidFill>
+                  <a:srgbClr val="003C71"/>
+                </a:solidFill>
+              </a:rPr>
+              <a:t>µ</a:t>
+            </a:r>
+          </a:p>
+        </p:txBody>
+      </p:sp>
+      <p:cxnSp>
+        <p:nvCxnSpPr>
+          <p:cNvPr id="11" name="Connettore diritto 10">
+            <a:extLst>
+              <a:ext uri="{FF2B5EF4-FFF2-40B4-BE49-F238E27FC236}">
+                <a16:creationId xmlns:a16="http://schemas.microsoft.com/office/drawing/2014/main" id="{A74E0270-CB6D-3FC4-ED3B-3B3554675FB2}"/>
+              </a:ext>
+            </a:extLst>
+          </p:cNvPr>
+          <p:cNvCxnSpPr>
+            <a:cxnSpLocks/>
+          </p:cNvCxnSpPr>
+          <p:nvPr/>
+        </p:nvCxnSpPr>
+        <p:spPr>
+          <a:xfrm>
+            <a:off x="1996662" y="5106189"/>
+            <a:ext cx="0" cy="408759"/>
+          </a:xfrm>
+          <a:prstGeom prst="line">
+            <a:avLst/>
+          </a:prstGeom>
+          <a:ln w="28575">
+            <a:solidFill>
+              <a:schemeClr val="bg1">
+                <a:lumMod val="50000"/>
+              </a:schemeClr>
+            </a:solidFill>
+          </a:ln>
+        </p:spPr>
+        <p:style>
+          <a:lnRef idx="1">
+            <a:schemeClr val="accent1"/>
+          </a:lnRef>
+          <a:fillRef idx="0">
+            <a:schemeClr val="accent1"/>
+          </a:fillRef>
+          <a:effectRef idx="0">
+            <a:schemeClr val="accent1"/>
+          </a:effectRef>
+          <a:fontRef idx="minor">
+            <a:schemeClr val="tx1"/>
+          </a:fontRef>
+        </p:style>
+      </p:cxnSp>
+      <p:sp>
+        <p:nvSpPr>
+          <p:cNvPr id="12" name="CasellaDiTesto 11">
+            <a:extLst>
+              <a:ext uri="{FF2B5EF4-FFF2-40B4-BE49-F238E27FC236}">
+                <a16:creationId xmlns:a16="http://schemas.microsoft.com/office/drawing/2014/main" id="{DA2813E0-9622-30C2-C545-4E31E741E631}"/>
+              </a:ext>
+            </a:extLst>
+          </p:cNvPr>
+          <p:cNvSpPr txBox="1"/>
+          <p:nvPr/>
+        </p:nvSpPr>
+        <p:spPr>
+          <a:xfrm>
+            <a:off x="1632857" y="5701014"/>
+            <a:ext cx="640952" cy="369332"/>
+          </a:xfrm>
+          <a:prstGeom prst="rect">
+            <a:avLst/>
+          </a:prstGeom>
+          <a:noFill/>
+        </p:spPr>
+        <p:txBody>
+          <a:bodyPr wrap="square" rtlCol="0">
+            <a:spAutoFit/>
+          </a:bodyPr>
+          <a:lstStyle/>
+          <a:p>
+            <a:endParaRPr lang="it-IT"/>
           </a:p>
         </p:txBody>
       </p:sp>
@@ -35875,6 +36266,129 @@
                       </p:childTnLst>
                     </p:cTn>
                   </p:par>
+                  <p:par>
+                    <p:cTn id="60" fill="hold">
+                      <p:stCondLst>
+                        <p:cond delay="indefinite"/>
+                      </p:stCondLst>
+                      <p:childTnLst>
+                        <p:par>
+                          <p:cTn id="61" fill="hold">
+                            <p:stCondLst>
+                              <p:cond delay="0"/>
+                            </p:stCondLst>
+                            <p:childTnLst>
+                              <p:par>
+                                <p:cTn id="62" presetID="10" presetClass="entr" presetSubtype="0" fill="hold" grpId="0" nodeType="clickEffect">
+                                  <p:stCondLst>
+                                    <p:cond delay="0"/>
+                                  </p:stCondLst>
+                                  <p:childTnLst>
+                                    <p:set>
+                                      <p:cBhvr>
+                                        <p:cTn id="63" dur="1" fill="hold">
+                                          <p:stCondLst>
+                                            <p:cond delay="0"/>
+                                          </p:stCondLst>
+                                        </p:cTn>
+                                        <p:tgtEl>
+                                          <p:spTgt spid="10"/>
+                                        </p:tgtEl>
+                                        <p:attrNameLst>
+                                          <p:attrName>style.visibility</p:attrName>
+                                        </p:attrNameLst>
+                                      </p:cBhvr>
+                                      <p:to>
+                                        <p:strVal val="visible"/>
+                                      </p:to>
+                                    </p:set>
+                                    <p:animEffect transition="in" filter="fade">
+                                      <p:cBhvr>
+                                        <p:cTn id="64" dur="500"/>
+                                        <p:tgtEl>
+                                          <p:spTgt spid="10"/>
+                                        </p:tgtEl>
+                                      </p:cBhvr>
+                                    </p:animEffect>
+                                  </p:childTnLst>
+                                </p:cTn>
+                              </p:par>
+                              <p:par>
+                                <p:cTn id="65" presetID="10" presetClass="entr" presetSubtype="0" fill="hold" nodeType="withEffect">
+                                  <p:stCondLst>
+                                    <p:cond delay="0"/>
+                                  </p:stCondLst>
+                                  <p:childTnLst>
+                                    <p:set>
+                                      <p:cBhvr>
+                                        <p:cTn id="66" dur="1" fill="hold">
+                                          <p:stCondLst>
+                                            <p:cond delay="0"/>
+                                          </p:stCondLst>
+                                        </p:cTn>
+                                        <p:tgtEl>
+                                          <p:spTgt spid="5"/>
+                                        </p:tgtEl>
+                                        <p:attrNameLst>
+                                          <p:attrName>style.visibility</p:attrName>
+                                        </p:attrNameLst>
+                                      </p:cBhvr>
+                                      <p:to>
+                                        <p:strVal val="visible"/>
+                                      </p:to>
+                                    </p:set>
+                                    <p:animEffect transition="in" filter="fade">
+                                      <p:cBhvr>
+                                        <p:cTn id="67" dur="500"/>
+                                        <p:tgtEl>
+                                          <p:spTgt spid="5"/>
+                                        </p:tgtEl>
+                                      </p:cBhvr>
+                                    </p:animEffect>
+                                  </p:childTnLst>
+                                </p:cTn>
+                              </p:par>
+                              <p:par>
+                                <p:cTn id="68" presetID="10" presetClass="entr" presetSubtype="0" fill="hold" nodeType="withEffect">
+                                  <p:stCondLst>
+                                    <p:cond delay="0"/>
+                                  </p:stCondLst>
+                                  <p:childTnLst>
+                                    <p:set>
+                                      <p:cBhvr>
+                                        <p:cTn id="69" dur="1" fill="hold">
+                                          <p:stCondLst>
+                                            <p:cond delay="0"/>
+                                          </p:stCondLst>
+                                        </p:cTn>
+                                        <p:tgtEl>
+                                          <p:spTgt spid="11"/>
+                                        </p:tgtEl>
+                                        <p:attrNameLst>
+                                          <p:attrName>style.visibility</p:attrName>
+                                        </p:attrNameLst>
+                                      </p:cBhvr>
+                                      <p:to>
+                                        <p:strVal val="visible"/>
+                                      </p:to>
+                                    </p:set>
+                                    <p:animEffect transition="in" filter="fade">
+                                      <p:cBhvr>
+                                        <p:cTn id="70" dur="500"/>
+                                        <p:tgtEl>
+                                          <p:spTgt spid="11"/>
+                                        </p:tgtEl>
+                                      </p:cBhvr>
+                                    </p:animEffect>
+                                  </p:childTnLst>
+                                </p:cTn>
+                              </p:par>
+                            </p:childTnLst>
+                          </p:cTn>
+                        </p:par>
+                      </p:childTnLst>
+                    </p:cTn>
+                  </p:par>
                 </p:childTnLst>
               </p:cTn>
               <p:prevCondLst>
@@ -35908,6 +36422,7 @@
       <p:bldP spid="45" grpId="0" animBg="1"/>
       <p:bldP spid="46" grpId="0"/>
       <p:bldP spid="47" grpId="0"/>
+      <p:bldP spid="10" grpId="0"/>
     </p:bldLst>
   </p:timing>
 </p:sld>
@@ -36734,15 +37249,6 @@
 </file>
 
 <file path=customXml/item2.xml><?xml version="1.0" encoding="utf-8"?>
-<p:properties xmlns:p="http://schemas.microsoft.com/office/2006/metadata/properties" xmlns:xsi="http://www.w3.org/2001/XMLSchema-instance" xmlns:pc="http://schemas.microsoft.com/office/infopath/2007/PartnerControls">
-  <documentManagement>
-    <Status xmlns="71af3243-3dd4-4a8d-8c0d-dd76da1f02a5">Not started</Status>
-    <MediaServiceKeyPoints xmlns="71af3243-3dd4-4a8d-8c0d-dd76da1f02a5" xsi:nil="true"/>
-  </documentManagement>
-</p:properties>
-</file>
-
-<file path=customXml/item3.xml><?xml version="1.0" encoding="utf-8"?>
 <ct:contentTypeSchema xmlns:ct="http://schemas.microsoft.com/office/2006/metadata/contentType" xmlns:ma="http://schemas.microsoft.com/office/2006/metadata/properties/metaAttributes" ct:_="" ma:_="" ma:contentTypeName="Document" ma:contentTypeID="0x01010079F111ED35F8CC479449609E8A0923A6" ma:contentTypeVersion="12" ma:contentTypeDescription="Create a new document." ma:contentTypeScope="" ma:versionID="426e97fa315356fffbdcd9876fe988c2">
   <xsd:schema xmlns:xsd="http://www.w3.org/2001/XMLSchema" xmlns:xs="http://www.w3.org/2001/XMLSchema" xmlns:p="http://schemas.microsoft.com/office/2006/metadata/properties" xmlns:ns2="71af3243-3dd4-4a8d-8c0d-dd76da1f02a5" xmlns:ns3="16c05727-aa75-4e4a-9b5f-8a80a1165891" targetNamespace="http://schemas.microsoft.com/office/2006/metadata/properties" ma:root="true" ma:fieldsID="14b8f0def80e6d70ce3def20c90759ae" ns2:_="" ns3:_="">
     <xsd:import namespace="71af3243-3dd4-4a8d-8c0d-dd76da1f02a5"/>
@@ -36963,6 +37469,15 @@
 </ct:contentTypeSchema>
 </file>
 
+<file path=customXml/item3.xml><?xml version="1.0" encoding="utf-8"?>
+<p:properties xmlns:p="http://schemas.microsoft.com/office/2006/metadata/properties" xmlns:xsi="http://www.w3.org/2001/XMLSchema-instance" xmlns:pc="http://schemas.microsoft.com/office/infopath/2007/PartnerControls">
+  <documentManagement>
+    <Status xmlns="71af3243-3dd4-4a8d-8c0d-dd76da1f02a5">Not started</Status>
+    <MediaServiceKeyPoints xmlns="71af3243-3dd4-4a8d-8c0d-dd76da1f02a5" xsi:nil="true"/>
+  </documentManagement>
+</p:properties>
+</file>
+
 <file path=customXml/itemProps1.xml><?xml version="1.0" encoding="utf-8"?>
 <ds:datastoreItem xmlns:ds="http://schemas.openxmlformats.org/officeDocument/2006/customXml" ds:itemID="{466BA265-3C9C-41FF-80C6-61A7F961C0DC}">
   <ds:schemaRefs>
@@ -36972,16 +37487,6 @@
 </file>
 
 <file path=customXml/itemProps2.xml><?xml version="1.0" encoding="utf-8"?>
-<ds:datastoreItem xmlns:ds="http://schemas.openxmlformats.org/officeDocument/2006/customXml" ds:itemID="{B211B2B9-8CE5-4E5A-B70F-6B056FE844E8}">
-  <ds:schemaRefs>
-    <ds:schemaRef ds:uri="http://schemas.microsoft.com/office/2006/metadata/properties"/>
-    <ds:schemaRef ds:uri="http://schemas.microsoft.com/office/infopath/2007/PartnerControls"/>
-    <ds:schemaRef ds:uri="71af3243-3dd4-4a8d-8c0d-dd76da1f02a5"/>
-  </ds:schemaRefs>
-</ds:datastoreItem>
-</file>
-
-<file path=customXml/itemProps3.xml><?xml version="1.0" encoding="utf-8"?>
 <ds:datastoreItem xmlns:ds="http://schemas.openxmlformats.org/officeDocument/2006/customXml" ds:itemID="{5055BC56-8FA3-435B-ACDD-0E8E6241EF63}">
   <ds:schemaRefs>
     <ds:schemaRef ds:uri="http://schemas.microsoft.com/office/2006/metadata/contentType"/>
@@ -36998,4 +37503,14 @@
     <ds:schemaRef ds:uri="http://schemas.microsoft.com/internal/obd"/>
   </ds:schemaRefs>
 </ds:datastoreItem>
+</file>
+
+<file path=customXml/itemProps3.xml><?xml version="1.0" encoding="utf-8"?>
+<ds:datastoreItem xmlns:ds="http://schemas.openxmlformats.org/officeDocument/2006/customXml" ds:itemID="{B211B2B9-8CE5-4E5A-B70F-6B056FE844E8}">
+  <ds:schemaRefs>
+    <ds:schemaRef ds:uri="http://schemas.microsoft.com/office/2006/metadata/properties"/>
+    <ds:schemaRef ds:uri="http://schemas.microsoft.com/office/infopath/2007/PartnerControls"/>
+    <ds:schemaRef ds:uri="71af3243-3dd4-4a8d-8c0d-dd76da1f02a5"/>
+  </ds:schemaRefs>
+</ds:datastoreItem>
 </file>